--- a/Day1/beginner_parallel_computing.pptx
+++ b/Day1/beginner_parallel_computing.pptx
@@ -6,37 +6,38 @@
     <p:sldMasterId id="2147483768" r:id="rId2"/>
     <p:sldMasterId id="2147483780" r:id="rId3"/>
     <p:sldMasterId id="2147483792" r:id="rId4"/>
+    <p:sldMasterId id="2147483805" r:id="rId5"/>
   </p:sldMasterIdLst>
   <p:notesMasterIdLst>
-    <p:notesMasterId r:id="rId28"/>
+    <p:notesMasterId r:id="rId29"/>
   </p:notesMasterIdLst>
   <p:handoutMasterIdLst>
-    <p:handoutMasterId r:id="rId29"/>
+    <p:handoutMasterId r:id="rId30"/>
   </p:handoutMasterIdLst>
   <p:sldIdLst>
-    <p:sldId id="312" r:id="rId5"/>
-    <p:sldId id="295" r:id="rId6"/>
-    <p:sldId id="292" r:id="rId7"/>
-    <p:sldId id="284" r:id="rId8"/>
-    <p:sldId id="269" r:id="rId9"/>
-    <p:sldId id="303" r:id="rId10"/>
-    <p:sldId id="294" r:id="rId11"/>
-    <p:sldId id="304" r:id="rId12"/>
-    <p:sldId id="305" r:id="rId13"/>
-    <p:sldId id="290" r:id="rId14"/>
-    <p:sldId id="306" r:id="rId15"/>
-    <p:sldId id="310" r:id="rId16"/>
-    <p:sldId id="307" r:id="rId17"/>
-    <p:sldId id="308" r:id="rId18"/>
-    <p:sldId id="309" r:id="rId19"/>
-    <p:sldId id="288" r:id="rId20"/>
-    <p:sldId id="289" r:id="rId21"/>
-    <p:sldId id="297" r:id="rId22"/>
-    <p:sldId id="299" r:id="rId23"/>
-    <p:sldId id="301" r:id="rId24"/>
-    <p:sldId id="316" r:id="rId25"/>
-    <p:sldId id="287" r:id="rId26"/>
-    <p:sldId id="315" r:id="rId27"/>
+    <p:sldId id="312" r:id="rId6"/>
+    <p:sldId id="295" r:id="rId7"/>
+    <p:sldId id="292" r:id="rId8"/>
+    <p:sldId id="284" r:id="rId9"/>
+    <p:sldId id="269" r:id="rId10"/>
+    <p:sldId id="303" r:id="rId11"/>
+    <p:sldId id="294" r:id="rId12"/>
+    <p:sldId id="304" r:id="rId13"/>
+    <p:sldId id="305" r:id="rId14"/>
+    <p:sldId id="290" r:id="rId15"/>
+    <p:sldId id="306" r:id="rId16"/>
+    <p:sldId id="310" r:id="rId17"/>
+    <p:sldId id="307" r:id="rId18"/>
+    <p:sldId id="308" r:id="rId19"/>
+    <p:sldId id="309" r:id="rId20"/>
+    <p:sldId id="288" r:id="rId21"/>
+    <p:sldId id="289" r:id="rId22"/>
+    <p:sldId id="297" r:id="rId23"/>
+    <p:sldId id="299" r:id="rId24"/>
+    <p:sldId id="301" r:id="rId25"/>
+    <p:sldId id="316" r:id="rId26"/>
+    <p:sldId id="287" r:id="rId27"/>
+    <p:sldId id="315" r:id="rId28"/>
   </p:sldIdLst>
   <p:sldSz cx="9144000" cy="6858000" type="screen4x3"/>
   <p:notesSz cx="6858000" cy="9144000"/>
@@ -236,7 +237,7 @@
           <a:p>
             <a:fld id="{F8E3E0DE-FB6D-A44C-A23A-E2BCA235FD7A}" type="datetimeFigureOut">
               <a:rPr lang="en-US" smtClean="0"/>
-              <a:t>5/12/17</a:t>
+              <a:t>5/14/17</a:t>
             </a:fld>
             <a:endParaRPr lang="en-US"/>
           </a:p>
@@ -402,7 +403,7 @@
           <a:p>
             <a:fld id="{60A63853-5987-DF4B-9DFB-1B52DF4CD897}" type="datetimeFigureOut">
               <a:rPr lang="en-US" smtClean="0"/>
-              <a:t>5/12/17</a:t>
+              <a:t>5/14/17</a:t>
             </a:fld>
             <a:endParaRPr lang="en-US"/>
           </a:p>
@@ -2264,7 +2265,7 @@
           <a:p>
             <a:fld id="{DF497170-C86C-3649-BDE1-33A3EDC5AF66}" type="datetime1">
               <a:rPr lang="en-US" smtClean="0"/>
-              <a:t>5/12/17</a:t>
+              <a:t>5/14/17</a:t>
             </a:fld>
             <a:endParaRPr lang="en-US"/>
           </a:p>
@@ -2439,7 +2440,7 @@
           <a:p>
             <a:fld id="{3B6066F8-7A7F-274A-A168-C58F13C390CD}" type="datetime1">
               <a:rPr lang="en-US" smtClean="0"/>
-              <a:t>5/12/17</a:t>
+              <a:t>5/14/17</a:t>
             </a:fld>
             <a:endParaRPr lang="en-US"/>
           </a:p>
@@ -2623,7 +2624,7 @@
           <a:p>
             <a:fld id="{9BA87E43-309A-534A-B342-CDBE4636DF37}" type="datetime1">
               <a:rPr lang="en-US" smtClean="0"/>
-              <a:t>5/12/17</a:t>
+              <a:t>5/14/17</a:t>
             </a:fld>
             <a:endParaRPr lang="en-US"/>
           </a:p>
@@ -2869,7 +2870,7 @@
           <a:p>
             <a:fld id="{F7215EB1-6E98-0547-99BF-D0027BB4EBAB}" type="datetime1">
               <a:rPr lang="en-US" smtClean="0"/>
-              <a:t>5/12/17</a:t>
+              <a:t>5/14/17</a:t>
             </a:fld>
             <a:endParaRPr lang="en-US"/>
           </a:p>
@@ -3043,7 +3044,7 @@
           <a:p>
             <a:fld id="{7716A4F4-627E-F947-BAC7-27B376CE86CF}" type="datetime1">
               <a:rPr lang="en-US" smtClean="0"/>
-              <a:t>5/12/17</a:t>
+              <a:t>5/14/17</a:t>
             </a:fld>
             <a:endParaRPr lang="en-US"/>
           </a:p>
@@ -3293,7 +3294,7 @@
           <a:p>
             <a:fld id="{05700CA5-D989-984A-9E75-0EF01E16DE6C}" type="datetime1">
               <a:rPr lang="en-US" smtClean="0"/>
-              <a:t>5/12/17</a:t>
+              <a:t>5/14/17</a:t>
             </a:fld>
             <a:endParaRPr lang="en-US"/>
           </a:p>
@@ -3585,7 +3586,7 @@
           <a:p>
             <a:fld id="{8D9C5303-0D69-BE4E-BAFF-6CC72824CDDB}" type="datetime1">
               <a:rPr lang="en-US" smtClean="0"/>
-              <a:t>5/12/17</a:t>
+              <a:t>5/14/17</a:t>
             </a:fld>
             <a:endParaRPr lang="en-US"/>
           </a:p>
@@ -4011,7 +4012,7 @@
           <a:p>
             <a:fld id="{4CFECF41-D59B-E84A-BCC9-02E58775B87F}" type="datetime1">
               <a:rPr lang="en-US" smtClean="0"/>
-              <a:t>5/12/17</a:t>
+              <a:t>5/14/17</a:t>
             </a:fld>
             <a:endParaRPr lang="en-US"/>
           </a:p>
@@ -4133,7 +4134,7 @@
           <a:p>
             <a:fld id="{55FAEA16-07AF-D54C-A97B-028517976A78}" type="datetime1">
               <a:rPr lang="en-US" smtClean="0"/>
-              <a:t>5/12/17</a:t>
+              <a:t>5/14/17</a:t>
             </a:fld>
             <a:endParaRPr lang="en-US"/>
           </a:p>
@@ -4232,7 +4233,7 @@
           <a:p>
             <a:fld id="{B0BBDEF5-1D4D-CD46-88A1-6785361D7579}" type="datetime1">
               <a:rPr lang="en-US" smtClean="0"/>
-              <a:t>5/12/17</a:t>
+              <a:t>5/14/17</a:t>
             </a:fld>
             <a:endParaRPr lang="en-US"/>
           </a:p>
@@ -4513,7 +4514,7 @@
           <a:p>
             <a:fld id="{F0D0BB3B-26F2-4940-BB87-97BD157EDCF4}" type="datetime1">
               <a:rPr lang="en-US" smtClean="0"/>
-              <a:t>5/12/17</a:t>
+              <a:t>5/14/17</a:t>
             </a:fld>
             <a:endParaRPr lang="en-US"/>
           </a:p>
@@ -4687,7 +4688,7 @@
           <a:p>
             <a:fld id="{D3D04FFA-4763-3940-BDBB-7F18909534D6}" type="datetime1">
               <a:rPr lang="en-US" smtClean="0"/>
-              <a:t>5/12/17</a:t>
+              <a:t>5/14/17</a:t>
             </a:fld>
             <a:endParaRPr lang="en-US"/>
           </a:p>
@@ -4948,7 +4949,7 @@
           <a:p>
             <a:fld id="{D38A34DE-C38D-1A44-B9BF-05976128C428}" type="datetime1">
               <a:rPr lang="en-US" smtClean="0"/>
-              <a:t>5/12/17</a:t>
+              <a:t>5/14/17</a:t>
             </a:fld>
             <a:endParaRPr lang="en-US"/>
           </a:p>
@@ -5122,7 +5123,7 @@
           <a:p>
             <a:fld id="{13440077-B841-C145-9C18-2283712C6CB4}" type="datetime1">
               <a:rPr lang="en-US" smtClean="0"/>
-              <a:t>5/12/17</a:t>
+              <a:t>5/14/17</a:t>
             </a:fld>
             <a:endParaRPr lang="en-US"/>
           </a:p>
@@ -5306,7 +5307,7 @@
           <a:p>
             <a:fld id="{F723A81D-F8EC-CE48-9C59-6C88B5ABB1EE}" type="datetime1">
               <a:rPr lang="en-US" smtClean="0"/>
-              <a:t>5/12/17</a:t>
+              <a:t>5/14/17</a:t>
             </a:fld>
             <a:endParaRPr lang="en-US"/>
           </a:p>
@@ -5552,7 +5553,7 @@
           <a:p>
             <a:fld id="{E0E97AC1-AEB6-9A41-BDD0-DAA9B6767518}" type="datetime1">
               <a:rPr lang="en-US" smtClean="0"/>
-              <a:t>5/12/17</a:t>
+              <a:t>5/14/17</a:t>
             </a:fld>
             <a:endParaRPr lang="en-US"/>
           </a:p>
@@ -5726,7 +5727,7 @@
           <a:p>
             <a:fld id="{BBBAA815-03A6-0A4E-87FD-E86A8A9A40D3}" type="datetime1">
               <a:rPr lang="en-US" smtClean="0"/>
-              <a:t>5/12/17</a:t>
+              <a:t>5/14/17</a:t>
             </a:fld>
             <a:endParaRPr lang="en-US"/>
           </a:p>
@@ -5976,7 +5977,7 @@
           <a:p>
             <a:fld id="{616C3B44-5A0D-2F46-8081-2CFA459EEA7C}" type="datetime1">
               <a:rPr lang="en-US" smtClean="0"/>
-              <a:t>5/12/17</a:t>
+              <a:t>5/14/17</a:t>
             </a:fld>
             <a:endParaRPr lang="en-US"/>
           </a:p>
@@ -6268,7 +6269,7 @@
           <a:p>
             <a:fld id="{A641A974-C8F0-FD4D-806A-5E395EA7ABF6}" type="datetime1">
               <a:rPr lang="en-US" smtClean="0"/>
-              <a:t>5/12/17</a:t>
+              <a:t>5/14/17</a:t>
             </a:fld>
             <a:endParaRPr lang="en-US"/>
           </a:p>
@@ -6694,7 +6695,7 @@
           <a:p>
             <a:fld id="{A1D16938-FA12-F64E-BCBB-389968695F02}" type="datetime1">
               <a:rPr lang="en-US" smtClean="0"/>
-              <a:t>5/12/17</a:t>
+              <a:t>5/14/17</a:t>
             </a:fld>
             <a:endParaRPr lang="en-US"/>
           </a:p>
@@ -6816,7 +6817,7 @@
           <a:p>
             <a:fld id="{CF63F13C-3CFF-D244-B5CD-47A2BF807C32}" type="datetime1">
               <a:rPr lang="en-US" smtClean="0"/>
-              <a:t>5/12/17</a:t>
+              <a:t>5/14/17</a:t>
             </a:fld>
             <a:endParaRPr lang="en-US"/>
           </a:p>
@@ -6915,7 +6916,7 @@
           <a:p>
             <a:fld id="{A0363029-698C-0248-BC99-62FB129A753A}" type="datetime1">
               <a:rPr lang="en-US" smtClean="0"/>
-              <a:t>5/12/17</a:t>
+              <a:t>5/14/17</a:t>
             </a:fld>
             <a:endParaRPr lang="en-US"/>
           </a:p>
@@ -7165,7 +7166,7 @@
           <a:p>
             <a:fld id="{00A57354-8057-5441-A1FC-1462260F7946}" type="datetime1">
               <a:rPr lang="en-US" smtClean="0"/>
-              <a:t>5/12/17</a:t>
+              <a:t>5/14/17</a:t>
             </a:fld>
             <a:endParaRPr lang="en-US"/>
           </a:p>
@@ -7446,7 +7447,7 @@
           <a:p>
             <a:fld id="{912B8968-7AA7-5241-BCA5-4F086041F83F}" type="datetime1">
               <a:rPr lang="en-US" smtClean="0"/>
-              <a:t>5/12/17</a:t>
+              <a:t>5/14/17</a:t>
             </a:fld>
             <a:endParaRPr lang="en-US"/>
           </a:p>
@@ -7707,7 +7708,7 @@
           <a:p>
             <a:fld id="{D4365BFF-E7C2-8743-A7E7-2D2559B97269}" type="datetime1">
               <a:rPr lang="en-US" smtClean="0"/>
-              <a:t>5/12/17</a:t>
+              <a:t>5/14/17</a:t>
             </a:fld>
             <a:endParaRPr lang="en-US"/>
           </a:p>
@@ -7881,7 +7882,7 @@
           <a:p>
             <a:fld id="{04E88BF2-6E25-B443-B461-3B792E9FA655}" type="datetime1">
               <a:rPr lang="en-US" smtClean="0"/>
-              <a:t>5/12/17</a:t>
+              <a:t>5/14/17</a:t>
             </a:fld>
             <a:endParaRPr lang="en-US"/>
           </a:p>
@@ -8065,7 +8066,7 @@
           <a:p>
             <a:fld id="{CCB23090-B02D-DA45-B0AE-3F004241AA66}" type="datetime1">
               <a:rPr lang="en-US" smtClean="0"/>
-              <a:t>5/12/17</a:t>
+              <a:t>5/14/17</a:t>
             </a:fld>
             <a:endParaRPr lang="en-US"/>
           </a:p>
@@ -8324,7 +8325,7 @@
           <a:p>
             <a:fld id="{3ED562F9-8CF3-C64E-A6C7-4A9516DE74A4}" type="datetime1">
               <a:rPr lang="en-US" smtClean="0"/>
-              <a:t>5/12/17</a:t>
+              <a:t>5/14/17</a:t>
             </a:fld>
             <a:endParaRPr lang="en-US" dirty="0"/>
           </a:p>
@@ -8514,7 +8515,7 @@
           <a:p>
             <a:fld id="{CD1E1A55-4567-5344-AFE7-53A24335CB90}" type="datetime1">
               <a:rPr lang="en-US" smtClean="0"/>
-              <a:t>5/12/17</a:t>
+              <a:t>5/14/17</a:t>
             </a:fld>
             <a:endParaRPr lang="en-US" dirty="0"/>
           </a:p>
@@ -8780,7 +8781,7 @@
           <a:p>
             <a:fld id="{E8642CD2-B4A4-514B-9679-D84510193A8C}" type="datetime1">
               <a:rPr lang="en-US" smtClean="0"/>
-              <a:t>5/12/17</a:t>
+              <a:t>5/14/17</a:t>
             </a:fld>
             <a:endParaRPr lang="en-US" dirty="0"/>
           </a:p>
@@ -9088,7 +9089,7 @@
           <a:p>
             <a:fld id="{9BC15B16-9C0F-6845-BED0-00A6C9678626}" type="datetime1">
               <a:rPr lang="en-US" smtClean="0"/>
-              <a:t>5/12/17</a:t>
+              <a:t>5/14/17</a:t>
             </a:fld>
             <a:endParaRPr lang="en-US" dirty="0"/>
           </a:p>
@@ -9542,7 +9543,7 @@
           <a:p>
             <a:fld id="{FCA5B900-982B-9B46-B2DD-6BAACBEC0B1C}" type="datetime1">
               <a:rPr lang="en-US" smtClean="0"/>
-              <a:t>5/12/17</a:t>
+              <a:t>5/14/17</a:t>
             </a:fld>
             <a:endParaRPr lang="en-US" dirty="0"/>
           </a:p>
@@ -9680,7 +9681,7 @@
           <a:p>
             <a:fld id="{50F3C284-298F-C741-A57D-0B2637C22505}" type="datetime1">
               <a:rPr lang="en-US" smtClean="0"/>
-              <a:t>5/12/17</a:t>
+              <a:t>5/14/17</a:t>
             </a:fld>
             <a:endParaRPr lang="en-US" dirty="0"/>
           </a:p>
@@ -9988,7 +9989,7 @@
           <a:p>
             <a:fld id="{B0C93416-1E67-7849-A7E9-22356A0E6F30}" type="datetime1">
               <a:rPr lang="en-US" smtClean="0"/>
-              <a:t>5/12/17</a:t>
+              <a:t>5/14/17</a:t>
             </a:fld>
             <a:endParaRPr lang="en-US"/>
           </a:p>
@@ -10087,7 +10088,7 @@
           <a:p>
             <a:fld id="{09E08876-CC87-7D41-96C2-22D13143719E}" type="datetime1">
               <a:rPr lang="en-US" smtClean="0"/>
-              <a:t>5/12/17</a:t>
+              <a:t>5/14/17</a:t>
             </a:fld>
             <a:endParaRPr lang="en-US" dirty="0"/>
           </a:p>
@@ -10301,7 +10302,7 @@
           <a:p>
             <a:fld id="{002910D2-8592-D246-84D8-4F0DFE6AF989}" type="datetime1">
               <a:rPr lang="en-US" smtClean="0"/>
-              <a:t>5/12/17</a:t>
+              <a:t>5/14/17</a:t>
             </a:fld>
             <a:endParaRPr lang="en-US" dirty="0"/>
           </a:p>
@@ -10644,7 +10645,7 @@
           <a:p>
             <a:fld id="{55C13C92-F12E-A645-9195-72D828A1E4CC}" type="datetime1">
               <a:rPr lang="en-US" smtClean="0"/>
-              <a:t>5/12/17</a:t>
+              <a:t>5/14/17</a:t>
             </a:fld>
             <a:endParaRPr lang="en-US" dirty="0"/>
           </a:p>
@@ -10834,7 +10835,7 @@
           <a:p>
             <a:fld id="{9ABECC1E-BB2D-8640-BFAA-F2649732F171}" type="datetime1">
               <a:rPr lang="en-US" smtClean="0"/>
-              <a:t>5/12/17</a:t>
+              <a:t>5/14/17</a:t>
             </a:fld>
             <a:endParaRPr lang="en-US" dirty="0"/>
           </a:p>
@@ -11034,7 +11035,7 @@
           <a:p>
             <a:fld id="{1F68B04B-D1A6-6E47-8FFF-8EA857FCC20A}" type="datetime1">
               <a:rPr lang="en-US" smtClean="0"/>
-              <a:t>5/12/17</a:t>
+              <a:t>5/14/17</a:t>
             </a:fld>
             <a:endParaRPr lang="en-US" dirty="0"/>
           </a:p>
@@ -11317,6 +11318,1059 @@
 </p:sldLayout>
 </file>
 
+<file path=ppt/slideLayouts/slideLayout46.xml><?xml version="1.0" encoding="utf-8"?>
+<p:sldLayout xmlns:a="http://schemas.openxmlformats.org/drawingml/2006/main" xmlns:r="http://schemas.openxmlformats.org/officeDocument/2006/relationships" xmlns:p="http://schemas.openxmlformats.org/presentationml/2006/main" type="title" preserve="1">
+  <p:cSld name="Title Slide">
+    <p:spTree>
+      <p:nvGrpSpPr>
+        <p:cNvPr id="1" name=""/>
+        <p:cNvGrpSpPr/>
+        <p:nvPr/>
+      </p:nvGrpSpPr>
+      <p:grpSpPr>
+        <a:xfrm>
+          <a:off x="0" y="0"/>
+          <a:ext cx="0" cy="0"/>
+          <a:chOff x="0" y="0"/>
+          <a:chExt cx="0" cy="0"/>
+        </a:xfrm>
+      </p:grpSpPr>
+      <p:sp>
+        <p:nvSpPr>
+          <p:cNvPr id="2" name="Title 1"/>
+          <p:cNvSpPr>
+            <a:spLocks noGrp="1"/>
+          </p:cNvSpPr>
+          <p:nvPr>
+            <p:ph type="ctrTitle"/>
+          </p:nvPr>
+        </p:nvSpPr>
+        <p:spPr>
+          <a:xfrm>
+            <a:off x="685800" y="1905000"/>
+            <a:ext cx="7543800" cy="2593975"/>
+          </a:xfrm>
+        </p:spPr>
+        <p:txBody>
+          <a:bodyPr anchor="b"/>
+          <a:lstStyle>
+            <a:lvl1pPr>
+              <a:defRPr sz="6600">
+                <a:ln>
+                  <a:noFill/>
+                </a:ln>
+                <a:solidFill>
+                  <a:schemeClr val="tx2"/>
+                </a:solidFill>
+              </a:defRPr>
+            </a:lvl1pPr>
+          </a:lstStyle>
+          <a:p>
+            <a:r>
+              <a:rPr lang="en-US" smtClean="0"/>
+              <a:t>Click to edit Master title style</a:t>
+            </a:r>
+            <a:endParaRPr lang="en-US" dirty="0"/>
+          </a:p>
+        </p:txBody>
+      </p:sp>
+      <p:sp>
+        <p:nvSpPr>
+          <p:cNvPr id="3" name="Subtitle 2"/>
+          <p:cNvSpPr>
+            <a:spLocks noGrp="1"/>
+          </p:cNvSpPr>
+          <p:nvPr>
+            <p:ph type="subTitle" idx="1"/>
+          </p:nvPr>
+        </p:nvSpPr>
+        <p:spPr>
+          <a:xfrm>
+            <a:off x="685800" y="4572000"/>
+            <a:ext cx="6461760" cy="1066800"/>
+          </a:xfrm>
+        </p:spPr>
+        <p:txBody>
+          <a:bodyPr anchor="t">
+            <a:normAutofit/>
+          </a:bodyPr>
+          <a:lstStyle>
+            <a:lvl1pPr marL="0" indent="0" algn="l">
+              <a:buNone/>
+              <a:defRPr sz="2000">
+                <a:solidFill>
+                  <a:schemeClr val="tx1">
+                    <a:tint val="75000"/>
+                  </a:schemeClr>
+                </a:solidFill>
+              </a:defRPr>
+            </a:lvl1pPr>
+            <a:lvl2pPr marL="457200" indent="0" algn="ctr">
+              <a:buNone/>
+              <a:defRPr>
+                <a:solidFill>
+                  <a:schemeClr val="tx1">
+                    <a:tint val="75000"/>
+                  </a:schemeClr>
+                </a:solidFill>
+              </a:defRPr>
+            </a:lvl2pPr>
+            <a:lvl3pPr marL="914400" indent="0" algn="ctr">
+              <a:buNone/>
+              <a:defRPr>
+                <a:solidFill>
+                  <a:schemeClr val="tx1">
+                    <a:tint val="75000"/>
+                  </a:schemeClr>
+                </a:solidFill>
+              </a:defRPr>
+            </a:lvl3pPr>
+            <a:lvl4pPr marL="1371600" indent="0" algn="ctr">
+              <a:buNone/>
+              <a:defRPr>
+                <a:solidFill>
+                  <a:schemeClr val="tx1">
+                    <a:tint val="75000"/>
+                  </a:schemeClr>
+                </a:solidFill>
+              </a:defRPr>
+            </a:lvl4pPr>
+            <a:lvl5pPr marL="1828800" indent="0" algn="ctr">
+              <a:buNone/>
+              <a:defRPr>
+                <a:solidFill>
+                  <a:schemeClr val="tx1">
+                    <a:tint val="75000"/>
+                  </a:schemeClr>
+                </a:solidFill>
+              </a:defRPr>
+            </a:lvl5pPr>
+            <a:lvl6pPr marL="2286000" indent="0" algn="ctr">
+              <a:buNone/>
+              <a:defRPr>
+                <a:solidFill>
+                  <a:schemeClr val="tx1">
+                    <a:tint val="75000"/>
+                  </a:schemeClr>
+                </a:solidFill>
+              </a:defRPr>
+            </a:lvl6pPr>
+            <a:lvl7pPr marL="2743200" indent="0" algn="ctr">
+              <a:buNone/>
+              <a:defRPr>
+                <a:solidFill>
+                  <a:schemeClr val="tx1">
+                    <a:tint val="75000"/>
+                  </a:schemeClr>
+                </a:solidFill>
+              </a:defRPr>
+            </a:lvl7pPr>
+            <a:lvl8pPr marL="3200400" indent="0" algn="ctr">
+              <a:buNone/>
+              <a:defRPr>
+                <a:solidFill>
+                  <a:schemeClr val="tx1">
+                    <a:tint val="75000"/>
+                  </a:schemeClr>
+                </a:solidFill>
+              </a:defRPr>
+            </a:lvl8pPr>
+            <a:lvl9pPr marL="3657600" indent="0" algn="ctr">
+              <a:buNone/>
+              <a:defRPr>
+                <a:solidFill>
+                  <a:schemeClr val="tx1">
+                    <a:tint val="75000"/>
+                  </a:schemeClr>
+                </a:solidFill>
+              </a:defRPr>
+            </a:lvl9pPr>
+          </a:lstStyle>
+          <a:p>
+            <a:r>
+              <a:rPr lang="en-US" smtClean="0"/>
+              <a:t>Click to edit Master subtitle style</a:t>
+            </a:r>
+            <a:endParaRPr lang="en-US" dirty="0"/>
+          </a:p>
+        </p:txBody>
+      </p:sp>
+      <p:sp>
+        <p:nvSpPr>
+          <p:cNvPr id="4" name="Date Placeholder 3"/>
+          <p:cNvSpPr>
+            <a:spLocks noGrp="1"/>
+          </p:cNvSpPr>
+          <p:nvPr>
+            <p:ph type="dt" sz="half" idx="10"/>
+          </p:nvPr>
+        </p:nvSpPr>
+        <p:spPr>
+          <a:xfrm>
+            <a:off x="8115301" y="6450987"/>
+            <a:ext cx="965128" cy="365760"/>
+          </a:xfrm>
+        </p:spPr>
+        <p:txBody>
+          <a:bodyPr/>
+          <a:lstStyle/>
+          <a:p>
+            <a:fld id="{3ED562F9-8CF3-C64E-A6C7-4A9516DE74A4}" type="datetime1">
+              <a:rPr lang="en-US" smtClean="0"/>
+              <a:t>5/14/17</a:t>
+            </a:fld>
+            <a:endParaRPr lang="en-US" dirty="0"/>
+          </a:p>
+        </p:txBody>
+      </p:sp>
+      <p:sp>
+        <p:nvSpPr>
+          <p:cNvPr id="5" name="Footer Placeholder 4"/>
+          <p:cNvSpPr>
+            <a:spLocks noGrp="1"/>
+          </p:cNvSpPr>
+          <p:nvPr>
+            <p:ph type="ftr" sz="quarter" idx="11"/>
+          </p:nvPr>
+        </p:nvSpPr>
+        <p:spPr/>
+        <p:txBody>
+          <a:bodyPr/>
+          <a:lstStyle/>
+          <a:p>
+            <a:r>
+              <a:rPr lang="en-US" smtClean="0"/>
+              <a:t>How to Use a Supercomputer</a:t>
+            </a:r>
+            <a:endParaRPr lang="en-US" dirty="0"/>
+          </a:p>
+        </p:txBody>
+      </p:sp>
+      <p:sp>
+        <p:nvSpPr>
+          <p:cNvPr id="9" name="Slide Number Placeholder 9"/>
+          <p:cNvSpPr>
+            <a:spLocks noGrp="1"/>
+          </p:cNvSpPr>
+          <p:nvPr>
+            <p:ph type="sldNum" sz="quarter" idx="4"/>
+          </p:nvPr>
+        </p:nvSpPr>
+        <p:spPr>
+          <a:xfrm>
+            <a:off x="7708624" y="6495368"/>
+            <a:ext cx="284189" cy="276999"/>
+          </a:xfrm>
+          <a:prstGeom prst="rect">
+            <a:avLst/>
+          </a:prstGeom>
+        </p:spPr>
+        <p:txBody>
+          <a:bodyPr vert="horz" lIns="91440" tIns="45720" rIns="91440" bIns="45720" rtlCol="0" anchor="ctr"/>
+          <a:lstStyle>
+            <a:lvl1pPr algn="r">
+              <a:defRPr sz="1200">
+                <a:solidFill>
+                  <a:schemeClr val="tx1">
+                    <a:tint val="75000"/>
+                  </a:schemeClr>
+                </a:solidFill>
+                <a:latin typeface="Helvetica Neue"/>
+                <a:cs typeface="Helvetica Neue"/>
+              </a:defRPr>
+            </a:lvl1pPr>
+          </a:lstStyle>
+          <a:p>
+            <a:fld id="{249E94F7-107C-CE46-8C56-9CACFF99CD93}" type="slidenum">
+              <a:rPr lang="en-US" smtClean="0"/>
+              <a:pPr/>
+              <a:t>‹#›</a:t>
+            </a:fld>
+            <a:endParaRPr lang="en-US" dirty="0"/>
+          </a:p>
+        </p:txBody>
+      </p:sp>
+    </p:spTree>
+    <p:extLst/>
+  </p:cSld>
+  <p:clrMapOvr>
+    <a:masterClrMapping/>
+  </p:clrMapOvr>
+</p:sldLayout>
+</file>
+
+<file path=ppt/slideLayouts/slideLayout47.xml><?xml version="1.0" encoding="utf-8"?>
+<p:sldLayout xmlns:a="http://schemas.openxmlformats.org/drawingml/2006/main" xmlns:r="http://schemas.openxmlformats.org/officeDocument/2006/relationships" xmlns:p="http://schemas.openxmlformats.org/presentationml/2006/main" type="obj" preserve="1">
+  <p:cSld name="Title and Content">
+    <p:spTree>
+      <p:nvGrpSpPr>
+        <p:cNvPr id="1" name=""/>
+        <p:cNvGrpSpPr/>
+        <p:nvPr/>
+      </p:nvGrpSpPr>
+      <p:grpSpPr>
+        <a:xfrm>
+          <a:off x="0" y="0"/>
+          <a:ext cx="0" cy="0"/>
+          <a:chOff x="0" y="0"/>
+          <a:chExt cx="0" cy="0"/>
+        </a:xfrm>
+      </p:grpSpPr>
+      <p:sp>
+        <p:nvSpPr>
+          <p:cNvPr id="2" name="Title 1"/>
+          <p:cNvSpPr>
+            <a:spLocks noGrp="1"/>
+          </p:cNvSpPr>
+          <p:nvPr>
+            <p:ph type="title"/>
+          </p:nvPr>
+        </p:nvSpPr>
+        <p:spPr/>
+        <p:txBody>
+          <a:bodyPr/>
+          <a:lstStyle/>
+          <a:p>
+            <a:r>
+              <a:rPr lang="en-US" smtClean="0"/>
+              <a:t>Click to edit Master title style</a:t>
+            </a:r>
+            <a:endParaRPr lang="en-US"/>
+          </a:p>
+        </p:txBody>
+      </p:sp>
+      <p:sp>
+        <p:nvSpPr>
+          <p:cNvPr id="3" name="Content Placeholder 2"/>
+          <p:cNvSpPr>
+            <a:spLocks noGrp="1"/>
+          </p:cNvSpPr>
+          <p:nvPr>
+            <p:ph idx="1"/>
+          </p:nvPr>
+        </p:nvSpPr>
+        <p:spPr/>
+        <p:txBody>
+          <a:bodyPr/>
+          <a:lstStyle/>
+          <a:p>
+            <a:pPr lvl="0"/>
+            <a:r>
+              <a:rPr lang="en-US" smtClean="0"/>
+              <a:t>Click to edit Master text styles</a:t>
+            </a:r>
+          </a:p>
+          <a:p>
+            <a:pPr lvl="1"/>
+            <a:r>
+              <a:rPr lang="en-US" smtClean="0"/>
+              <a:t>Second level</a:t>
+            </a:r>
+          </a:p>
+          <a:p>
+            <a:pPr lvl="2"/>
+            <a:r>
+              <a:rPr lang="en-US" smtClean="0"/>
+              <a:t>Third level</a:t>
+            </a:r>
+          </a:p>
+          <a:p>
+            <a:pPr lvl="3"/>
+            <a:r>
+              <a:rPr lang="en-US" smtClean="0"/>
+              <a:t>Fourth level</a:t>
+            </a:r>
+          </a:p>
+          <a:p>
+            <a:pPr lvl="4"/>
+            <a:r>
+              <a:rPr lang="en-US" smtClean="0"/>
+              <a:t>Fifth level</a:t>
+            </a:r>
+            <a:endParaRPr lang="en-US"/>
+          </a:p>
+        </p:txBody>
+      </p:sp>
+      <p:sp>
+        <p:nvSpPr>
+          <p:cNvPr id="4" name="Date Placeholder 3"/>
+          <p:cNvSpPr>
+            <a:spLocks noGrp="1"/>
+          </p:cNvSpPr>
+          <p:nvPr>
+            <p:ph type="dt" sz="half" idx="10"/>
+          </p:nvPr>
+        </p:nvSpPr>
+        <p:spPr>
+          <a:xfrm>
+            <a:off x="8089901" y="6450987"/>
+            <a:ext cx="990528" cy="365760"/>
+          </a:xfrm>
+        </p:spPr>
+        <p:txBody>
+          <a:bodyPr/>
+          <a:lstStyle/>
+          <a:p>
+            <a:fld id="{CD1E1A55-4567-5344-AFE7-53A24335CB90}" type="datetime1">
+              <a:rPr lang="en-US" smtClean="0"/>
+              <a:t>5/14/17</a:t>
+            </a:fld>
+            <a:endParaRPr lang="en-US" dirty="0"/>
+          </a:p>
+        </p:txBody>
+      </p:sp>
+      <p:sp>
+        <p:nvSpPr>
+          <p:cNvPr id="5" name="Footer Placeholder 4"/>
+          <p:cNvSpPr>
+            <a:spLocks noGrp="1"/>
+          </p:cNvSpPr>
+          <p:nvPr>
+            <p:ph type="ftr" sz="quarter" idx="11"/>
+          </p:nvPr>
+        </p:nvSpPr>
+        <p:spPr/>
+        <p:txBody>
+          <a:bodyPr/>
+          <a:lstStyle/>
+          <a:p>
+            <a:r>
+              <a:rPr lang="en-US" smtClean="0"/>
+              <a:t>How to Use a Supercomputer</a:t>
+            </a:r>
+            <a:endParaRPr lang="en-US" dirty="0"/>
+          </a:p>
+        </p:txBody>
+      </p:sp>
+      <p:sp>
+        <p:nvSpPr>
+          <p:cNvPr id="7" name="Slide Number Placeholder 9"/>
+          <p:cNvSpPr>
+            <a:spLocks noGrp="1"/>
+          </p:cNvSpPr>
+          <p:nvPr>
+            <p:ph type="sldNum" sz="quarter" idx="4"/>
+          </p:nvPr>
+        </p:nvSpPr>
+        <p:spPr>
+          <a:xfrm>
+            <a:off x="7708624" y="6495368"/>
+            <a:ext cx="381276" cy="276999"/>
+          </a:xfrm>
+          <a:prstGeom prst="rect">
+            <a:avLst/>
+          </a:prstGeom>
+        </p:spPr>
+        <p:txBody>
+          <a:bodyPr vert="horz" lIns="91440" tIns="45720" rIns="91440" bIns="45720" rtlCol="0" anchor="ctr"/>
+          <a:lstStyle>
+            <a:lvl1pPr algn="r">
+              <a:defRPr sz="1200">
+                <a:solidFill>
+                  <a:schemeClr val="tx1">
+                    <a:tint val="75000"/>
+                  </a:schemeClr>
+                </a:solidFill>
+                <a:latin typeface="Helvetica Neue"/>
+                <a:cs typeface="Helvetica Neue"/>
+              </a:defRPr>
+            </a:lvl1pPr>
+          </a:lstStyle>
+          <a:p>
+            <a:fld id="{249E94F7-107C-CE46-8C56-9CACFF99CD93}" type="slidenum">
+              <a:rPr lang="en-US" smtClean="0"/>
+              <a:pPr/>
+              <a:t>‹#›</a:t>
+            </a:fld>
+            <a:endParaRPr lang="en-US" dirty="0"/>
+          </a:p>
+        </p:txBody>
+      </p:sp>
+    </p:spTree>
+    <p:extLst/>
+  </p:cSld>
+  <p:clrMapOvr>
+    <a:masterClrMapping/>
+  </p:clrMapOvr>
+</p:sldLayout>
+</file>
+
+<file path=ppt/slideLayouts/slideLayout48.xml><?xml version="1.0" encoding="utf-8"?>
+<p:sldLayout xmlns:a="http://schemas.openxmlformats.org/drawingml/2006/main" xmlns:r="http://schemas.openxmlformats.org/officeDocument/2006/relationships" xmlns:p="http://schemas.openxmlformats.org/presentationml/2006/main" type="secHead" preserve="1">
+  <p:cSld name="Section Header">
+    <p:spTree>
+      <p:nvGrpSpPr>
+        <p:cNvPr id="1" name=""/>
+        <p:cNvGrpSpPr/>
+        <p:nvPr/>
+      </p:nvGrpSpPr>
+      <p:grpSpPr>
+        <a:xfrm>
+          <a:off x="0" y="0"/>
+          <a:ext cx="0" cy="0"/>
+          <a:chOff x="0" y="0"/>
+          <a:chExt cx="0" cy="0"/>
+        </a:xfrm>
+      </p:grpSpPr>
+      <p:sp>
+        <p:nvSpPr>
+          <p:cNvPr id="2" name="Title 1"/>
+          <p:cNvSpPr>
+            <a:spLocks noGrp="1"/>
+          </p:cNvSpPr>
+          <p:nvPr>
+            <p:ph type="title"/>
+          </p:nvPr>
+        </p:nvSpPr>
+        <p:spPr>
+          <a:xfrm>
+            <a:off x="722313" y="5486400"/>
+            <a:ext cx="7659687" cy="1168400"/>
+          </a:xfrm>
+        </p:spPr>
+        <p:txBody>
+          <a:bodyPr anchor="t"/>
+          <a:lstStyle>
+            <a:lvl1pPr algn="l">
+              <a:defRPr sz="3600" b="0" cap="all"/>
+            </a:lvl1pPr>
+          </a:lstStyle>
+          <a:p>
+            <a:r>
+              <a:rPr lang="en-US" smtClean="0"/>
+              <a:t>Click to edit Master title style</a:t>
+            </a:r>
+            <a:endParaRPr lang="en-US" dirty="0"/>
+          </a:p>
+        </p:txBody>
+      </p:sp>
+      <p:sp>
+        <p:nvSpPr>
+          <p:cNvPr id="3" name="Text Placeholder 2"/>
+          <p:cNvSpPr>
+            <a:spLocks noGrp="1"/>
+          </p:cNvSpPr>
+          <p:nvPr>
+            <p:ph type="body" idx="1"/>
+          </p:nvPr>
+        </p:nvSpPr>
+        <p:spPr>
+          <a:xfrm>
+            <a:off x="722313" y="3852863"/>
+            <a:ext cx="6135687" cy="1633538"/>
+          </a:xfrm>
+        </p:spPr>
+        <p:txBody>
+          <a:bodyPr anchor="b"/>
+          <a:lstStyle>
+            <a:lvl1pPr marL="0" indent="0">
+              <a:buNone/>
+              <a:defRPr sz="2000">
+                <a:solidFill>
+                  <a:schemeClr val="tx1">
+                    <a:tint val="75000"/>
+                  </a:schemeClr>
+                </a:solidFill>
+              </a:defRPr>
+            </a:lvl1pPr>
+            <a:lvl2pPr marL="457200" indent="0">
+              <a:buNone/>
+              <a:defRPr sz="1800">
+                <a:solidFill>
+                  <a:schemeClr val="tx1">
+                    <a:tint val="75000"/>
+                  </a:schemeClr>
+                </a:solidFill>
+              </a:defRPr>
+            </a:lvl2pPr>
+            <a:lvl3pPr marL="914400" indent="0">
+              <a:buNone/>
+              <a:defRPr sz="1600">
+                <a:solidFill>
+                  <a:schemeClr val="tx1">
+                    <a:tint val="75000"/>
+                  </a:schemeClr>
+                </a:solidFill>
+              </a:defRPr>
+            </a:lvl3pPr>
+            <a:lvl4pPr marL="1371600" indent="0">
+              <a:buNone/>
+              <a:defRPr sz="1400">
+                <a:solidFill>
+                  <a:schemeClr val="tx1">
+                    <a:tint val="75000"/>
+                  </a:schemeClr>
+                </a:solidFill>
+              </a:defRPr>
+            </a:lvl4pPr>
+            <a:lvl5pPr marL="1828800" indent="0">
+              <a:buNone/>
+              <a:defRPr sz="1400">
+                <a:solidFill>
+                  <a:schemeClr val="tx1">
+                    <a:tint val="75000"/>
+                  </a:schemeClr>
+                </a:solidFill>
+              </a:defRPr>
+            </a:lvl5pPr>
+            <a:lvl6pPr marL="2286000" indent="0">
+              <a:buNone/>
+              <a:defRPr sz="1400">
+                <a:solidFill>
+                  <a:schemeClr val="tx1">
+                    <a:tint val="75000"/>
+                  </a:schemeClr>
+                </a:solidFill>
+              </a:defRPr>
+            </a:lvl6pPr>
+            <a:lvl7pPr marL="2743200" indent="0">
+              <a:buNone/>
+              <a:defRPr sz="1400">
+                <a:solidFill>
+                  <a:schemeClr val="tx1">
+                    <a:tint val="75000"/>
+                  </a:schemeClr>
+                </a:solidFill>
+              </a:defRPr>
+            </a:lvl7pPr>
+            <a:lvl8pPr marL="3200400" indent="0">
+              <a:buNone/>
+              <a:defRPr sz="1400">
+                <a:solidFill>
+                  <a:schemeClr val="tx1">
+                    <a:tint val="75000"/>
+                  </a:schemeClr>
+                </a:solidFill>
+              </a:defRPr>
+            </a:lvl8pPr>
+            <a:lvl9pPr marL="3657600" indent="0">
+              <a:buNone/>
+              <a:defRPr sz="1400">
+                <a:solidFill>
+                  <a:schemeClr val="tx1">
+                    <a:tint val="75000"/>
+                  </a:schemeClr>
+                </a:solidFill>
+              </a:defRPr>
+            </a:lvl9pPr>
+          </a:lstStyle>
+          <a:p>
+            <a:pPr lvl="0"/>
+            <a:r>
+              <a:rPr lang="en-US" smtClean="0"/>
+              <a:t>Click to edit Master text styles</a:t>
+            </a:r>
+          </a:p>
+        </p:txBody>
+      </p:sp>
+      <p:sp>
+        <p:nvSpPr>
+          <p:cNvPr id="4" name="Date Placeholder 3"/>
+          <p:cNvSpPr>
+            <a:spLocks noGrp="1"/>
+          </p:cNvSpPr>
+          <p:nvPr>
+            <p:ph type="dt" sz="half" idx="10"/>
+          </p:nvPr>
+        </p:nvSpPr>
+        <p:spPr/>
+        <p:txBody>
+          <a:bodyPr/>
+          <a:lstStyle/>
+          <a:p>
+            <a:fld id="{E8642CD2-B4A4-514B-9679-D84510193A8C}" type="datetime1">
+              <a:rPr lang="en-US" smtClean="0"/>
+              <a:t>5/14/17</a:t>
+            </a:fld>
+            <a:endParaRPr lang="en-US" dirty="0"/>
+          </a:p>
+        </p:txBody>
+      </p:sp>
+      <p:sp>
+        <p:nvSpPr>
+          <p:cNvPr id="5" name="Footer Placeholder 4"/>
+          <p:cNvSpPr>
+            <a:spLocks noGrp="1"/>
+          </p:cNvSpPr>
+          <p:nvPr>
+            <p:ph type="ftr" sz="quarter" idx="11"/>
+          </p:nvPr>
+        </p:nvSpPr>
+        <p:spPr/>
+        <p:txBody>
+          <a:bodyPr/>
+          <a:lstStyle/>
+          <a:p>
+            <a:r>
+              <a:rPr lang="en-US" smtClean="0"/>
+              <a:t>How to Use a Supercomputer</a:t>
+            </a:r>
+            <a:endParaRPr lang="en-US" dirty="0"/>
+          </a:p>
+        </p:txBody>
+      </p:sp>
+      <p:sp>
+        <p:nvSpPr>
+          <p:cNvPr id="7" name="Slide Number Placeholder 9"/>
+          <p:cNvSpPr>
+            <a:spLocks noGrp="1"/>
+          </p:cNvSpPr>
+          <p:nvPr>
+            <p:ph type="sldNum" sz="quarter" idx="4"/>
+          </p:nvPr>
+        </p:nvSpPr>
+        <p:spPr>
+          <a:xfrm>
+            <a:off x="7708624" y="6495368"/>
+            <a:ext cx="284189" cy="276999"/>
+          </a:xfrm>
+          <a:prstGeom prst="rect">
+            <a:avLst/>
+          </a:prstGeom>
+        </p:spPr>
+        <p:txBody>
+          <a:bodyPr vert="horz" lIns="91440" tIns="45720" rIns="91440" bIns="45720" rtlCol="0" anchor="ctr"/>
+          <a:lstStyle>
+            <a:lvl1pPr algn="r">
+              <a:defRPr sz="1200">
+                <a:solidFill>
+                  <a:schemeClr val="tx1">
+                    <a:tint val="75000"/>
+                  </a:schemeClr>
+                </a:solidFill>
+                <a:latin typeface="Helvetica Neue"/>
+                <a:cs typeface="Helvetica Neue"/>
+              </a:defRPr>
+            </a:lvl1pPr>
+          </a:lstStyle>
+          <a:p>
+            <a:fld id="{249E94F7-107C-CE46-8C56-9CACFF99CD93}" type="slidenum">
+              <a:rPr lang="en-US" smtClean="0"/>
+              <a:pPr/>
+              <a:t>‹#›</a:t>
+            </a:fld>
+            <a:endParaRPr lang="en-US" dirty="0"/>
+          </a:p>
+        </p:txBody>
+      </p:sp>
+    </p:spTree>
+    <p:extLst/>
+  </p:cSld>
+  <p:clrMapOvr>
+    <a:masterClrMapping/>
+  </p:clrMapOvr>
+</p:sldLayout>
+</file>
+
+<file path=ppt/slideLayouts/slideLayout49.xml><?xml version="1.0" encoding="utf-8"?>
+<p:sldLayout xmlns:a="http://schemas.openxmlformats.org/drawingml/2006/main" xmlns:r="http://schemas.openxmlformats.org/officeDocument/2006/relationships" xmlns:p="http://schemas.openxmlformats.org/presentationml/2006/main" type="twoObj" preserve="1">
+  <p:cSld name="Two Content">
+    <p:spTree>
+      <p:nvGrpSpPr>
+        <p:cNvPr id="1" name=""/>
+        <p:cNvGrpSpPr/>
+        <p:nvPr/>
+      </p:nvGrpSpPr>
+      <p:grpSpPr>
+        <a:xfrm>
+          <a:off x="0" y="0"/>
+          <a:ext cx="0" cy="0"/>
+          <a:chOff x="0" y="0"/>
+          <a:chExt cx="0" cy="0"/>
+        </a:xfrm>
+      </p:grpSpPr>
+      <p:sp>
+        <p:nvSpPr>
+          <p:cNvPr id="2" name="Title 1"/>
+          <p:cNvSpPr>
+            <a:spLocks noGrp="1"/>
+          </p:cNvSpPr>
+          <p:nvPr>
+            <p:ph type="title"/>
+          </p:nvPr>
+        </p:nvSpPr>
+        <p:spPr/>
+        <p:txBody>
+          <a:bodyPr/>
+          <a:lstStyle/>
+          <a:p>
+            <a:r>
+              <a:rPr lang="en-US" smtClean="0"/>
+              <a:t>Click to edit Master title style</a:t>
+            </a:r>
+            <a:endParaRPr lang="en-US"/>
+          </a:p>
+        </p:txBody>
+      </p:sp>
+      <p:sp>
+        <p:nvSpPr>
+          <p:cNvPr id="3" name="Content Placeholder 2"/>
+          <p:cNvSpPr>
+            <a:spLocks noGrp="1"/>
+          </p:cNvSpPr>
+          <p:nvPr>
+            <p:ph sz="half" idx="1"/>
+          </p:nvPr>
+        </p:nvSpPr>
+        <p:spPr>
+          <a:xfrm>
+            <a:off x="457200" y="1536192"/>
+            <a:ext cx="3657600" cy="4590288"/>
+          </a:xfrm>
+        </p:spPr>
+        <p:txBody>
+          <a:bodyPr/>
+          <a:lstStyle>
+            <a:lvl1pPr>
+              <a:defRPr sz="2800"/>
+            </a:lvl1pPr>
+            <a:lvl2pPr>
+              <a:defRPr sz="2400"/>
+            </a:lvl2pPr>
+            <a:lvl3pPr>
+              <a:defRPr sz="2000"/>
+            </a:lvl3pPr>
+            <a:lvl4pPr>
+              <a:defRPr sz="1800"/>
+            </a:lvl4pPr>
+            <a:lvl5pPr>
+              <a:defRPr sz="1800"/>
+            </a:lvl5pPr>
+            <a:lvl6pPr>
+              <a:defRPr sz="1800"/>
+            </a:lvl6pPr>
+            <a:lvl7pPr>
+              <a:defRPr sz="1800"/>
+            </a:lvl7pPr>
+            <a:lvl8pPr>
+              <a:defRPr sz="1800"/>
+            </a:lvl8pPr>
+            <a:lvl9pPr>
+              <a:defRPr sz="1800"/>
+            </a:lvl9pPr>
+          </a:lstStyle>
+          <a:p>
+            <a:pPr lvl="0"/>
+            <a:r>
+              <a:rPr lang="en-US" smtClean="0"/>
+              <a:t>Click to edit Master text styles</a:t>
+            </a:r>
+          </a:p>
+          <a:p>
+            <a:pPr lvl="1"/>
+            <a:r>
+              <a:rPr lang="en-US" smtClean="0"/>
+              <a:t>Second level</a:t>
+            </a:r>
+          </a:p>
+          <a:p>
+            <a:pPr lvl="2"/>
+            <a:r>
+              <a:rPr lang="en-US" smtClean="0"/>
+              <a:t>Third level</a:t>
+            </a:r>
+          </a:p>
+          <a:p>
+            <a:pPr lvl="3"/>
+            <a:r>
+              <a:rPr lang="en-US" smtClean="0"/>
+              <a:t>Fourth level</a:t>
+            </a:r>
+          </a:p>
+          <a:p>
+            <a:pPr lvl="4"/>
+            <a:r>
+              <a:rPr lang="en-US" smtClean="0"/>
+              <a:t>Fifth level</a:t>
+            </a:r>
+            <a:endParaRPr lang="en-US" dirty="0"/>
+          </a:p>
+        </p:txBody>
+      </p:sp>
+      <p:sp>
+        <p:nvSpPr>
+          <p:cNvPr id="4" name="Content Placeholder 3"/>
+          <p:cNvSpPr>
+            <a:spLocks noGrp="1"/>
+          </p:cNvSpPr>
+          <p:nvPr>
+            <p:ph sz="half" idx="2"/>
+          </p:nvPr>
+        </p:nvSpPr>
+        <p:spPr>
+          <a:xfrm>
+            <a:off x="4419600" y="1536192"/>
+            <a:ext cx="3657600" cy="4590288"/>
+          </a:xfrm>
+        </p:spPr>
+        <p:txBody>
+          <a:bodyPr/>
+          <a:lstStyle>
+            <a:lvl1pPr>
+              <a:defRPr sz="2800"/>
+            </a:lvl1pPr>
+            <a:lvl2pPr>
+              <a:defRPr sz="2400"/>
+            </a:lvl2pPr>
+            <a:lvl3pPr>
+              <a:defRPr sz="2000"/>
+            </a:lvl3pPr>
+            <a:lvl4pPr>
+              <a:defRPr sz="1800"/>
+            </a:lvl4pPr>
+            <a:lvl5pPr>
+              <a:defRPr sz="1800"/>
+            </a:lvl5pPr>
+            <a:lvl6pPr>
+              <a:defRPr sz="1800"/>
+            </a:lvl6pPr>
+            <a:lvl7pPr>
+              <a:defRPr sz="1800"/>
+            </a:lvl7pPr>
+            <a:lvl8pPr>
+              <a:defRPr sz="1800"/>
+            </a:lvl8pPr>
+            <a:lvl9pPr>
+              <a:defRPr sz="1800"/>
+            </a:lvl9pPr>
+          </a:lstStyle>
+          <a:p>
+            <a:pPr lvl="0"/>
+            <a:r>
+              <a:rPr lang="en-US" smtClean="0"/>
+              <a:t>Click to edit Master text styles</a:t>
+            </a:r>
+          </a:p>
+          <a:p>
+            <a:pPr lvl="1"/>
+            <a:r>
+              <a:rPr lang="en-US" smtClean="0"/>
+              <a:t>Second level</a:t>
+            </a:r>
+          </a:p>
+          <a:p>
+            <a:pPr lvl="2"/>
+            <a:r>
+              <a:rPr lang="en-US" smtClean="0"/>
+              <a:t>Third level</a:t>
+            </a:r>
+          </a:p>
+          <a:p>
+            <a:pPr lvl="3"/>
+            <a:r>
+              <a:rPr lang="en-US" smtClean="0"/>
+              <a:t>Fourth level</a:t>
+            </a:r>
+          </a:p>
+          <a:p>
+            <a:pPr lvl="4"/>
+            <a:r>
+              <a:rPr lang="en-US" smtClean="0"/>
+              <a:t>Fifth level</a:t>
+            </a:r>
+            <a:endParaRPr lang="en-US" dirty="0"/>
+          </a:p>
+        </p:txBody>
+      </p:sp>
+      <p:sp>
+        <p:nvSpPr>
+          <p:cNvPr id="5" name="Date Placeholder 4"/>
+          <p:cNvSpPr>
+            <a:spLocks noGrp="1"/>
+          </p:cNvSpPr>
+          <p:nvPr>
+            <p:ph type="dt" sz="half" idx="10"/>
+          </p:nvPr>
+        </p:nvSpPr>
+        <p:spPr/>
+        <p:txBody>
+          <a:bodyPr/>
+          <a:lstStyle/>
+          <a:p>
+            <a:fld id="{9BC15B16-9C0F-6845-BED0-00A6C9678626}" type="datetime1">
+              <a:rPr lang="en-US" smtClean="0"/>
+              <a:t>5/14/17</a:t>
+            </a:fld>
+            <a:endParaRPr lang="en-US" dirty="0"/>
+          </a:p>
+        </p:txBody>
+      </p:sp>
+      <p:sp>
+        <p:nvSpPr>
+          <p:cNvPr id="6" name="Footer Placeholder 5"/>
+          <p:cNvSpPr>
+            <a:spLocks noGrp="1"/>
+          </p:cNvSpPr>
+          <p:nvPr>
+            <p:ph type="ftr" sz="quarter" idx="11"/>
+          </p:nvPr>
+        </p:nvSpPr>
+        <p:spPr/>
+        <p:txBody>
+          <a:bodyPr/>
+          <a:lstStyle/>
+          <a:p>
+            <a:r>
+              <a:rPr lang="en-US" smtClean="0"/>
+              <a:t>How to Use a Supercomputer</a:t>
+            </a:r>
+            <a:endParaRPr lang="en-US" dirty="0"/>
+          </a:p>
+        </p:txBody>
+      </p:sp>
+      <p:sp>
+        <p:nvSpPr>
+          <p:cNvPr id="8" name="Slide Number Placeholder 9"/>
+          <p:cNvSpPr>
+            <a:spLocks noGrp="1"/>
+          </p:cNvSpPr>
+          <p:nvPr>
+            <p:ph type="sldNum" sz="quarter" idx="4"/>
+          </p:nvPr>
+        </p:nvSpPr>
+        <p:spPr>
+          <a:xfrm>
+            <a:off x="7708624" y="6495368"/>
+            <a:ext cx="284189" cy="276999"/>
+          </a:xfrm>
+          <a:prstGeom prst="rect">
+            <a:avLst/>
+          </a:prstGeom>
+        </p:spPr>
+        <p:txBody>
+          <a:bodyPr vert="horz" lIns="91440" tIns="45720" rIns="91440" bIns="45720" rtlCol="0" anchor="ctr"/>
+          <a:lstStyle>
+            <a:lvl1pPr algn="r">
+              <a:defRPr sz="1200">
+                <a:solidFill>
+                  <a:schemeClr val="tx1">
+                    <a:tint val="75000"/>
+                  </a:schemeClr>
+                </a:solidFill>
+                <a:latin typeface="Helvetica Neue"/>
+                <a:cs typeface="Helvetica Neue"/>
+              </a:defRPr>
+            </a:lvl1pPr>
+          </a:lstStyle>
+          <a:p>
+            <a:fld id="{249E94F7-107C-CE46-8C56-9CACFF99CD93}" type="slidenum">
+              <a:rPr lang="en-US" smtClean="0"/>
+              <a:pPr/>
+              <a:t>‹#›</a:t>
+            </a:fld>
+            <a:endParaRPr lang="en-US" dirty="0"/>
+          </a:p>
+        </p:txBody>
+      </p:sp>
+    </p:spTree>
+    <p:extLst/>
+  </p:cSld>
+  <p:clrMapOvr>
+    <a:masterClrMapping/>
+  </p:clrMapOvr>
+</p:sldLayout>
+</file>
+
 <file path=ppt/slideLayouts/slideLayout5.xml><?xml version="1.0" encoding="utf-8"?>
 <p:sldLayout xmlns:a="http://schemas.openxmlformats.org/drawingml/2006/main" xmlns:r="http://schemas.openxmlformats.org/officeDocument/2006/relationships" xmlns:p="http://schemas.openxmlformats.org/presentationml/2006/main" type="twoTxTwoObj" preserve="1">
   <p:cSld name="Comparison">
@@ -11678,7 +12732,7 @@
           <a:p>
             <a:fld id="{1E48077B-6B03-7F42-9161-87D0FE7973F8}" type="datetime1">
               <a:rPr lang="en-US" smtClean="0"/>
-              <a:t>5/12/17</a:t>
+              <a:t>5/14/17</a:t>
             </a:fld>
             <a:endParaRPr lang="en-US"/>
           </a:p>
@@ -11736,6 +12790,1865 @@
         <p14:creationId xmlns:p14="http://schemas.microsoft.com/office/powerpoint/2010/main" val="4242460377"/>
       </p:ext>
     </p:extLst>
+  </p:cSld>
+  <p:clrMapOvr>
+    <a:masterClrMapping/>
+  </p:clrMapOvr>
+</p:sldLayout>
+</file>
+
+<file path=ppt/slideLayouts/slideLayout50.xml><?xml version="1.0" encoding="utf-8"?>
+<p:sldLayout xmlns:a="http://schemas.openxmlformats.org/drawingml/2006/main" xmlns:r="http://schemas.openxmlformats.org/officeDocument/2006/relationships" xmlns:p="http://schemas.openxmlformats.org/presentationml/2006/main" type="twoTxTwoObj" preserve="1">
+  <p:cSld name="Comparison">
+    <p:spTree>
+      <p:nvGrpSpPr>
+        <p:cNvPr id="1" name=""/>
+        <p:cNvGrpSpPr/>
+        <p:nvPr/>
+      </p:nvGrpSpPr>
+      <p:grpSpPr>
+        <a:xfrm>
+          <a:off x="0" y="0"/>
+          <a:ext cx="0" cy="0"/>
+          <a:chOff x="0" y="0"/>
+          <a:chExt cx="0" cy="0"/>
+        </a:xfrm>
+      </p:grpSpPr>
+      <p:sp>
+        <p:nvSpPr>
+          <p:cNvPr id="2" name="Title 1"/>
+          <p:cNvSpPr>
+            <a:spLocks noGrp="1"/>
+          </p:cNvSpPr>
+          <p:nvPr>
+            <p:ph type="title"/>
+          </p:nvPr>
+        </p:nvSpPr>
+        <p:spPr/>
+        <p:txBody>
+          <a:bodyPr/>
+          <a:lstStyle>
+            <a:lvl1pPr>
+              <a:defRPr/>
+            </a:lvl1pPr>
+          </a:lstStyle>
+          <a:p>
+            <a:r>
+              <a:rPr lang="en-US" smtClean="0"/>
+              <a:t>Click to edit Master title style</a:t>
+            </a:r>
+            <a:endParaRPr lang="en-US"/>
+          </a:p>
+        </p:txBody>
+      </p:sp>
+      <p:sp>
+        <p:nvSpPr>
+          <p:cNvPr id="3" name="Text Placeholder 2"/>
+          <p:cNvSpPr>
+            <a:spLocks noGrp="1"/>
+          </p:cNvSpPr>
+          <p:nvPr>
+            <p:ph type="body" idx="1"/>
+          </p:nvPr>
+        </p:nvSpPr>
+        <p:spPr>
+          <a:xfrm>
+            <a:off x="457200" y="1535113"/>
+            <a:ext cx="3657600" cy="639762"/>
+          </a:xfrm>
+        </p:spPr>
+        <p:txBody>
+          <a:bodyPr anchor="b">
+            <a:noAutofit/>
+          </a:bodyPr>
+          <a:lstStyle>
+            <a:lvl1pPr marL="0" indent="0" algn="ctr">
+              <a:buNone/>
+              <a:defRPr sz="2000" b="1">
+                <a:solidFill>
+                  <a:schemeClr val="tx2"/>
+                </a:solidFill>
+              </a:defRPr>
+            </a:lvl1pPr>
+            <a:lvl2pPr marL="457200" indent="0">
+              <a:buNone/>
+              <a:defRPr sz="2000" b="1"/>
+            </a:lvl2pPr>
+            <a:lvl3pPr marL="914400" indent="0">
+              <a:buNone/>
+              <a:defRPr sz="1800" b="1"/>
+            </a:lvl3pPr>
+            <a:lvl4pPr marL="1371600" indent="0">
+              <a:buNone/>
+              <a:defRPr sz="1600" b="1"/>
+            </a:lvl4pPr>
+            <a:lvl5pPr marL="1828800" indent="0">
+              <a:buNone/>
+              <a:defRPr sz="1600" b="1"/>
+            </a:lvl5pPr>
+            <a:lvl6pPr marL="2286000" indent="0">
+              <a:buNone/>
+              <a:defRPr sz="1600" b="1"/>
+            </a:lvl6pPr>
+            <a:lvl7pPr marL="2743200" indent="0">
+              <a:buNone/>
+              <a:defRPr sz="1600" b="1"/>
+            </a:lvl7pPr>
+            <a:lvl8pPr marL="3200400" indent="0">
+              <a:buNone/>
+              <a:defRPr sz="1600" b="1"/>
+            </a:lvl8pPr>
+            <a:lvl9pPr marL="3657600" indent="0">
+              <a:buNone/>
+              <a:defRPr sz="1600" b="1"/>
+            </a:lvl9pPr>
+          </a:lstStyle>
+          <a:p>
+            <a:pPr lvl="0"/>
+            <a:r>
+              <a:rPr lang="en-US" smtClean="0"/>
+              <a:t>Click to edit Master text styles</a:t>
+            </a:r>
+          </a:p>
+        </p:txBody>
+      </p:sp>
+      <p:sp>
+        <p:nvSpPr>
+          <p:cNvPr id="4" name="Content Placeholder 3"/>
+          <p:cNvSpPr>
+            <a:spLocks noGrp="1"/>
+          </p:cNvSpPr>
+          <p:nvPr>
+            <p:ph sz="half" idx="2"/>
+          </p:nvPr>
+        </p:nvSpPr>
+        <p:spPr>
+          <a:xfrm>
+            <a:off x="457200" y="2174875"/>
+            <a:ext cx="3657600" cy="3951288"/>
+          </a:xfrm>
+        </p:spPr>
+        <p:txBody>
+          <a:bodyPr/>
+          <a:lstStyle>
+            <a:lvl1pPr>
+              <a:defRPr sz="2400"/>
+            </a:lvl1pPr>
+            <a:lvl2pPr>
+              <a:defRPr sz="2000"/>
+            </a:lvl2pPr>
+            <a:lvl3pPr>
+              <a:defRPr sz="1800"/>
+            </a:lvl3pPr>
+            <a:lvl4pPr>
+              <a:defRPr sz="1600"/>
+            </a:lvl4pPr>
+            <a:lvl5pPr>
+              <a:defRPr sz="1600"/>
+            </a:lvl5pPr>
+            <a:lvl6pPr>
+              <a:defRPr sz="1600"/>
+            </a:lvl6pPr>
+            <a:lvl7pPr>
+              <a:defRPr sz="1600"/>
+            </a:lvl7pPr>
+            <a:lvl8pPr>
+              <a:defRPr sz="1600"/>
+            </a:lvl8pPr>
+            <a:lvl9pPr>
+              <a:defRPr sz="1600"/>
+            </a:lvl9pPr>
+          </a:lstStyle>
+          <a:p>
+            <a:pPr lvl="0"/>
+            <a:r>
+              <a:rPr lang="en-US" smtClean="0"/>
+              <a:t>Click to edit Master text styles</a:t>
+            </a:r>
+          </a:p>
+          <a:p>
+            <a:pPr lvl="1"/>
+            <a:r>
+              <a:rPr lang="en-US" smtClean="0"/>
+              <a:t>Second level</a:t>
+            </a:r>
+          </a:p>
+          <a:p>
+            <a:pPr lvl="2"/>
+            <a:r>
+              <a:rPr lang="en-US" smtClean="0"/>
+              <a:t>Third level</a:t>
+            </a:r>
+          </a:p>
+          <a:p>
+            <a:pPr lvl="3"/>
+            <a:r>
+              <a:rPr lang="en-US" smtClean="0"/>
+              <a:t>Fourth level</a:t>
+            </a:r>
+          </a:p>
+          <a:p>
+            <a:pPr lvl="4"/>
+            <a:r>
+              <a:rPr lang="en-US" smtClean="0"/>
+              <a:t>Fifth level</a:t>
+            </a:r>
+            <a:endParaRPr lang="en-US" dirty="0"/>
+          </a:p>
+        </p:txBody>
+      </p:sp>
+      <p:sp>
+        <p:nvSpPr>
+          <p:cNvPr id="5" name="Text Placeholder 4"/>
+          <p:cNvSpPr>
+            <a:spLocks noGrp="1"/>
+          </p:cNvSpPr>
+          <p:nvPr>
+            <p:ph type="body" sz="quarter" idx="3"/>
+          </p:nvPr>
+        </p:nvSpPr>
+        <p:spPr>
+          <a:xfrm>
+            <a:off x="4419600" y="1535113"/>
+            <a:ext cx="3657600" cy="639762"/>
+          </a:xfrm>
+        </p:spPr>
+        <p:txBody>
+          <a:bodyPr anchor="b">
+            <a:noAutofit/>
+          </a:bodyPr>
+          <a:lstStyle>
+            <a:lvl1pPr marL="0" indent="0" algn="ctr">
+              <a:buNone/>
+              <a:defRPr sz="2000" b="1">
+                <a:solidFill>
+                  <a:schemeClr val="tx2"/>
+                </a:solidFill>
+              </a:defRPr>
+            </a:lvl1pPr>
+            <a:lvl2pPr marL="457200" indent="0">
+              <a:buNone/>
+              <a:defRPr sz="2000" b="1"/>
+            </a:lvl2pPr>
+            <a:lvl3pPr marL="914400" indent="0">
+              <a:buNone/>
+              <a:defRPr sz="1800" b="1"/>
+            </a:lvl3pPr>
+            <a:lvl4pPr marL="1371600" indent="0">
+              <a:buNone/>
+              <a:defRPr sz="1600" b="1"/>
+            </a:lvl4pPr>
+            <a:lvl5pPr marL="1828800" indent="0">
+              <a:buNone/>
+              <a:defRPr sz="1600" b="1"/>
+            </a:lvl5pPr>
+            <a:lvl6pPr marL="2286000" indent="0">
+              <a:buNone/>
+              <a:defRPr sz="1600" b="1"/>
+            </a:lvl6pPr>
+            <a:lvl7pPr marL="2743200" indent="0">
+              <a:buNone/>
+              <a:defRPr sz="1600" b="1"/>
+            </a:lvl7pPr>
+            <a:lvl8pPr marL="3200400" indent="0">
+              <a:buNone/>
+              <a:defRPr sz="1600" b="1"/>
+            </a:lvl8pPr>
+            <a:lvl9pPr marL="3657600" indent="0">
+              <a:buNone/>
+              <a:defRPr sz="1600" b="1"/>
+            </a:lvl9pPr>
+          </a:lstStyle>
+          <a:p>
+            <a:pPr lvl="0"/>
+            <a:r>
+              <a:rPr lang="en-US" smtClean="0"/>
+              <a:t>Click to edit Master text styles</a:t>
+            </a:r>
+          </a:p>
+        </p:txBody>
+      </p:sp>
+      <p:sp>
+        <p:nvSpPr>
+          <p:cNvPr id="6" name="Content Placeholder 5"/>
+          <p:cNvSpPr>
+            <a:spLocks noGrp="1"/>
+          </p:cNvSpPr>
+          <p:nvPr>
+            <p:ph sz="quarter" idx="4"/>
+          </p:nvPr>
+        </p:nvSpPr>
+        <p:spPr>
+          <a:xfrm>
+            <a:off x="4419600" y="2174875"/>
+            <a:ext cx="3657600" cy="3951288"/>
+          </a:xfrm>
+        </p:spPr>
+        <p:txBody>
+          <a:bodyPr/>
+          <a:lstStyle>
+            <a:lvl1pPr>
+              <a:defRPr sz="2400"/>
+            </a:lvl1pPr>
+            <a:lvl2pPr>
+              <a:defRPr sz="2000"/>
+            </a:lvl2pPr>
+            <a:lvl3pPr>
+              <a:defRPr sz="1800"/>
+            </a:lvl3pPr>
+            <a:lvl4pPr>
+              <a:defRPr sz="1600"/>
+            </a:lvl4pPr>
+            <a:lvl5pPr>
+              <a:defRPr sz="1600"/>
+            </a:lvl5pPr>
+            <a:lvl6pPr>
+              <a:defRPr sz="1600"/>
+            </a:lvl6pPr>
+            <a:lvl7pPr>
+              <a:defRPr sz="1600"/>
+            </a:lvl7pPr>
+            <a:lvl8pPr>
+              <a:defRPr sz="1600"/>
+            </a:lvl8pPr>
+            <a:lvl9pPr>
+              <a:defRPr sz="1600"/>
+            </a:lvl9pPr>
+          </a:lstStyle>
+          <a:p>
+            <a:pPr lvl="0"/>
+            <a:r>
+              <a:rPr lang="en-US" smtClean="0"/>
+              <a:t>Click to edit Master text styles</a:t>
+            </a:r>
+          </a:p>
+          <a:p>
+            <a:pPr lvl="1"/>
+            <a:r>
+              <a:rPr lang="en-US" smtClean="0"/>
+              <a:t>Second level</a:t>
+            </a:r>
+          </a:p>
+          <a:p>
+            <a:pPr lvl="2"/>
+            <a:r>
+              <a:rPr lang="en-US" smtClean="0"/>
+              <a:t>Third level</a:t>
+            </a:r>
+          </a:p>
+          <a:p>
+            <a:pPr lvl="3"/>
+            <a:r>
+              <a:rPr lang="en-US" smtClean="0"/>
+              <a:t>Fourth level</a:t>
+            </a:r>
+          </a:p>
+          <a:p>
+            <a:pPr lvl="4"/>
+            <a:r>
+              <a:rPr lang="en-US" smtClean="0"/>
+              <a:t>Fifth level</a:t>
+            </a:r>
+            <a:endParaRPr lang="en-US"/>
+          </a:p>
+        </p:txBody>
+      </p:sp>
+      <p:sp>
+        <p:nvSpPr>
+          <p:cNvPr id="7" name="Date Placeholder 6"/>
+          <p:cNvSpPr>
+            <a:spLocks noGrp="1"/>
+          </p:cNvSpPr>
+          <p:nvPr>
+            <p:ph type="dt" sz="half" idx="10"/>
+          </p:nvPr>
+        </p:nvSpPr>
+        <p:spPr/>
+        <p:txBody>
+          <a:bodyPr/>
+          <a:lstStyle/>
+          <a:p>
+            <a:fld id="{FCA5B900-982B-9B46-B2DD-6BAACBEC0B1C}" type="datetime1">
+              <a:rPr lang="en-US" smtClean="0"/>
+              <a:t>5/14/17</a:t>
+            </a:fld>
+            <a:endParaRPr lang="en-US" dirty="0"/>
+          </a:p>
+        </p:txBody>
+      </p:sp>
+      <p:sp>
+        <p:nvSpPr>
+          <p:cNvPr id="8" name="Footer Placeholder 7"/>
+          <p:cNvSpPr>
+            <a:spLocks noGrp="1"/>
+          </p:cNvSpPr>
+          <p:nvPr>
+            <p:ph type="ftr" sz="quarter" idx="11"/>
+          </p:nvPr>
+        </p:nvSpPr>
+        <p:spPr/>
+        <p:txBody>
+          <a:bodyPr/>
+          <a:lstStyle/>
+          <a:p>
+            <a:r>
+              <a:rPr lang="en-US" smtClean="0"/>
+              <a:t>How to Use a Supercomputer</a:t>
+            </a:r>
+            <a:endParaRPr lang="en-US" dirty="0"/>
+          </a:p>
+        </p:txBody>
+      </p:sp>
+      <p:sp>
+        <p:nvSpPr>
+          <p:cNvPr id="10" name="Slide Number Placeholder 9"/>
+          <p:cNvSpPr>
+            <a:spLocks noGrp="1"/>
+          </p:cNvSpPr>
+          <p:nvPr>
+            <p:ph type="sldNum" sz="quarter" idx="12"/>
+          </p:nvPr>
+        </p:nvSpPr>
+        <p:spPr>
+          <a:xfrm>
+            <a:off x="7708624" y="6495368"/>
+            <a:ext cx="284189" cy="276999"/>
+          </a:xfrm>
+          <a:prstGeom prst="rect">
+            <a:avLst/>
+          </a:prstGeom>
+        </p:spPr>
+        <p:txBody>
+          <a:bodyPr vert="horz" lIns="91440" tIns="45720" rIns="91440" bIns="45720" rtlCol="0" anchor="ctr"/>
+          <a:lstStyle>
+            <a:lvl1pPr algn="r">
+              <a:defRPr sz="1200">
+                <a:solidFill>
+                  <a:schemeClr val="tx1">
+                    <a:tint val="75000"/>
+                  </a:schemeClr>
+                </a:solidFill>
+                <a:latin typeface="Helvetica Neue"/>
+                <a:cs typeface="Helvetica Neue"/>
+              </a:defRPr>
+            </a:lvl1pPr>
+          </a:lstStyle>
+          <a:p>
+            <a:fld id="{249E94F7-107C-CE46-8C56-9CACFF99CD93}" type="slidenum">
+              <a:rPr lang="en-US" smtClean="0"/>
+              <a:pPr/>
+              <a:t>‹#›</a:t>
+            </a:fld>
+            <a:endParaRPr lang="en-US" dirty="0"/>
+          </a:p>
+        </p:txBody>
+      </p:sp>
+    </p:spTree>
+    <p:extLst/>
+  </p:cSld>
+  <p:clrMapOvr>
+    <a:masterClrMapping/>
+  </p:clrMapOvr>
+</p:sldLayout>
+</file>
+
+<file path=ppt/slideLayouts/slideLayout51.xml><?xml version="1.0" encoding="utf-8"?>
+<p:sldLayout xmlns:a="http://schemas.openxmlformats.org/drawingml/2006/main" xmlns:r="http://schemas.openxmlformats.org/officeDocument/2006/relationships" xmlns:p="http://schemas.openxmlformats.org/presentationml/2006/main" type="titleOnly" preserve="1">
+  <p:cSld name="Title Only">
+    <p:spTree>
+      <p:nvGrpSpPr>
+        <p:cNvPr id="1" name=""/>
+        <p:cNvGrpSpPr/>
+        <p:nvPr/>
+      </p:nvGrpSpPr>
+      <p:grpSpPr>
+        <a:xfrm>
+          <a:off x="0" y="0"/>
+          <a:ext cx="0" cy="0"/>
+          <a:chOff x="0" y="0"/>
+          <a:chExt cx="0" cy="0"/>
+        </a:xfrm>
+      </p:grpSpPr>
+      <p:sp>
+        <p:nvSpPr>
+          <p:cNvPr id="2" name="Title 1"/>
+          <p:cNvSpPr>
+            <a:spLocks noGrp="1"/>
+          </p:cNvSpPr>
+          <p:nvPr>
+            <p:ph type="title"/>
+          </p:nvPr>
+        </p:nvSpPr>
+        <p:spPr/>
+        <p:txBody>
+          <a:bodyPr/>
+          <a:lstStyle/>
+          <a:p>
+            <a:r>
+              <a:rPr lang="en-US" smtClean="0"/>
+              <a:t>Click to edit Master title style</a:t>
+            </a:r>
+            <a:endParaRPr lang="en-US"/>
+          </a:p>
+        </p:txBody>
+      </p:sp>
+      <p:sp>
+        <p:nvSpPr>
+          <p:cNvPr id="3" name="Date Placeholder 2"/>
+          <p:cNvSpPr>
+            <a:spLocks noGrp="1"/>
+          </p:cNvSpPr>
+          <p:nvPr>
+            <p:ph type="dt" sz="half" idx="10"/>
+          </p:nvPr>
+        </p:nvSpPr>
+        <p:spPr/>
+        <p:txBody>
+          <a:bodyPr/>
+          <a:lstStyle/>
+          <a:p>
+            <a:fld id="{50F3C284-298F-C741-A57D-0B2637C22505}" type="datetime1">
+              <a:rPr lang="en-US" smtClean="0"/>
+              <a:t>5/14/17</a:t>
+            </a:fld>
+            <a:endParaRPr lang="en-US" dirty="0"/>
+          </a:p>
+        </p:txBody>
+      </p:sp>
+      <p:sp>
+        <p:nvSpPr>
+          <p:cNvPr id="4" name="Footer Placeholder 3"/>
+          <p:cNvSpPr>
+            <a:spLocks noGrp="1"/>
+          </p:cNvSpPr>
+          <p:nvPr>
+            <p:ph type="ftr" sz="quarter" idx="11"/>
+          </p:nvPr>
+        </p:nvSpPr>
+        <p:spPr/>
+        <p:txBody>
+          <a:bodyPr/>
+          <a:lstStyle/>
+          <a:p>
+            <a:r>
+              <a:rPr lang="en-US" smtClean="0"/>
+              <a:t>How to Use a Supercomputer</a:t>
+            </a:r>
+            <a:endParaRPr lang="en-US" dirty="0"/>
+          </a:p>
+        </p:txBody>
+      </p:sp>
+      <p:sp>
+        <p:nvSpPr>
+          <p:cNvPr id="6" name="Slide Number Placeholder 9"/>
+          <p:cNvSpPr>
+            <a:spLocks noGrp="1"/>
+          </p:cNvSpPr>
+          <p:nvPr>
+            <p:ph type="sldNum" sz="quarter" idx="4"/>
+          </p:nvPr>
+        </p:nvSpPr>
+        <p:spPr>
+          <a:xfrm>
+            <a:off x="7708624" y="6495368"/>
+            <a:ext cx="284189" cy="276999"/>
+          </a:xfrm>
+          <a:prstGeom prst="rect">
+            <a:avLst/>
+          </a:prstGeom>
+        </p:spPr>
+        <p:txBody>
+          <a:bodyPr vert="horz" lIns="91440" tIns="45720" rIns="91440" bIns="45720" rtlCol="0" anchor="ctr"/>
+          <a:lstStyle>
+            <a:lvl1pPr algn="r">
+              <a:defRPr sz="1200">
+                <a:solidFill>
+                  <a:schemeClr val="tx1">
+                    <a:tint val="75000"/>
+                  </a:schemeClr>
+                </a:solidFill>
+                <a:latin typeface="Helvetica Neue"/>
+                <a:cs typeface="Helvetica Neue"/>
+              </a:defRPr>
+            </a:lvl1pPr>
+          </a:lstStyle>
+          <a:p>
+            <a:fld id="{249E94F7-107C-CE46-8C56-9CACFF99CD93}" type="slidenum">
+              <a:rPr lang="en-US" smtClean="0"/>
+              <a:pPr/>
+              <a:t>‹#›</a:t>
+            </a:fld>
+            <a:endParaRPr lang="en-US" dirty="0"/>
+          </a:p>
+        </p:txBody>
+      </p:sp>
+    </p:spTree>
+    <p:extLst/>
+  </p:cSld>
+  <p:clrMapOvr>
+    <a:masterClrMapping/>
+  </p:clrMapOvr>
+</p:sldLayout>
+</file>
+
+<file path=ppt/slideLayouts/slideLayout52.xml><?xml version="1.0" encoding="utf-8"?>
+<p:sldLayout xmlns:a="http://schemas.openxmlformats.org/drawingml/2006/main" xmlns:r="http://schemas.openxmlformats.org/officeDocument/2006/relationships" xmlns:p="http://schemas.openxmlformats.org/presentationml/2006/main" type="blank" preserve="1">
+  <p:cSld name="Blank">
+    <p:spTree>
+      <p:nvGrpSpPr>
+        <p:cNvPr id="1" name=""/>
+        <p:cNvGrpSpPr/>
+        <p:nvPr/>
+      </p:nvGrpSpPr>
+      <p:grpSpPr>
+        <a:xfrm>
+          <a:off x="0" y="0"/>
+          <a:ext cx="0" cy="0"/>
+          <a:chOff x="0" y="0"/>
+          <a:chExt cx="0" cy="0"/>
+        </a:xfrm>
+      </p:grpSpPr>
+      <p:sp>
+        <p:nvSpPr>
+          <p:cNvPr id="2" name="Date Placeholder 1"/>
+          <p:cNvSpPr>
+            <a:spLocks noGrp="1"/>
+          </p:cNvSpPr>
+          <p:nvPr>
+            <p:ph type="dt" sz="half" idx="10"/>
+          </p:nvPr>
+        </p:nvSpPr>
+        <p:spPr/>
+        <p:txBody>
+          <a:bodyPr/>
+          <a:lstStyle/>
+          <a:p>
+            <a:fld id="{09E08876-CC87-7D41-96C2-22D13143719E}" type="datetime1">
+              <a:rPr lang="en-US" smtClean="0"/>
+              <a:t>5/14/17</a:t>
+            </a:fld>
+            <a:endParaRPr lang="en-US" dirty="0"/>
+          </a:p>
+        </p:txBody>
+      </p:sp>
+      <p:sp>
+        <p:nvSpPr>
+          <p:cNvPr id="3" name="Footer Placeholder 2"/>
+          <p:cNvSpPr>
+            <a:spLocks noGrp="1"/>
+          </p:cNvSpPr>
+          <p:nvPr>
+            <p:ph type="ftr" sz="quarter" idx="11"/>
+          </p:nvPr>
+        </p:nvSpPr>
+        <p:spPr/>
+        <p:txBody>
+          <a:bodyPr/>
+          <a:lstStyle/>
+          <a:p>
+            <a:r>
+              <a:rPr lang="en-US" smtClean="0"/>
+              <a:t>How to Use a Supercomputer</a:t>
+            </a:r>
+            <a:endParaRPr lang="en-US"/>
+          </a:p>
+        </p:txBody>
+      </p:sp>
+      <p:sp>
+        <p:nvSpPr>
+          <p:cNvPr id="5" name="Slide Number Placeholder 9"/>
+          <p:cNvSpPr>
+            <a:spLocks noGrp="1"/>
+          </p:cNvSpPr>
+          <p:nvPr>
+            <p:ph type="sldNum" sz="quarter" idx="4"/>
+          </p:nvPr>
+        </p:nvSpPr>
+        <p:spPr>
+          <a:xfrm>
+            <a:off x="7708624" y="6495368"/>
+            <a:ext cx="284189" cy="276999"/>
+          </a:xfrm>
+          <a:prstGeom prst="rect">
+            <a:avLst/>
+          </a:prstGeom>
+        </p:spPr>
+        <p:txBody>
+          <a:bodyPr vert="horz" lIns="91440" tIns="45720" rIns="91440" bIns="45720" rtlCol="0" anchor="ctr"/>
+          <a:lstStyle>
+            <a:lvl1pPr algn="r">
+              <a:defRPr sz="1200">
+                <a:solidFill>
+                  <a:schemeClr val="tx1">
+                    <a:tint val="75000"/>
+                  </a:schemeClr>
+                </a:solidFill>
+                <a:latin typeface="Helvetica Neue"/>
+                <a:cs typeface="Helvetica Neue"/>
+              </a:defRPr>
+            </a:lvl1pPr>
+          </a:lstStyle>
+          <a:p>
+            <a:fld id="{249E94F7-107C-CE46-8C56-9CACFF99CD93}" type="slidenum">
+              <a:rPr lang="en-US" smtClean="0"/>
+              <a:pPr/>
+              <a:t>‹#›</a:t>
+            </a:fld>
+            <a:endParaRPr lang="en-US" dirty="0"/>
+          </a:p>
+        </p:txBody>
+      </p:sp>
+    </p:spTree>
+    <p:extLst/>
+  </p:cSld>
+  <p:clrMapOvr>
+    <a:masterClrMapping/>
+  </p:clrMapOvr>
+</p:sldLayout>
+</file>
+
+<file path=ppt/slideLayouts/slideLayout53.xml><?xml version="1.0" encoding="utf-8"?>
+<p:sldLayout xmlns:a="http://schemas.openxmlformats.org/drawingml/2006/main" xmlns:r="http://schemas.openxmlformats.org/officeDocument/2006/relationships" xmlns:p="http://schemas.openxmlformats.org/presentationml/2006/main" type="objTx" preserve="1">
+  <p:cSld name="Content with Caption">
+    <p:spTree>
+      <p:nvGrpSpPr>
+        <p:cNvPr id="1" name=""/>
+        <p:cNvGrpSpPr/>
+        <p:nvPr/>
+      </p:nvGrpSpPr>
+      <p:grpSpPr>
+        <a:xfrm>
+          <a:off x="0" y="0"/>
+          <a:ext cx="0" cy="0"/>
+          <a:chOff x="0" y="0"/>
+          <a:chExt cx="0" cy="0"/>
+        </a:xfrm>
+      </p:grpSpPr>
+      <p:sp>
+        <p:nvSpPr>
+          <p:cNvPr id="2" name="Title 1"/>
+          <p:cNvSpPr>
+            <a:spLocks noGrp="1"/>
+          </p:cNvSpPr>
+          <p:nvPr>
+            <p:ph type="title"/>
+          </p:nvPr>
+        </p:nvSpPr>
+        <p:spPr>
+          <a:xfrm>
+            <a:off x="304801" y="5495544"/>
+            <a:ext cx="7772400" cy="594360"/>
+          </a:xfrm>
+        </p:spPr>
+        <p:txBody>
+          <a:bodyPr anchor="b"/>
+          <a:lstStyle>
+            <a:lvl1pPr algn="ctr">
+              <a:defRPr sz="2200" b="1"/>
+            </a:lvl1pPr>
+          </a:lstStyle>
+          <a:p>
+            <a:r>
+              <a:rPr lang="en-US" smtClean="0"/>
+              <a:t>Click to edit Master title style</a:t>
+            </a:r>
+            <a:endParaRPr lang="en-US" dirty="0"/>
+          </a:p>
+        </p:txBody>
+      </p:sp>
+      <p:sp>
+        <p:nvSpPr>
+          <p:cNvPr id="4" name="Text Placeholder 3"/>
+          <p:cNvSpPr>
+            <a:spLocks noGrp="1"/>
+          </p:cNvSpPr>
+          <p:nvPr>
+            <p:ph type="body" sz="half" idx="2"/>
+          </p:nvPr>
+        </p:nvSpPr>
+        <p:spPr>
+          <a:xfrm>
+            <a:off x="304799" y="6096000"/>
+            <a:ext cx="7772401" cy="609600"/>
+          </a:xfrm>
+        </p:spPr>
+        <p:txBody>
+          <a:bodyPr>
+            <a:normAutofit/>
+          </a:bodyPr>
+          <a:lstStyle>
+            <a:lvl1pPr marL="0" indent="0" algn="ctr">
+              <a:buNone/>
+              <a:defRPr sz="1600"/>
+            </a:lvl1pPr>
+            <a:lvl2pPr marL="457200" indent="0">
+              <a:buNone/>
+              <a:defRPr sz="1200"/>
+            </a:lvl2pPr>
+            <a:lvl3pPr marL="914400" indent="0">
+              <a:buNone/>
+              <a:defRPr sz="1000"/>
+            </a:lvl3pPr>
+            <a:lvl4pPr marL="1371600" indent="0">
+              <a:buNone/>
+              <a:defRPr sz="900"/>
+            </a:lvl4pPr>
+            <a:lvl5pPr marL="1828800" indent="0">
+              <a:buNone/>
+              <a:defRPr sz="900"/>
+            </a:lvl5pPr>
+            <a:lvl6pPr marL="2286000" indent="0">
+              <a:buNone/>
+              <a:defRPr sz="900"/>
+            </a:lvl6pPr>
+            <a:lvl7pPr marL="2743200" indent="0">
+              <a:buNone/>
+              <a:defRPr sz="900"/>
+            </a:lvl7pPr>
+            <a:lvl8pPr marL="3200400" indent="0">
+              <a:buNone/>
+              <a:defRPr sz="900"/>
+            </a:lvl8pPr>
+            <a:lvl9pPr marL="3657600" indent="0">
+              <a:buNone/>
+              <a:defRPr sz="900"/>
+            </a:lvl9pPr>
+          </a:lstStyle>
+          <a:p>
+            <a:pPr lvl="0"/>
+            <a:r>
+              <a:rPr lang="en-US" smtClean="0"/>
+              <a:t>Click to edit Master text styles</a:t>
+            </a:r>
+          </a:p>
+        </p:txBody>
+      </p:sp>
+      <p:sp>
+        <p:nvSpPr>
+          <p:cNvPr id="5" name="Date Placeholder 4"/>
+          <p:cNvSpPr>
+            <a:spLocks noGrp="1"/>
+          </p:cNvSpPr>
+          <p:nvPr>
+            <p:ph type="dt" sz="half" idx="10"/>
+          </p:nvPr>
+        </p:nvSpPr>
+        <p:spPr/>
+        <p:txBody>
+          <a:bodyPr/>
+          <a:lstStyle/>
+          <a:p>
+            <a:fld id="{002910D2-8592-D246-84D8-4F0DFE6AF989}" type="datetime1">
+              <a:rPr lang="en-US" smtClean="0"/>
+              <a:t>5/14/17</a:t>
+            </a:fld>
+            <a:endParaRPr lang="en-US" dirty="0"/>
+          </a:p>
+        </p:txBody>
+      </p:sp>
+      <p:sp>
+        <p:nvSpPr>
+          <p:cNvPr id="6" name="Footer Placeholder 5"/>
+          <p:cNvSpPr>
+            <a:spLocks noGrp="1"/>
+          </p:cNvSpPr>
+          <p:nvPr>
+            <p:ph type="ftr" sz="quarter" idx="11"/>
+          </p:nvPr>
+        </p:nvSpPr>
+        <p:spPr/>
+        <p:txBody>
+          <a:bodyPr/>
+          <a:lstStyle/>
+          <a:p>
+            <a:r>
+              <a:rPr lang="en-US" smtClean="0"/>
+              <a:t>How to Use a Supercomputer</a:t>
+            </a:r>
+            <a:endParaRPr lang="en-US"/>
+          </a:p>
+        </p:txBody>
+      </p:sp>
+      <p:sp>
+        <p:nvSpPr>
+          <p:cNvPr id="9" name="Content Placeholder 8"/>
+          <p:cNvSpPr>
+            <a:spLocks noGrp="1"/>
+          </p:cNvSpPr>
+          <p:nvPr>
+            <p:ph sz="quarter" idx="13"/>
+          </p:nvPr>
+        </p:nvSpPr>
+        <p:spPr>
+          <a:xfrm>
+            <a:off x="304800" y="381000"/>
+            <a:ext cx="7772400" cy="4942840"/>
+          </a:xfrm>
+        </p:spPr>
+        <p:txBody>
+          <a:bodyPr/>
+          <a:lstStyle/>
+          <a:p>
+            <a:pPr lvl="0"/>
+            <a:r>
+              <a:rPr lang="en-US" smtClean="0"/>
+              <a:t>Click to edit Master text styles</a:t>
+            </a:r>
+          </a:p>
+          <a:p>
+            <a:pPr lvl="1"/>
+            <a:r>
+              <a:rPr lang="en-US" smtClean="0"/>
+              <a:t>Second level</a:t>
+            </a:r>
+          </a:p>
+          <a:p>
+            <a:pPr lvl="2"/>
+            <a:r>
+              <a:rPr lang="en-US" smtClean="0"/>
+              <a:t>Third level</a:t>
+            </a:r>
+          </a:p>
+          <a:p>
+            <a:pPr lvl="3"/>
+            <a:r>
+              <a:rPr lang="en-US" smtClean="0"/>
+              <a:t>Fourth level</a:t>
+            </a:r>
+          </a:p>
+          <a:p>
+            <a:pPr lvl="4"/>
+            <a:r>
+              <a:rPr lang="en-US" smtClean="0"/>
+              <a:t>Fifth level</a:t>
+            </a:r>
+            <a:endParaRPr lang="en-US"/>
+          </a:p>
+        </p:txBody>
+      </p:sp>
+      <p:sp>
+        <p:nvSpPr>
+          <p:cNvPr id="8" name="Slide Number Placeholder 9"/>
+          <p:cNvSpPr>
+            <a:spLocks noGrp="1"/>
+          </p:cNvSpPr>
+          <p:nvPr>
+            <p:ph type="sldNum" sz="quarter" idx="4"/>
+          </p:nvPr>
+        </p:nvSpPr>
+        <p:spPr>
+          <a:xfrm>
+            <a:off x="7708624" y="6495368"/>
+            <a:ext cx="284189" cy="276999"/>
+          </a:xfrm>
+          <a:prstGeom prst="rect">
+            <a:avLst/>
+          </a:prstGeom>
+        </p:spPr>
+        <p:txBody>
+          <a:bodyPr vert="horz" lIns="91440" tIns="45720" rIns="91440" bIns="45720" rtlCol="0" anchor="ctr"/>
+          <a:lstStyle>
+            <a:lvl1pPr algn="r">
+              <a:defRPr sz="1200">
+                <a:solidFill>
+                  <a:schemeClr val="tx1">
+                    <a:tint val="75000"/>
+                  </a:schemeClr>
+                </a:solidFill>
+                <a:latin typeface="Helvetica Neue"/>
+                <a:cs typeface="Helvetica Neue"/>
+              </a:defRPr>
+            </a:lvl1pPr>
+          </a:lstStyle>
+          <a:p>
+            <a:fld id="{249E94F7-107C-CE46-8C56-9CACFF99CD93}" type="slidenum">
+              <a:rPr lang="en-US" smtClean="0"/>
+              <a:pPr/>
+              <a:t>‹#›</a:t>
+            </a:fld>
+            <a:endParaRPr lang="en-US" dirty="0"/>
+          </a:p>
+        </p:txBody>
+      </p:sp>
+    </p:spTree>
+    <p:extLst/>
+  </p:cSld>
+  <p:clrMapOvr>
+    <a:masterClrMapping/>
+  </p:clrMapOvr>
+</p:sldLayout>
+</file>
+
+<file path=ppt/slideLayouts/slideLayout54.xml><?xml version="1.0" encoding="utf-8"?>
+<p:sldLayout xmlns:a="http://schemas.openxmlformats.org/drawingml/2006/main" xmlns:r="http://schemas.openxmlformats.org/officeDocument/2006/relationships" xmlns:p="http://schemas.openxmlformats.org/presentationml/2006/main" type="picTx" preserve="1">
+  <p:cSld name="Picture with Caption">
+    <p:spTree>
+      <p:nvGrpSpPr>
+        <p:cNvPr id="1" name=""/>
+        <p:cNvGrpSpPr/>
+        <p:nvPr/>
+      </p:nvGrpSpPr>
+      <p:grpSpPr>
+        <a:xfrm>
+          <a:off x="0" y="0"/>
+          <a:ext cx="0" cy="0"/>
+          <a:chOff x="0" y="0"/>
+          <a:chExt cx="0" cy="0"/>
+        </a:xfrm>
+      </p:grpSpPr>
+      <p:sp>
+        <p:nvSpPr>
+          <p:cNvPr id="2" name="Title 1"/>
+          <p:cNvSpPr>
+            <a:spLocks noGrp="1"/>
+          </p:cNvSpPr>
+          <p:nvPr>
+            <p:ph type="title"/>
+          </p:nvPr>
+        </p:nvSpPr>
+        <p:spPr>
+          <a:xfrm>
+            <a:off x="301752" y="5495278"/>
+            <a:ext cx="7772400" cy="594626"/>
+          </a:xfrm>
+        </p:spPr>
+        <p:txBody>
+          <a:bodyPr anchor="b"/>
+          <a:lstStyle>
+            <a:lvl1pPr algn="ctr">
+              <a:defRPr sz="2200" b="1">
+                <a:ln>
+                  <a:noFill/>
+                </a:ln>
+                <a:solidFill>
+                  <a:schemeClr val="tx2"/>
+                </a:solidFill>
+              </a:defRPr>
+            </a:lvl1pPr>
+          </a:lstStyle>
+          <a:p>
+            <a:r>
+              <a:rPr lang="en-US" smtClean="0"/>
+              <a:t>Click to edit Master title style</a:t>
+            </a:r>
+            <a:endParaRPr lang="en-US" dirty="0"/>
+          </a:p>
+        </p:txBody>
+      </p:sp>
+      <p:sp>
+        <p:nvSpPr>
+          <p:cNvPr id="3" name="Picture Placeholder 2"/>
+          <p:cNvSpPr>
+            <a:spLocks noGrp="1"/>
+          </p:cNvSpPr>
+          <p:nvPr>
+            <p:ph type="pic" idx="1"/>
+          </p:nvPr>
+        </p:nvSpPr>
+        <p:spPr>
+          <a:xfrm>
+            <a:off x="0" y="0"/>
+            <a:ext cx="8458200" cy="5486400"/>
+          </a:xfrm>
+        </p:spPr>
+        <p:txBody>
+          <a:bodyPr/>
+          <a:lstStyle>
+            <a:lvl1pPr marL="0" indent="0">
+              <a:buNone/>
+              <a:defRPr sz="3200"/>
+            </a:lvl1pPr>
+            <a:lvl2pPr marL="457200" indent="0">
+              <a:buNone/>
+              <a:defRPr sz="2800"/>
+            </a:lvl2pPr>
+            <a:lvl3pPr marL="914400" indent="0">
+              <a:buNone/>
+              <a:defRPr sz="2400"/>
+            </a:lvl3pPr>
+            <a:lvl4pPr marL="1371600" indent="0">
+              <a:buNone/>
+              <a:defRPr sz="2000"/>
+            </a:lvl4pPr>
+            <a:lvl5pPr marL="1828800" indent="0">
+              <a:buNone/>
+              <a:defRPr sz="2000"/>
+            </a:lvl5pPr>
+            <a:lvl6pPr marL="2286000" indent="0">
+              <a:buNone/>
+              <a:defRPr sz="2000"/>
+            </a:lvl6pPr>
+            <a:lvl7pPr marL="2743200" indent="0">
+              <a:buNone/>
+              <a:defRPr sz="2000"/>
+            </a:lvl7pPr>
+            <a:lvl8pPr marL="3200400" indent="0">
+              <a:buNone/>
+              <a:defRPr sz="2000"/>
+            </a:lvl8pPr>
+            <a:lvl9pPr marL="3657600" indent="0">
+              <a:buNone/>
+              <a:defRPr sz="2000"/>
+            </a:lvl9pPr>
+          </a:lstStyle>
+          <a:p>
+            <a:r>
+              <a:rPr lang="en-US" smtClean="0"/>
+              <a:t>Drag picture to placeholder or click icon to add</a:t>
+            </a:r>
+            <a:endParaRPr lang="en-US" dirty="0"/>
+          </a:p>
+        </p:txBody>
+      </p:sp>
+      <p:sp>
+        <p:nvSpPr>
+          <p:cNvPr id="4" name="Text Placeholder 3"/>
+          <p:cNvSpPr>
+            <a:spLocks noGrp="1"/>
+          </p:cNvSpPr>
+          <p:nvPr>
+            <p:ph type="body" sz="half" idx="2"/>
+          </p:nvPr>
+        </p:nvSpPr>
+        <p:spPr>
+          <a:xfrm>
+            <a:off x="301752" y="6096000"/>
+            <a:ext cx="7772400" cy="612648"/>
+          </a:xfrm>
+        </p:spPr>
+        <p:txBody>
+          <a:bodyPr>
+            <a:normAutofit/>
+          </a:bodyPr>
+          <a:lstStyle>
+            <a:lvl1pPr marL="0" indent="0" algn="ctr">
+              <a:buNone/>
+              <a:defRPr sz="1600"/>
+            </a:lvl1pPr>
+            <a:lvl2pPr marL="457200" indent="0">
+              <a:buNone/>
+              <a:defRPr sz="1200"/>
+            </a:lvl2pPr>
+            <a:lvl3pPr marL="914400" indent="0">
+              <a:buNone/>
+              <a:defRPr sz="1000"/>
+            </a:lvl3pPr>
+            <a:lvl4pPr marL="1371600" indent="0">
+              <a:buNone/>
+              <a:defRPr sz="900"/>
+            </a:lvl4pPr>
+            <a:lvl5pPr marL="1828800" indent="0">
+              <a:buNone/>
+              <a:defRPr sz="900"/>
+            </a:lvl5pPr>
+            <a:lvl6pPr marL="2286000" indent="0">
+              <a:buNone/>
+              <a:defRPr sz="900"/>
+            </a:lvl6pPr>
+            <a:lvl7pPr marL="2743200" indent="0">
+              <a:buNone/>
+              <a:defRPr sz="900"/>
+            </a:lvl7pPr>
+            <a:lvl8pPr marL="3200400" indent="0">
+              <a:buNone/>
+              <a:defRPr sz="900"/>
+            </a:lvl8pPr>
+            <a:lvl9pPr marL="3657600" indent="0">
+              <a:buNone/>
+              <a:defRPr sz="900"/>
+            </a:lvl9pPr>
+          </a:lstStyle>
+          <a:p>
+            <a:pPr lvl="0"/>
+            <a:r>
+              <a:rPr lang="en-US" smtClean="0"/>
+              <a:t>Click to edit Master text styles</a:t>
+            </a:r>
+          </a:p>
+        </p:txBody>
+      </p:sp>
+      <p:sp>
+        <p:nvSpPr>
+          <p:cNvPr id="8" name="Date Placeholder 7"/>
+          <p:cNvSpPr>
+            <a:spLocks noGrp="1"/>
+          </p:cNvSpPr>
+          <p:nvPr>
+            <p:ph type="dt" sz="half" idx="10"/>
+          </p:nvPr>
+        </p:nvSpPr>
+        <p:spPr/>
+        <p:txBody>
+          <a:bodyPr/>
+          <a:lstStyle/>
+          <a:p>
+            <a:fld id="{55C13C92-F12E-A645-9195-72D828A1E4CC}" type="datetime1">
+              <a:rPr lang="en-US" smtClean="0"/>
+              <a:t>5/14/17</a:t>
+            </a:fld>
+            <a:endParaRPr lang="en-US" dirty="0"/>
+          </a:p>
+        </p:txBody>
+      </p:sp>
+      <p:sp>
+        <p:nvSpPr>
+          <p:cNvPr id="10" name="Footer Placeholder 9"/>
+          <p:cNvSpPr>
+            <a:spLocks noGrp="1"/>
+          </p:cNvSpPr>
+          <p:nvPr>
+            <p:ph type="ftr" sz="quarter" idx="12"/>
+          </p:nvPr>
+        </p:nvSpPr>
+        <p:spPr/>
+        <p:txBody>
+          <a:bodyPr/>
+          <a:lstStyle/>
+          <a:p>
+            <a:r>
+              <a:rPr lang="en-US" smtClean="0"/>
+              <a:t>How to Use a Supercomputer</a:t>
+            </a:r>
+            <a:endParaRPr lang="en-US"/>
+          </a:p>
+        </p:txBody>
+      </p:sp>
+      <p:sp>
+        <p:nvSpPr>
+          <p:cNvPr id="11" name="Slide Number Placeholder 9"/>
+          <p:cNvSpPr>
+            <a:spLocks noGrp="1"/>
+          </p:cNvSpPr>
+          <p:nvPr>
+            <p:ph type="sldNum" sz="quarter" idx="4"/>
+          </p:nvPr>
+        </p:nvSpPr>
+        <p:spPr>
+          <a:xfrm>
+            <a:off x="7708624" y="6495368"/>
+            <a:ext cx="284189" cy="276999"/>
+          </a:xfrm>
+          <a:prstGeom prst="rect">
+            <a:avLst/>
+          </a:prstGeom>
+        </p:spPr>
+        <p:txBody>
+          <a:bodyPr vert="horz" lIns="91440" tIns="45720" rIns="91440" bIns="45720" rtlCol="0" anchor="ctr"/>
+          <a:lstStyle>
+            <a:lvl1pPr algn="r">
+              <a:defRPr sz="1200">
+                <a:solidFill>
+                  <a:schemeClr val="tx1">
+                    <a:tint val="75000"/>
+                  </a:schemeClr>
+                </a:solidFill>
+                <a:latin typeface="Helvetica Neue"/>
+                <a:cs typeface="Helvetica Neue"/>
+              </a:defRPr>
+            </a:lvl1pPr>
+          </a:lstStyle>
+          <a:p>
+            <a:fld id="{249E94F7-107C-CE46-8C56-9CACFF99CD93}" type="slidenum">
+              <a:rPr lang="en-US" smtClean="0"/>
+              <a:pPr/>
+              <a:t>‹#›</a:t>
+            </a:fld>
+            <a:endParaRPr lang="en-US" dirty="0"/>
+          </a:p>
+        </p:txBody>
+      </p:sp>
+    </p:spTree>
+    <p:extLst/>
+  </p:cSld>
+  <p:clrMapOvr>
+    <a:masterClrMapping/>
+  </p:clrMapOvr>
+</p:sldLayout>
+</file>
+
+<file path=ppt/slideLayouts/slideLayout55.xml><?xml version="1.0" encoding="utf-8"?>
+<p:sldLayout xmlns:a="http://schemas.openxmlformats.org/drawingml/2006/main" xmlns:r="http://schemas.openxmlformats.org/officeDocument/2006/relationships" xmlns:p="http://schemas.openxmlformats.org/presentationml/2006/main" type="vertTx" preserve="1">
+  <p:cSld name="Title and Vertical Text">
+    <p:spTree>
+      <p:nvGrpSpPr>
+        <p:cNvPr id="1" name=""/>
+        <p:cNvGrpSpPr/>
+        <p:nvPr/>
+      </p:nvGrpSpPr>
+      <p:grpSpPr>
+        <a:xfrm>
+          <a:off x="0" y="0"/>
+          <a:ext cx="0" cy="0"/>
+          <a:chOff x="0" y="0"/>
+          <a:chExt cx="0" cy="0"/>
+        </a:xfrm>
+      </p:grpSpPr>
+      <p:sp>
+        <p:nvSpPr>
+          <p:cNvPr id="2" name="Title 1"/>
+          <p:cNvSpPr>
+            <a:spLocks noGrp="1"/>
+          </p:cNvSpPr>
+          <p:nvPr>
+            <p:ph type="title"/>
+          </p:nvPr>
+        </p:nvSpPr>
+        <p:spPr/>
+        <p:txBody>
+          <a:bodyPr/>
+          <a:lstStyle/>
+          <a:p>
+            <a:r>
+              <a:rPr lang="en-US" smtClean="0"/>
+              <a:t>Click to edit Master title style</a:t>
+            </a:r>
+            <a:endParaRPr lang="en-US"/>
+          </a:p>
+        </p:txBody>
+      </p:sp>
+      <p:sp>
+        <p:nvSpPr>
+          <p:cNvPr id="3" name="Vertical Text Placeholder 2"/>
+          <p:cNvSpPr>
+            <a:spLocks noGrp="1"/>
+          </p:cNvSpPr>
+          <p:nvPr>
+            <p:ph type="body" orient="vert" idx="1"/>
+          </p:nvPr>
+        </p:nvSpPr>
+        <p:spPr/>
+        <p:txBody>
+          <a:bodyPr vert="eaVert"/>
+          <a:lstStyle/>
+          <a:p>
+            <a:pPr lvl="0"/>
+            <a:r>
+              <a:rPr lang="en-US" smtClean="0"/>
+              <a:t>Click to edit Master text styles</a:t>
+            </a:r>
+          </a:p>
+          <a:p>
+            <a:pPr lvl="1"/>
+            <a:r>
+              <a:rPr lang="en-US" smtClean="0"/>
+              <a:t>Second level</a:t>
+            </a:r>
+          </a:p>
+          <a:p>
+            <a:pPr lvl="2"/>
+            <a:r>
+              <a:rPr lang="en-US" smtClean="0"/>
+              <a:t>Third level</a:t>
+            </a:r>
+          </a:p>
+          <a:p>
+            <a:pPr lvl="3"/>
+            <a:r>
+              <a:rPr lang="en-US" smtClean="0"/>
+              <a:t>Fourth level</a:t>
+            </a:r>
+          </a:p>
+          <a:p>
+            <a:pPr lvl="4"/>
+            <a:r>
+              <a:rPr lang="en-US" smtClean="0"/>
+              <a:t>Fifth level</a:t>
+            </a:r>
+            <a:endParaRPr lang="en-US"/>
+          </a:p>
+        </p:txBody>
+      </p:sp>
+      <p:sp>
+        <p:nvSpPr>
+          <p:cNvPr id="4" name="Date Placeholder 3"/>
+          <p:cNvSpPr>
+            <a:spLocks noGrp="1"/>
+          </p:cNvSpPr>
+          <p:nvPr>
+            <p:ph type="dt" sz="half" idx="10"/>
+          </p:nvPr>
+        </p:nvSpPr>
+        <p:spPr/>
+        <p:txBody>
+          <a:bodyPr/>
+          <a:lstStyle/>
+          <a:p>
+            <a:fld id="{9ABECC1E-BB2D-8640-BFAA-F2649732F171}" type="datetime1">
+              <a:rPr lang="en-US" smtClean="0"/>
+              <a:t>5/14/17</a:t>
+            </a:fld>
+            <a:endParaRPr lang="en-US" dirty="0"/>
+          </a:p>
+        </p:txBody>
+      </p:sp>
+      <p:sp>
+        <p:nvSpPr>
+          <p:cNvPr id="5" name="Footer Placeholder 4"/>
+          <p:cNvSpPr>
+            <a:spLocks noGrp="1"/>
+          </p:cNvSpPr>
+          <p:nvPr>
+            <p:ph type="ftr" sz="quarter" idx="11"/>
+          </p:nvPr>
+        </p:nvSpPr>
+        <p:spPr/>
+        <p:txBody>
+          <a:bodyPr/>
+          <a:lstStyle/>
+          <a:p>
+            <a:r>
+              <a:rPr lang="en-US" smtClean="0"/>
+              <a:t>How to Use a Supercomputer</a:t>
+            </a:r>
+            <a:endParaRPr lang="en-US"/>
+          </a:p>
+        </p:txBody>
+      </p:sp>
+      <p:sp>
+        <p:nvSpPr>
+          <p:cNvPr id="7" name="Slide Number Placeholder 9"/>
+          <p:cNvSpPr>
+            <a:spLocks noGrp="1"/>
+          </p:cNvSpPr>
+          <p:nvPr>
+            <p:ph type="sldNum" sz="quarter" idx="4"/>
+          </p:nvPr>
+        </p:nvSpPr>
+        <p:spPr>
+          <a:xfrm>
+            <a:off x="7708624" y="6495368"/>
+            <a:ext cx="284189" cy="276999"/>
+          </a:xfrm>
+          <a:prstGeom prst="rect">
+            <a:avLst/>
+          </a:prstGeom>
+        </p:spPr>
+        <p:txBody>
+          <a:bodyPr vert="horz" lIns="91440" tIns="45720" rIns="91440" bIns="45720" rtlCol="0" anchor="ctr"/>
+          <a:lstStyle>
+            <a:lvl1pPr algn="r">
+              <a:defRPr sz="1200">
+                <a:solidFill>
+                  <a:schemeClr val="tx1">
+                    <a:tint val="75000"/>
+                  </a:schemeClr>
+                </a:solidFill>
+                <a:latin typeface="Helvetica Neue"/>
+                <a:cs typeface="Helvetica Neue"/>
+              </a:defRPr>
+            </a:lvl1pPr>
+          </a:lstStyle>
+          <a:p>
+            <a:fld id="{249E94F7-107C-CE46-8C56-9CACFF99CD93}" type="slidenum">
+              <a:rPr lang="en-US" smtClean="0"/>
+              <a:pPr/>
+              <a:t>‹#›</a:t>
+            </a:fld>
+            <a:endParaRPr lang="en-US" dirty="0"/>
+          </a:p>
+        </p:txBody>
+      </p:sp>
+    </p:spTree>
+    <p:extLst/>
+  </p:cSld>
+  <p:clrMapOvr>
+    <a:masterClrMapping/>
+  </p:clrMapOvr>
+</p:sldLayout>
+</file>
+
+<file path=ppt/slideLayouts/slideLayout56.xml><?xml version="1.0" encoding="utf-8"?>
+<p:sldLayout xmlns:a="http://schemas.openxmlformats.org/drawingml/2006/main" xmlns:r="http://schemas.openxmlformats.org/officeDocument/2006/relationships" xmlns:p="http://schemas.openxmlformats.org/presentationml/2006/main" type="vertTitleAndTx" preserve="1">
+  <p:cSld name="Vertical Title and Text">
+    <p:spTree>
+      <p:nvGrpSpPr>
+        <p:cNvPr id="1" name=""/>
+        <p:cNvGrpSpPr/>
+        <p:nvPr/>
+      </p:nvGrpSpPr>
+      <p:grpSpPr>
+        <a:xfrm>
+          <a:off x="0" y="0"/>
+          <a:ext cx="0" cy="0"/>
+          <a:chOff x="0" y="0"/>
+          <a:chExt cx="0" cy="0"/>
+        </a:xfrm>
+      </p:grpSpPr>
+      <p:sp>
+        <p:nvSpPr>
+          <p:cNvPr id="2" name="Vertical Title 1"/>
+          <p:cNvSpPr>
+            <a:spLocks noGrp="1"/>
+          </p:cNvSpPr>
+          <p:nvPr>
+            <p:ph type="title" orient="vert"/>
+          </p:nvPr>
+        </p:nvSpPr>
+        <p:spPr>
+          <a:xfrm>
+            <a:off x="6629400" y="274638"/>
+            <a:ext cx="1752600" cy="5851525"/>
+          </a:xfrm>
+        </p:spPr>
+        <p:txBody>
+          <a:bodyPr vert="eaVert" anchor="b" anchorCtr="0"/>
+          <a:lstStyle/>
+          <a:p>
+            <a:r>
+              <a:rPr lang="en-US" smtClean="0"/>
+              <a:t>Click to edit Master title style</a:t>
+            </a:r>
+            <a:endParaRPr lang="en-US" dirty="0"/>
+          </a:p>
+        </p:txBody>
+      </p:sp>
+      <p:sp>
+        <p:nvSpPr>
+          <p:cNvPr id="3" name="Vertical Text Placeholder 2"/>
+          <p:cNvSpPr>
+            <a:spLocks noGrp="1"/>
+          </p:cNvSpPr>
+          <p:nvPr>
+            <p:ph type="body" orient="vert" idx="1"/>
+          </p:nvPr>
+        </p:nvSpPr>
+        <p:spPr>
+          <a:xfrm>
+            <a:off x="457200" y="274638"/>
+            <a:ext cx="6019800" cy="5851525"/>
+          </a:xfrm>
+        </p:spPr>
+        <p:txBody>
+          <a:bodyPr vert="eaVert"/>
+          <a:lstStyle/>
+          <a:p>
+            <a:pPr lvl="0"/>
+            <a:r>
+              <a:rPr lang="en-US" smtClean="0"/>
+              <a:t>Click to edit Master text styles</a:t>
+            </a:r>
+          </a:p>
+          <a:p>
+            <a:pPr lvl="1"/>
+            <a:r>
+              <a:rPr lang="en-US" smtClean="0"/>
+              <a:t>Second level</a:t>
+            </a:r>
+          </a:p>
+          <a:p>
+            <a:pPr lvl="2"/>
+            <a:r>
+              <a:rPr lang="en-US" smtClean="0"/>
+              <a:t>Third level</a:t>
+            </a:r>
+          </a:p>
+          <a:p>
+            <a:pPr lvl="3"/>
+            <a:r>
+              <a:rPr lang="en-US" smtClean="0"/>
+              <a:t>Fourth level</a:t>
+            </a:r>
+          </a:p>
+          <a:p>
+            <a:pPr lvl="4"/>
+            <a:r>
+              <a:rPr lang="en-US" smtClean="0"/>
+              <a:t>Fifth level</a:t>
+            </a:r>
+            <a:endParaRPr lang="en-US"/>
+          </a:p>
+        </p:txBody>
+      </p:sp>
+      <p:sp>
+        <p:nvSpPr>
+          <p:cNvPr id="4" name="Date Placeholder 3"/>
+          <p:cNvSpPr>
+            <a:spLocks noGrp="1"/>
+          </p:cNvSpPr>
+          <p:nvPr>
+            <p:ph type="dt" sz="half" idx="10"/>
+          </p:nvPr>
+        </p:nvSpPr>
+        <p:spPr/>
+        <p:txBody>
+          <a:bodyPr/>
+          <a:lstStyle/>
+          <a:p>
+            <a:fld id="{1F68B04B-D1A6-6E47-8FFF-8EA857FCC20A}" type="datetime1">
+              <a:rPr lang="en-US" smtClean="0"/>
+              <a:t>5/14/17</a:t>
+            </a:fld>
+            <a:endParaRPr lang="en-US" dirty="0"/>
+          </a:p>
+        </p:txBody>
+      </p:sp>
+      <p:sp>
+        <p:nvSpPr>
+          <p:cNvPr id="5" name="Footer Placeholder 4"/>
+          <p:cNvSpPr>
+            <a:spLocks noGrp="1"/>
+          </p:cNvSpPr>
+          <p:nvPr>
+            <p:ph type="ftr" sz="quarter" idx="11"/>
+          </p:nvPr>
+        </p:nvSpPr>
+        <p:spPr/>
+        <p:txBody>
+          <a:bodyPr/>
+          <a:lstStyle/>
+          <a:p>
+            <a:r>
+              <a:rPr lang="en-US" smtClean="0"/>
+              <a:t>How to Use a Supercomputer</a:t>
+            </a:r>
+            <a:endParaRPr lang="en-US"/>
+          </a:p>
+        </p:txBody>
+      </p:sp>
+      <p:sp>
+        <p:nvSpPr>
+          <p:cNvPr id="7" name="Slide Number Placeholder 9"/>
+          <p:cNvSpPr>
+            <a:spLocks noGrp="1"/>
+          </p:cNvSpPr>
+          <p:nvPr>
+            <p:ph type="sldNum" sz="quarter" idx="4"/>
+          </p:nvPr>
+        </p:nvSpPr>
+        <p:spPr>
+          <a:xfrm>
+            <a:off x="7708624" y="6495368"/>
+            <a:ext cx="284189" cy="276999"/>
+          </a:xfrm>
+          <a:prstGeom prst="rect">
+            <a:avLst/>
+          </a:prstGeom>
+        </p:spPr>
+        <p:txBody>
+          <a:bodyPr vert="horz" lIns="91440" tIns="45720" rIns="91440" bIns="45720" rtlCol="0" anchor="ctr"/>
+          <a:lstStyle>
+            <a:lvl1pPr algn="r">
+              <a:defRPr sz="1200">
+                <a:solidFill>
+                  <a:schemeClr val="tx1">
+                    <a:tint val="75000"/>
+                  </a:schemeClr>
+                </a:solidFill>
+                <a:latin typeface="Helvetica Neue"/>
+                <a:cs typeface="Helvetica Neue"/>
+              </a:defRPr>
+            </a:lvl1pPr>
+          </a:lstStyle>
+          <a:p>
+            <a:fld id="{249E94F7-107C-CE46-8C56-9CACFF99CD93}" type="slidenum">
+              <a:rPr lang="en-US" smtClean="0"/>
+              <a:pPr/>
+              <a:t>‹#›</a:t>
+            </a:fld>
+            <a:endParaRPr lang="en-US" dirty="0"/>
+          </a:p>
+        </p:txBody>
+      </p:sp>
+    </p:spTree>
+    <p:extLst/>
+  </p:cSld>
+  <p:clrMapOvr>
+    <a:masterClrMapping/>
+  </p:clrMapOvr>
+</p:sldLayout>
+</file>
+
+<file path=ppt/slideLayouts/slideLayout57.xml><?xml version="1.0" encoding="utf-8"?>
+<p:sldLayout xmlns:a="http://schemas.openxmlformats.org/drawingml/2006/main" xmlns:r="http://schemas.openxmlformats.org/officeDocument/2006/relationships" xmlns:p="http://schemas.openxmlformats.org/presentationml/2006/main" type="tx" preserve="1">
+  <p:cSld name="Title and Body">
+    <p:spTree>
+      <p:nvGrpSpPr>
+        <p:cNvPr id="1" name="Shape 33"/>
+        <p:cNvGrpSpPr/>
+        <p:nvPr/>
+      </p:nvGrpSpPr>
+      <p:grpSpPr>
+        <a:xfrm>
+          <a:off x="0" y="0"/>
+          <a:ext cx="0" cy="0"/>
+          <a:chOff x="0" y="0"/>
+          <a:chExt cx="0" cy="0"/>
+        </a:xfrm>
+      </p:grpSpPr>
+      <p:sp>
+        <p:nvSpPr>
+          <p:cNvPr id="34" name="Shape 34"/>
+          <p:cNvSpPr txBox="1">
+            <a:spLocks noGrp="1"/>
+          </p:cNvSpPr>
+          <p:nvPr>
+            <p:ph type="title"/>
+          </p:nvPr>
+        </p:nvSpPr>
+        <p:spPr>
+          <a:xfrm>
+            <a:off x="457200" y="274637"/>
+            <a:ext cx="8229600" cy="1143000"/>
+          </a:xfrm>
+          <a:prstGeom prst="rect">
+            <a:avLst/>
+          </a:prstGeom>
+        </p:spPr>
+        <p:txBody>
+          <a:bodyPr lIns="91425" tIns="91425" rIns="91425" bIns="91425" anchor="b" anchorCtr="0"/>
+          <a:lstStyle>
+            <a:lvl1pPr rtl="0">
+              <a:spcBef>
+                <a:spcPts val="0"/>
+              </a:spcBef>
+              <a:defRPr/>
+            </a:lvl1pPr>
+            <a:lvl2pPr rtl="0">
+              <a:spcBef>
+                <a:spcPts val="0"/>
+              </a:spcBef>
+              <a:defRPr/>
+            </a:lvl2pPr>
+            <a:lvl3pPr rtl="0">
+              <a:spcBef>
+                <a:spcPts val="0"/>
+              </a:spcBef>
+              <a:defRPr/>
+            </a:lvl3pPr>
+            <a:lvl4pPr rtl="0">
+              <a:spcBef>
+                <a:spcPts val="0"/>
+              </a:spcBef>
+              <a:defRPr/>
+            </a:lvl4pPr>
+            <a:lvl5pPr rtl="0">
+              <a:spcBef>
+                <a:spcPts val="0"/>
+              </a:spcBef>
+              <a:defRPr/>
+            </a:lvl5pPr>
+            <a:lvl6pPr rtl="0">
+              <a:spcBef>
+                <a:spcPts val="0"/>
+              </a:spcBef>
+              <a:defRPr/>
+            </a:lvl6pPr>
+            <a:lvl7pPr rtl="0">
+              <a:spcBef>
+                <a:spcPts val="0"/>
+              </a:spcBef>
+              <a:defRPr/>
+            </a:lvl7pPr>
+            <a:lvl8pPr rtl="0">
+              <a:spcBef>
+                <a:spcPts val="0"/>
+              </a:spcBef>
+              <a:defRPr/>
+            </a:lvl8pPr>
+            <a:lvl9pPr rtl="0">
+              <a:spcBef>
+                <a:spcPts val="0"/>
+              </a:spcBef>
+              <a:defRPr/>
+            </a:lvl9pPr>
+          </a:lstStyle>
+          <a:p>
+            <a:r>
+              <a:rPr lang="en-US" smtClean="0"/>
+              <a:t>Click to edit Master title style</a:t>
+            </a:r>
+            <a:endParaRPr/>
+          </a:p>
+        </p:txBody>
+      </p:sp>
+      <p:sp>
+        <p:nvSpPr>
+          <p:cNvPr id="35" name="Shape 35"/>
+          <p:cNvSpPr txBox="1">
+            <a:spLocks noGrp="1"/>
+          </p:cNvSpPr>
+          <p:nvPr>
+            <p:ph type="body" idx="1"/>
+          </p:nvPr>
+        </p:nvSpPr>
+        <p:spPr>
+          <a:xfrm>
+            <a:off x="457200" y="1600200"/>
+            <a:ext cx="8229600" cy="4967700"/>
+          </a:xfrm>
+          <a:prstGeom prst="rect">
+            <a:avLst/>
+          </a:prstGeom>
+        </p:spPr>
+        <p:txBody>
+          <a:bodyPr lIns="91425" tIns="91425" rIns="91425" bIns="91425" anchor="t" anchorCtr="0"/>
+          <a:lstStyle>
+            <a:lvl1pPr rtl="0">
+              <a:spcBef>
+                <a:spcPts val="0"/>
+              </a:spcBef>
+              <a:defRPr/>
+            </a:lvl1pPr>
+            <a:lvl2pPr rtl="0">
+              <a:spcBef>
+                <a:spcPts val="0"/>
+              </a:spcBef>
+              <a:defRPr/>
+            </a:lvl2pPr>
+            <a:lvl3pPr rtl="0">
+              <a:spcBef>
+                <a:spcPts val="0"/>
+              </a:spcBef>
+              <a:defRPr/>
+            </a:lvl3pPr>
+            <a:lvl4pPr rtl="0">
+              <a:spcBef>
+                <a:spcPts val="0"/>
+              </a:spcBef>
+              <a:defRPr/>
+            </a:lvl4pPr>
+            <a:lvl5pPr rtl="0">
+              <a:spcBef>
+                <a:spcPts val="0"/>
+              </a:spcBef>
+              <a:defRPr/>
+            </a:lvl5pPr>
+            <a:lvl6pPr rtl="0">
+              <a:spcBef>
+                <a:spcPts val="0"/>
+              </a:spcBef>
+              <a:defRPr/>
+            </a:lvl6pPr>
+            <a:lvl7pPr rtl="0">
+              <a:spcBef>
+                <a:spcPts val="0"/>
+              </a:spcBef>
+              <a:defRPr/>
+            </a:lvl7pPr>
+            <a:lvl8pPr rtl="0">
+              <a:spcBef>
+                <a:spcPts val="0"/>
+              </a:spcBef>
+              <a:defRPr/>
+            </a:lvl8pPr>
+            <a:lvl9pPr rtl="0">
+              <a:spcBef>
+                <a:spcPts val="0"/>
+              </a:spcBef>
+              <a:defRPr/>
+            </a:lvl9pPr>
+          </a:lstStyle>
+          <a:p>
+            <a:pPr lvl="0"/>
+            <a:r>
+              <a:rPr lang="en-US" smtClean="0"/>
+              <a:t>Click to edit Master text styles</a:t>
+            </a:r>
+          </a:p>
+        </p:txBody>
+      </p:sp>
+    </p:spTree>
+    <p:extLst/>
   </p:cSld>
   <p:clrMapOvr>
     <a:masterClrMapping/>
@@ -11800,7 +14713,7 @@
           <a:p>
             <a:fld id="{0136884D-1469-1E46-9263-BB8D1ACB4A64}" type="datetime1">
               <a:rPr lang="en-US" smtClean="0"/>
-              <a:t>5/12/17</a:t>
+              <a:t>5/14/17</a:t>
             </a:fld>
             <a:endParaRPr lang="en-US"/>
           </a:p>
@@ -11899,7 +14812,7 @@
           <a:p>
             <a:fld id="{27CC7E83-50E1-1045-83FA-0FAB594D1BD4}" type="datetime1">
               <a:rPr lang="en-US" smtClean="0"/>
-              <a:t>5/12/17</a:t>
+              <a:t>5/14/17</a:t>
             </a:fld>
             <a:endParaRPr lang="en-US"/>
           </a:p>
@@ -12180,7 +15093,7 @@
           <a:p>
             <a:fld id="{9C2E28BB-0C81-5F41-96D6-475C0F33378C}" type="datetime1">
               <a:rPr lang="en-US" smtClean="0"/>
-              <a:t>5/12/17</a:t>
+              <a:t>5/14/17</a:t>
             </a:fld>
             <a:endParaRPr lang="en-US"/>
           </a:p>
@@ -12442,7 +15355,7 @@
           <a:p>
             <a:fld id="{5A53C08C-A000-C24C-B0D4-14F9DA784B8F}" type="datetime1">
               <a:rPr lang="en-US" smtClean="0"/>
-              <a:t>5/12/17</a:t>
+              <a:t>5/14/17</a:t>
             </a:fld>
             <a:endParaRPr lang="en-US"/>
           </a:p>
@@ -12659,7 +15572,7 @@
           <a:p>
             <a:fld id="{12340213-C7C4-C342-8E00-73B99A2E5FF4}" type="datetime1">
               <a:rPr lang="en-US" smtClean="0"/>
-              <a:t>5/12/17</a:t>
+              <a:t>5/14/17</a:t>
             </a:fld>
             <a:endParaRPr lang="en-US"/>
           </a:p>
@@ -13174,7 +16087,7 @@
           <a:p>
             <a:fld id="{DA977EA7-3A8C-C341-8841-47FEC12237B0}" type="datetime1">
               <a:rPr lang="en-US" smtClean="0"/>
-              <a:t>5/12/17</a:t>
+              <a:t>5/14/17</a:t>
             </a:fld>
             <a:endParaRPr lang="en-US"/>
           </a:p>
@@ -13689,7 +16602,7 @@
           <a:p>
             <a:fld id="{C74D0869-9881-ED44-A01F-63192205CAAE}" type="datetime1">
               <a:rPr lang="en-US" smtClean="0"/>
-              <a:t>5/12/17</a:t>
+              <a:t>5/14/17</a:t>
             </a:fld>
             <a:endParaRPr lang="en-US"/>
           </a:p>
@@ -14334,7 +17247,7 @@
           <a:p>
             <a:fld id="{6FE751DF-67BA-6F4C-8258-CF63A9C81540}" type="datetime1">
               <a:rPr lang="en-US" smtClean="0"/>
-              <a:t>5/12/17</a:t>
+              <a:t>5/14/17</a:t>
             </a:fld>
             <a:endParaRPr lang="en-US"/>
           </a:p>
@@ -14750,6 +17663,709 @@
 </p:sldMaster>
 </file>
 
+<file path=ppt/slideMasters/slideMaster5.xml><?xml version="1.0" encoding="utf-8"?>
+<p:sldMaster xmlns:a="http://schemas.openxmlformats.org/drawingml/2006/main" xmlns:r="http://schemas.openxmlformats.org/officeDocument/2006/relationships" xmlns:p="http://schemas.openxmlformats.org/presentationml/2006/main" preserve="1">
+  <p:cSld>
+    <p:bg>
+      <p:bgRef idx="1002">
+        <a:schemeClr val="bg1"/>
+      </p:bgRef>
+    </p:bg>
+    <p:spTree>
+      <p:nvGrpSpPr>
+        <p:cNvPr id="1" name=""/>
+        <p:cNvGrpSpPr/>
+        <p:nvPr/>
+      </p:nvGrpSpPr>
+      <p:grpSpPr>
+        <a:xfrm>
+          <a:off x="0" y="0"/>
+          <a:ext cx="0" cy="0"/>
+          <a:chOff x="0" y="0"/>
+          <a:chExt cx="0" cy="0"/>
+        </a:xfrm>
+      </p:grpSpPr>
+      <p:sp>
+        <p:nvSpPr>
+          <p:cNvPr id="2" name="Title Placeholder 1"/>
+          <p:cNvSpPr>
+            <a:spLocks noGrp="1"/>
+          </p:cNvSpPr>
+          <p:nvPr>
+            <p:ph type="title"/>
+          </p:nvPr>
+        </p:nvSpPr>
+        <p:spPr>
+          <a:xfrm>
+            <a:off x="457200" y="274638"/>
+            <a:ext cx="8191532" cy="1143000"/>
+          </a:xfrm>
+          <a:prstGeom prst="rect">
+            <a:avLst/>
+          </a:prstGeom>
+        </p:spPr>
+        <p:txBody>
+          <a:bodyPr vert="horz" lIns="91440" tIns="45720" rIns="91440" bIns="45720" rtlCol="0" anchor="ctr">
+            <a:noAutofit/>
+          </a:bodyPr>
+          <a:lstStyle/>
+          <a:p>
+            <a:r>
+              <a:rPr lang="en-US" smtClean="0"/>
+              <a:t>Click to edit Master title style</a:t>
+            </a:r>
+            <a:endParaRPr lang="en-US" dirty="0"/>
+          </a:p>
+        </p:txBody>
+      </p:sp>
+      <p:sp>
+        <p:nvSpPr>
+          <p:cNvPr id="3" name="Text Placeholder 2"/>
+          <p:cNvSpPr>
+            <a:spLocks noGrp="1"/>
+          </p:cNvSpPr>
+          <p:nvPr>
+            <p:ph type="body" idx="1"/>
+          </p:nvPr>
+        </p:nvSpPr>
+        <p:spPr>
+          <a:xfrm>
+            <a:off x="457199" y="1600200"/>
+            <a:ext cx="8191533" cy="4688490"/>
+          </a:xfrm>
+          <a:prstGeom prst="rect">
+            <a:avLst/>
+          </a:prstGeom>
+        </p:spPr>
+        <p:txBody>
+          <a:bodyPr vert="horz" lIns="91440" tIns="45720" rIns="91440" bIns="45720" rtlCol="0">
+            <a:normAutofit/>
+          </a:bodyPr>
+          <a:lstStyle/>
+          <a:p>
+            <a:pPr lvl="0"/>
+            <a:r>
+              <a:rPr lang="en-US" smtClean="0"/>
+              <a:t>Click to edit Master text styles</a:t>
+            </a:r>
+          </a:p>
+          <a:p>
+            <a:pPr lvl="1"/>
+            <a:r>
+              <a:rPr lang="en-US" smtClean="0"/>
+              <a:t>Second level</a:t>
+            </a:r>
+          </a:p>
+          <a:p>
+            <a:pPr lvl="2"/>
+            <a:r>
+              <a:rPr lang="en-US" smtClean="0"/>
+              <a:t>Third level</a:t>
+            </a:r>
+          </a:p>
+          <a:p>
+            <a:pPr lvl="3"/>
+            <a:r>
+              <a:rPr lang="en-US" smtClean="0"/>
+              <a:t>Fourth level</a:t>
+            </a:r>
+          </a:p>
+          <a:p>
+            <a:pPr lvl="4"/>
+            <a:r>
+              <a:rPr lang="en-US" smtClean="0"/>
+              <a:t>Fifth level</a:t>
+            </a:r>
+            <a:endParaRPr lang="en-US" dirty="0"/>
+          </a:p>
+        </p:txBody>
+      </p:sp>
+      <p:sp>
+        <p:nvSpPr>
+          <p:cNvPr id="7" name="Rectangle 6"/>
+          <p:cNvSpPr/>
+          <p:nvPr/>
+        </p:nvSpPr>
+        <p:spPr>
+          <a:xfrm rot="5400000">
+            <a:off x="4343400" y="2057399"/>
+            <a:ext cx="457200" cy="9144000"/>
+          </a:xfrm>
+          <a:prstGeom prst="rect">
+            <a:avLst/>
+          </a:prstGeom>
+          <a:solidFill>
+            <a:schemeClr val="tx2"/>
+          </a:solidFill>
+          <a:ln>
+            <a:noFill/>
+          </a:ln>
+        </p:spPr>
+        <p:style>
+          <a:lnRef idx="2">
+            <a:schemeClr val="accent1">
+              <a:shade val="50000"/>
+            </a:schemeClr>
+          </a:lnRef>
+          <a:fillRef idx="1">
+            <a:schemeClr val="accent1"/>
+          </a:fillRef>
+          <a:effectRef idx="0">
+            <a:schemeClr val="accent1"/>
+          </a:effectRef>
+          <a:fontRef idx="minor">
+            <a:schemeClr val="lt1"/>
+          </a:fontRef>
+        </p:style>
+        <p:txBody>
+          <a:bodyPr rtlCol="0" anchor="ctr"/>
+          <a:lstStyle/>
+          <a:p>
+            <a:pPr algn="ctr"/>
+            <a:endParaRPr lang="en-US" dirty="0"/>
+          </a:p>
+        </p:txBody>
+      </p:sp>
+      <p:sp>
+        <p:nvSpPr>
+          <p:cNvPr id="8" name="Rectangle 7"/>
+          <p:cNvSpPr/>
+          <p:nvPr/>
+        </p:nvSpPr>
+        <p:spPr>
+          <a:xfrm>
+            <a:off x="7619999" y="6400799"/>
+            <a:ext cx="457201" cy="457201"/>
+          </a:xfrm>
+          <a:prstGeom prst="rect">
+            <a:avLst/>
+          </a:prstGeom>
+          <a:solidFill>
+            <a:schemeClr val="accent1"/>
+          </a:solidFill>
+          <a:ln>
+            <a:noFill/>
+          </a:ln>
+        </p:spPr>
+        <p:style>
+          <a:lnRef idx="2">
+            <a:schemeClr val="accent1">
+              <a:shade val="50000"/>
+            </a:schemeClr>
+          </a:lnRef>
+          <a:fillRef idx="1">
+            <a:schemeClr val="accent1"/>
+          </a:fillRef>
+          <a:effectRef idx="0">
+            <a:schemeClr val="accent1"/>
+          </a:effectRef>
+          <a:fontRef idx="minor">
+            <a:schemeClr val="lt1"/>
+          </a:fontRef>
+        </p:style>
+        <p:txBody>
+          <a:bodyPr rtlCol="0" anchor="ctr"/>
+          <a:lstStyle/>
+          <a:p>
+            <a:pPr algn="ctr"/>
+            <a:endParaRPr lang="en-US"/>
+          </a:p>
+        </p:txBody>
+      </p:sp>
+      <p:sp>
+        <p:nvSpPr>
+          <p:cNvPr id="5" name="Footer Placeholder 4"/>
+          <p:cNvSpPr>
+            <a:spLocks noGrp="1"/>
+          </p:cNvSpPr>
+          <p:nvPr>
+            <p:ph type="ftr" sz="quarter" idx="3"/>
+          </p:nvPr>
+        </p:nvSpPr>
+        <p:spPr>
+          <a:xfrm>
+            <a:off x="2504261" y="6450987"/>
+            <a:ext cx="5019394" cy="365760"/>
+          </a:xfrm>
+          <a:prstGeom prst="rect">
+            <a:avLst/>
+          </a:prstGeom>
+        </p:spPr>
+        <p:txBody>
+          <a:bodyPr vert="horz" lIns="91440" tIns="45720" rIns="91440" bIns="45720" rtlCol="0" anchor="ctr"/>
+          <a:lstStyle>
+            <a:lvl1pPr algn="r">
+              <a:defRPr sz="1200">
+                <a:solidFill>
+                  <a:schemeClr val="bg2"/>
+                </a:solidFill>
+              </a:defRPr>
+            </a:lvl1pPr>
+          </a:lstStyle>
+          <a:p>
+            <a:r>
+              <a:rPr lang="en-US" smtClean="0"/>
+              <a:t>How to Use a Supercomputer</a:t>
+            </a:r>
+            <a:endParaRPr lang="en-US"/>
+          </a:p>
+        </p:txBody>
+      </p:sp>
+      <p:sp>
+        <p:nvSpPr>
+          <p:cNvPr id="4" name="Date Placeholder 3"/>
+          <p:cNvSpPr>
+            <a:spLocks noGrp="1"/>
+          </p:cNvSpPr>
+          <p:nvPr>
+            <p:ph type="dt" sz="half" idx="2"/>
+          </p:nvPr>
+        </p:nvSpPr>
+        <p:spPr>
+          <a:xfrm>
+            <a:off x="8218541" y="6450987"/>
+            <a:ext cx="861887" cy="365760"/>
+          </a:xfrm>
+          <a:prstGeom prst="rect">
+            <a:avLst/>
+          </a:prstGeom>
+        </p:spPr>
+        <p:txBody>
+          <a:bodyPr vert="horz" lIns="91440" tIns="45720" rIns="91440" bIns="45720" rtlCol="0" anchor="ctr"/>
+          <a:lstStyle>
+            <a:lvl1pPr algn="l">
+              <a:defRPr sz="1200">
+                <a:solidFill>
+                  <a:schemeClr val="bg2"/>
+                </a:solidFill>
+                <a:latin typeface="Helvetica Neue"/>
+              </a:defRPr>
+            </a:lvl1pPr>
+          </a:lstStyle>
+          <a:p>
+            <a:fld id="{12340213-C7C4-C342-8E00-73B99A2E5FF4}" type="datetime1">
+              <a:rPr lang="en-US" smtClean="0"/>
+              <a:t>5/14/17</a:t>
+            </a:fld>
+            <a:endParaRPr lang="en-US"/>
+          </a:p>
+        </p:txBody>
+      </p:sp>
+      <p:sp>
+        <p:nvSpPr>
+          <p:cNvPr id="9" name="TextBox 8"/>
+          <p:cNvSpPr txBox="1"/>
+          <p:nvPr/>
+        </p:nvSpPr>
+        <p:spPr>
+          <a:xfrm>
+            <a:off x="113863" y="6495368"/>
+            <a:ext cx="2659702" cy="276999"/>
+          </a:xfrm>
+          <a:prstGeom prst="rect">
+            <a:avLst/>
+          </a:prstGeom>
+          <a:noFill/>
+        </p:spPr>
+        <p:txBody>
+          <a:bodyPr wrap="none" rtlCol="0">
+            <a:spAutoFit/>
+          </a:bodyPr>
+          <a:lstStyle/>
+          <a:p>
+            <a:r>
+              <a:rPr lang="en-US" sz="1200" dirty="0" smtClean="0">
+                <a:solidFill>
+                  <a:schemeClr val="bg2"/>
+                </a:solidFill>
+                <a:latin typeface="Helvetica Neue"/>
+              </a:rPr>
+              <a:t>Research Computing @</a:t>
+            </a:r>
+            <a:r>
+              <a:rPr lang="en-US" sz="1200" baseline="0" dirty="0" smtClean="0">
+                <a:solidFill>
+                  <a:schemeClr val="bg2"/>
+                </a:solidFill>
+                <a:latin typeface="Helvetica Neue"/>
+              </a:rPr>
+              <a:t> </a:t>
+            </a:r>
+            <a:r>
+              <a:rPr lang="en-US" sz="1200" dirty="0" smtClean="0">
+                <a:solidFill>
+                  <a:schemeClr val="bg2"/>
+                </a:solidFill>
+                <a:latin typeface="Helvetica Neue"/>
+              </a:rPr>
+              <a:t>CU Boulder</a:t>
+            </a:r>
+            <a:endParaRPr lang="en-US" sz="1200" dirty="0">
+              <a:solidFill>
+                <a:schemeClr val="bg2"/>
+              </a:solidFill>
+              <a:latin typeface="Helvetica Neue"/>
+            </a:endParaRPr>
+          </a:p>
+        </p:txBody>
+      </p:sp>
+      <p:sp>
+        <p:nvSpPr>
+          <p:cNvPr id="10" name="Slide Number Placeholder 9"/>
+          <p:cNvSpPr>
+            <a:spLocks noGrp="1"/>
+          </p:cNvSpPr>
+          <p:nvPr>
+            <p:ph type="sldNum" sz="quarter" idx="4"/>
+          </p:nvPr>
+        </p:nvSpPr>
+        <p:spPr>
+          <a:xfrm>
+            <a:off x="7708624" y="6495368"/>
+            <a:ext cx="284189" cy="276999"/>
+          </a:xfrm>
+          <a:prstGeom prst="rect">
+            <a:avLst/>
+          </a:prstGeom>
+        </p:spPr>
+        <p:txBody>
+          <a:bodyPr vert="horz" lIns="91440" tIns="45720" rIns="91440" bIns="45720" rtlCol="0" anchor="ctr"/>
+          <a:lstStyle>
+            <a:lvl1pPr algn="r">
+              <a:defRPr sz="1200">
+                <a:solidFill>
+                  <a:schemeClr val="tx1">
+                    <a:tint val="75000"/>
+                  </a:schemeClr>
+                </a:solidFill>
+                <a:latin typeface="Helvetica Neue"/>
+                <a:cs typeface="Helvetica Neue"/>
+              </a:defRPr>
+            </a:lvl1pPr>
+          </a:lstStyle>
+          <a:p>
+            <a:fld id="{B817D63A-C300-AB42-B746-B52450B9994C}" type="slidenum">
+              <a:rPr lang="en-US" smtClean="0"/>
+              <a:t>‹#›</a:t>
+            </a:fld>
+            <a:endParaRPr lang="en-US"/>
+          </a:p>
+        </p:txBody>
+      </p:sp>
+    </p:spTree>
+    <p:extLst>
+      <p:ext uri="{BB962C8B-B14F-4D97-AF65-F5344CB8AC3E}">
+        <p14:creationId xmlns:p14="http://schemas.microsoft.com/office/powerpoint/2010/main" val="578163187"/>
+      </p:ext>
+    </p:extLst>
+  </p:cSld>
+  <p:clrMap bg1="lt1" tx1="dk1" bg2="lt2" tx2="dk2" accent1="accent1" accent2="accent2" accent3="accent3" accent4="accent4" accent5="accent5" accent6="accent6" hlink="hlink" folHlink="folHlink"/>
+  <p:sldLayoutIdLst>
+    <p:sldLayoutId id="2147483806" r:id="rId1"/>
+    <p:sldLayoutId id="2147483807" r:id="rId2"/>
+    <p:sldLayoutId id="2147483808" r:id="rId3"/>
+    <p:sldLayoutId id="2147483809" r:id="rId4"/>
+    <p:sldLayoutId id="2147483810" r:id="rId5"/>
+    <p:sldLayoutId id="2147483811" r:id="rId6"/>
+    <p:sldLayoutId id="2147483812" r:id="rId7"/>
+    <p:sldLayoutId id="2147483813" r:id="rId8"/>
+    <p:sldLayoutId id="2147483814" r:id="rId9"/>
+    <p:sldLayoutId id="2147483815" r:id="rId10"/>
+    <p:sldLayoutId id="2147483816" r:id="rId11"/>
+    <p:sldLayoutId id="2147483817" r:id="rId12"/>
+  </p:sldLayoutIdLst>
+  <p:timing>
+    <p:tnLst>
+      <p:par>
+        <p:cTn id="1" dur="indefinite" restart="never" nodeType="tmRoot"/>
+      </p:par>
+    </p:tnLst>
+  </p:timing>
+  <p:hf hdr="0" ftr="0" dt="0"/>
+  <p:txStyles>
+    <p:titleStyle>
+      <a:lvl1pPr algn="l" defTabSz="914400" rtl="0" eaLnBrk="1" latinLnBrk="0" hangingPunct="1">
+        <a:spcBef>
+          <a:spcPct val="0"/>
+        </a:spcBef>
+        <a:buNone/>
+        <a:defRPr sz="4600" kern="1200" cap="none" spc="-100" baseline="0">
+          <a:ln>
+            <a:noFill/>
+          </a:ln>
+          <a:solidFill>
+            <a:schemeClr val="tx2"/>
+          </a:solidFill>
+          <a:effectLst/>
+          <a:latin typeface="Helvetica Neue"/>
+          <a:ea typeface="+mj-ea"/>
+          <a:cs typeface="+mj-cs"/>
+        </a:defRPr>
+      </a:lvl1pPr>
+    </p:titleStyle>
+    <p:bodyStyle>
+      <a:lvl1pPr marL="342900" indent="-228600" algn="l" defTabSz="914400" rtl="0" eaLnBrk="1" latinLnBrk="0" hangingPunct="1">
+        <a:spcBef>
+          <a:spcPct val="20000"/>
+        </a:spcBef>
+        <a:buClr>
+          <a:schemeClr val="accent1"/>
+        </a:buClr>
+        <a:buFont typeface="Arial" pitchFamily="34" charset="0"/>
+        <a:buChar char="•"/>
+        <a:defRPr sz="2400" kern="1200">
+          <a:solidFill>
+            <a:schemeClr val="tx1"/>
+          </a:solidFill>
+          <a:latin typeface="Helvetica Neue"/>
+          <a:ea typeface="+mn-ea"/>
+          <a:cs typeface="+mn-cs"/>
+        </a:defRPr>
+      </a:lvl1pPr>
+      <a:lvl2pPr marL="640080" indent="-228600" algn="l" defTabSz="914400" rtl="0" eaLnBrk="1" latinLnBrk="0" hangingPunct="1">
+        <a:spcBef>
+          <a:spcPct val="20000"/>
+        </a:spcBef>
+        <a:buClr>
+          <a:schemeClr val="accent2"/>
+        </a:buClr>
+        <a:buFont typeface="Arial" pitchFamily="34" charset="0"/>
+        <a:buChar char="•"/>
+        <a:defRPr sz="2200" kern="1200">
+          <a:solidFill>
+            <a:schemeClr val="tx1"/>
+          </a:solidFill>
+          <a:latin typeface="Helvetica Neue"/>
+          <a:ea typeface="+mn-ea"/>
+          <a:cs typeface="+mn-cs"/>
+        </a:defRPr>
+      </a:lvl2pPr>
+      <a:lvl3pPr marL="1005840" indent="-228600" algn="l" defTabSz="914400" rtl="0" eaLnBrk="1" latinLnBrk="0" hangingPunct="1">
+        <a:spcBef>
+          <a:spcPct val="20000"/>
+        </a:spcBef>
+        <a:buClr>
+          <a:schemeClr val="accent3"/>
+        </a:buClr>
+        <a:buFont typeface="Arial" pitchFamily="34" charset="0"/>
+        <a:buChar char="•"/>
+        <a:defRPr sz="2000" kern="1200">
+          <a:solidFill>
+            <a:schemeClr val="tx1"/>
+          </a:solidFill>
+          <a:latin typeface="Helvetica Neue"/>
+          <a:ea typeface="+mn-ea"/>
+          <a:cs typeface="+mn-cs"/>
+        </a:defRPr>
+      </a:lvl3pPr>
+      <a:lvl4pPr marL="1280160" indent="-228600" algn="l" defTabSz="914400" rtl="0" eaLnBrk="1" latinLnBrk="0" hangingPunct="1">
+        <a:spcBef>
+          <a:spcPct val="20000"/>
+        </a:spcBef>
+        <a:buClr>
+          <a:schemeClr val="accent4"/>
+        </a:buClr>
+        <a:buFont typeface="Arial" pitchFamily="34" charset="0"/>
+        <a:buChar char="•"/>
+        <a:defRPr sz="1800" kern="1200">
+          <a:solidFill>
+            <a:schemeClr val="tx1"/>
+          </a:solidFill>
+          <a:latin typeface="Helvetica Neue"/>
+          <a:ea typeface="+mn-ea"/>
+          <a:cs typeface="+mn-cs"/>
+        </a:defRPr>
+      </a:lvl4pPr>
+      <a:lvl5pPr marL="1554480" indent="-228600" algn="l" defTabSz="914400" rtl="0" eaLnBrk="1" latinLnBrk="0" hangingPunct="1">
+        <a:spcBef>
+          <a:spcPct val="20000"/>
+        </a:spcBef>
+        <a:buClr>
+          <a:schemeClr val="accent5"/>
+        </a:buClr>
+        <a:buFont typeface="Arial" pitchFamily="34" charset="0"/>
+        <a:buChar char="•"/>
+        <a:defRPr sz="1600" kern="1200" baseline="0">
+          <a:solidFill>
+            <a:schemeClr val="tx1"/>
+          </a:solidFill>
+          <a:latin typeface="Helvetica Neue"/>
+          <a:ea typeface="+mn-ea"/>
+          <a:cs typeface="+mn-cs"/>
+        </a:defRPr>
+      </a:lvl5pPr>
+      <a:lvl6pPr marL="1737360" indent="-182880" algn="l" defTabSz="914400" rtl="0" eaLnBrk="1" latinLnBrk="0" hangingPunct="1">
+        <a:spcBef>
+          <a:spcPct val="20000"/>
+        </a:spcBef>
+        <a:buClr>
+          <a:schemeClr val="accent1"/>
+        </a:buClr>
+        <a:buFont typeface="Arial" pitchFamily="34" charset="0"/>
+        <a:buChar char="•"/>
+        <a:defRPr sz="1400" kern="1200" baseline="0">
+          <a:solidFill>
+            <a:schemeClr val="tx1"/>
+          </a:solidFill>
+          <a:latin typeface="+mn-lt"/>
+          <a:ea typeface="+mn-ea"/>
+          <a:cs typeface="+mn-cs"/>
+        </a:defRPr>
+      </a:lvl6pPr>
+      <a:lvl7pPr marL="1920240" indent="-182880" algn="l" defTabSz="914400" rtl="0" eaLnBrk="1" latinLnBrk="0" hangingPunct="1">
+        <a:spcBef>
+          <a:spcPct val="20000"/>
+        </a:spcBef>
+        <a:buClr>
+          <a:schemeClr val="accent2"/>
+        </a:buClr>
+        <a:buFont typeface="Arial" pitchFamily="34" charset="0"/>
+        <a:buChar char="•"/>
+        <a:defRPr sz="1400" kern="1200">
+          <a:solidFill>
+            <a:schemeClr val="tx1"/>
+          </a:solidFill>
+          <a:latin typeface="+mn-lt"/>
+          <a:ea typeface="+mn-ea"/>
+          <a:cs typeface="+mn-cs"/>
+        </a:defRPr>
+      </a:lvl7pPr>
+      <a:lvl8pPr marL="2103120" indent="-182880" algn="l" defTabSz="914400" rtl="0" eaLnBrk="1" latinLnBrk="0" hangingPunct="1">
+        <a:spcBef>
+          <a:spcPct val="20000"/>
+        </a:spcBef>
+        <a:buClr>
+          <a:schemeClr val="accent3"/>
+        </a:buClr>
+        <a:buFont typeface="Arial" pitchFamily="34" charset="0"/>
+        <a:buChar char="•"/>
+        <a:defRPr sz="1400" kern="1200">
+          <a:solidFill>
+            <a:schemeClr val="tx1"/>
+          </a:solidFill>
+          <a:latin typeface="+mn-lt"/>
+          <a:ea typeface="+mn-ea"/>
+          <a:cs typeface="+mn-cs"/>
+        </a:defRPr>
+      </a:lvl8pPr>
+      <a:lvl9pPr marL="2286000" indent="-182880" algn="l" defTabSz="914400" rtl="0" eaLnBrk="1" latinLnBrk="0" hangingPunct="1">
+        <a:spcBef>
+          <a:spcPct val="20000"/>
+        </a:spcBef>
+        <a:buClr>
+          <a:schemeClr val="accent4"/>
+        </a:buClr>
+        <a:buFont typeface="Arial" pitchFamily="34" charset="0"/>
+        <a:buChar char="•"/>
+        <a:defRPr sz="1400" kern="1200">
+          <a:solidFill>
+            <a:schemeClr val="tx1"/>
+          </a:solidFill>
+          <a:latin typeface="+mn-lt"/>
+          <a:ea typeface="+mn-ea"/>
+          <a:cs typeface="+mn-cs"/>
+        </a:defRPr>
+      </a:lvl9pPr>
+    </p:bodyStyle>
+    <p:otherStyle>
+      <a:defPPr>
+        <a:defRPr lang="en-US"/>
+      </a:defPPr>
+      <a:lvl1pPr marL="0" algn="l" defTabSz="914400" rtl="0" eaLnBrk="1" latinLnBrk="0" hangingPunct="1">
+        <a:defRPr sz="1800" kern="1200">
+          <a:solidFill>
+            <a:schemeClr val="tx1"/>
+          </a:solidFill>
+          <a:latin typeface="+mn-lt"/>
+          <a:ea typeface="+mn-ea"/>
+          <a:cs typeface="+mn-cs"/>
+        </a:defRPr>
+      </a:lvl1pPr>
+      <a:lvl2pPr marL="457200" algn="l" defTabSz="914400" rtl="0" eaLnBrk="1" latinLnBrk="0" hangingPunct="1">
+        <a:defRPr sz="1800" kern="1200">
+          <a:solidFill>
+            <a:schemeClr val="tx1"/>
+          </a:solidFill>
+          <a:latin typeface="+mn-lt"/>
+          <a:ea typeface="+mn-ea"/>
+          <a:cs typeface="+mn-cs"/>
+        </a:defRPr>
+      </a:lvl2pPr>
+      <a:lvl3pPr marL="914400" algn="l" defTabSz="914400" rtl="0" eaLnBrk="1" latinLnBrk="0" hangingPunct="1">
+        <a:defRPr sz="1800" kern="1200">
+          <a:solidFill>
+            <a:schemeClr val="tx1"/>
+          </a:solidFill>
+          <a:latin typeface="+mn-lt"/>
+          <a:ea typeface="+mn-ea"/>
+          <a:cs typeface="+mn-cs"/>
+        </a:defRPr>
+      </a:lvl3pPr>
+      <a:lvl4pPr marL="1371600" algn="l" defTabSz="914400" rtl="0" eaLnBrk="1" latinLnBrk="0" hangingPunct="1">
+        <a:defRPr sz="1800" kern="1200">
+          <a:solidFill>
+            <a:schemeClr val="tx1"/>
+          </a:solidFill>
+          <a:latin typeface="+mn-lt"/>
+          <a:ea typeface="+mn-ea"/>
+          <a:cs typeface="+mn-cs"/>
+        </a:defRPr>
+      </a:lvl4pPr>
+      <a:lvl5pPr marL="1828800" algn="l" defTabSz="914400" rtl="0" eaLnBrk="1" latinLnBrk="0" hangingPunct="1">
+        <a:defRPr sz="1800" kern="1200">
+          <a:solidFill>
+            <a:schemeClr val="tx1"/>
+          </a:solidFill>
+          <a:latin typeface="+mn-lt"/>
+          <a:ea typeface="+mn-ea"/>
+          <a:cs typeface="+mn-cs"/>
+        </a:defRPr>
+      </a:lvl5pPr>
+      <a:lvl6pPr marL="2286000" algn="l" defTabSz="914400" rtl="0" eaLnBrk="1" latinLnBrk="0" hangingPunct="1">
+        <a:defRPr sz="1800" kern="1200">
+          <a:solidFill>
+            <a:schemeClr val="tx1"/>
+          </a:solidFill>
+          <a:latin typeface="+mn-lt"/>
+          <a:ea typeface="+mn-ea"/>
+          <a:cs typeface="+mn-cs"/>
+        </a:defRPr>
+      </a:lvl6pPr>
+      <a:lvl7pPr marL="2743200" algn="l" defTabSz="914400" rtl="0" eaLnBrk="1" latinLnBrk="0" hangingPunct="1">
+        <a:defRPr sz="1800" kern="1200">
+          <a:solidFill>
+            <a:schemeClr val="tx1"/>
+          </a:solidFill>
+          <a:latin typeface="+mn-lt"/>
+          <a:ea typeface="+mn-ea"/>
+          <a:cs typeface="+mn-cs"/>
+        </a:defRPr>
+      </a:lvl7pPr>
+      <a:lvl8pPr marL="3200400" algn="l" defTabSz="914400" rtl="0" eaLnBrk="1" latinLnBrk="0" hangingPunct="1">
+        <a:defRPr sz="1800" kern="1200">
+          <a:solidFill>
+            <a:schemeClr val="tx1"/>
+          </a:solidFill>
+          <a:latin typeface="+mn-lt"/>
+          <a:ea typeface="+mn-ea"/>
+          <a:cs typeface="+mn-cs"/>
+        </a:defRPr>
+      </a:lvl8pPr>
+      <a:lvl9pPr marL="3657600" algn="l" defTabSz="914400" rtl="0" eaLnBrk="1" latinLnBrk="0" hangingPunct="1">
+        <a:defRPr sz="1800" kern="1200">
+          <a:solidFill>
+            <a:schemeClr val="tx1"/>
+          </a:solidFill>
+          <a:latin typeface="+mn-lt"/>
+          <a:ea typeface="+mn-ea"/>
+          <a:cs typeface="+mn-cs"/>
+        </a:defRPr>
+      </a:lvl9pPr>
+    </p:otherStyle>
+  </p:txStyles>
+</p:sldMaster>
+</file>
+
 <file path=ppt/slides/slide1.xml><?xml version="1.0" encoding="utf-8"?>
 <p:sld xmlns:a="http://schemas.openxmlformats.org/drawingml/2006/main" xmlns:r="http://schemas.openxmlformats.org/officeDocument/2006/relationships" xmlns:p="http://schemas.openxmlformats.org/presentationml/2006/main">
   <p:cSld>
@@ -14789,38 +18405,10 @@
           <a:p>
             <a:pPr algn="ctr"/>
             <a:r>
-              <a:rPr lang="en-US" dirty="0" smtClean="0"/>
-              <a:t>What is this </a:t>
-            </a:r>
-            <a:r>
-              <a:rPr lang="en-US" smtClean="0"/>
-              <a:t>Parallel Computing Thing?</a:t>
+              <a:rPr lang="en-US" smtClean="0"/>
+              <a:t>Basics of Parallel Computing</a:t>
             </a:r>
             <a:endParaRPr lang="en-US" dirty="0"/>
-          </a:p>
-        </p:txBody>
-      </p:sp>
-      <p:sp>
-        <p:nvSpPr>
-          <p:cNvPr id="5" name="Slide Number Placeholder 4"/>
-          <p:cNvSpPr>
-            <a:spLocks noGrp="1"/>
-          </p:cNvSpPr>
-          <p:nvPr>
-            <p:ph type="sldNum" sz="quarter" idx="4"/>
-          </p:nvPr>
-        </p:nvSpPr>
-        <p:spPr/>
-        <p:txBody>
-          <a:bodyPr/>
-          <a:lstStyle/>
-          <a:p>
-            <a:fld id="{2C84CB25-7408-6D4A-8E7F-8E9BE9DF036E}" type="slidenum">
-              <a:rPr lang="en-US" smtClean="0"/>
-              <a:pPr/>
-              <a:t>1</a:t>
-            </a:fld>
-            <a:endParaRPr lang="en-US"/>
           </a:p>
         </p:txBody>
       </p:sp>
@@ -14842,7 +18430,7 @@
         </p:spPr>
         <p:txBody>
           <a:bodyPr>
-            <a:normAutofit fontScale="85000" lnSpcReduction="10000"/>
+            <a:normAutofit fontScale="92500" lnSpcReduction="20000"/>
           </a:bodyPr>
           <a:lstStyle/>
           <a:p>
@@ -14874,26 +18462,6 @@
                 <a:hlinkClick r:id="rId5"/>
               </a:rPr>
               <a:t>www.rc.colorado.edu</a:t>
-            </a:r>
-            <a:r>
-              <a:rPr lang="en-US" dirty="0" smtClean="0"/>
-              <a:t>	</a:t>
-            </a:r>
-            <a:r>
-              <a:rPr lang="en-US" dirty="0" smtClean="0">
-                <a:solidFill>
-                  <a:schemeClr val="tx1"/>
-                </a:solidFill>
-              </a:rPr>
-              <a:t>Questions?  #</a:t>
-            </a:r>
-            <a:r>
-              <a:rPr lang="en-US" dirty="0" err="1" smtClean="0">
-                <a:solidFill>
-                  <a:schemeClr val="tx1"/>
-                </a:solidFill>
-              </a:rPr>
-              <a:t>RC_BasicSC</a:t>
             </a:r>
             <a:endParaRPr lang="en-US" dirty="0" smtClean="0">
               <a:solidFill>
@@ -14980,13 +18548,37 @@
               <a:rPr lang="en-US" dirty="0" smtClean="0">
                 <a:hlinkClick r:id="rId7"/>
               </a:rPr>
-              <a:t>github.com/ResearchComputing/Final_Tutorials/tree/master/Basics_Supercomputing/2017_January</a:t>
+              <a:t>github.com/ResearchComputing/Parallelization_Workshop</a:t>
             </a:r>
             <a:r>
               <a:rPr lang="en-US" dirty="0" smtClean="0"/>
-              <a:t>  </a:t>
+              <a:t> </a:t>
             </a:r>
             <a:endParaRPr lang="en-US" dirty="0"/>
+          </a:p>
+        </p:txBody>
+      </p:sp>
+      <p:sp>
+        <p:nvSpPr>
+          <p:cNvPr id="5" name="Slide Number Placeholder 4"/>
+          <p:cNvSpPr>
+            <a:spLocks noGrp="1"/>
+          </p:cNvSpPr>
+          <p:nvPr>
+            <p:ph type="sldNum" sz="quarter" idx="4"/>
+          </p:nvPr>
+        </p:nvSpPr>
+        <p:spPr/>
+        <p:txBody>
+          <a:bodyPr/>
+          <a:lstStyle/>
+          <a:p>
+            <a:fld id="{2C84CB25-7408-6D4A-8E7F-8E9BE9DF036E}" type="slidenum">
+              <a:rPr lang="en-US" smtClean="0"/>
+              <a:pPr/>
+              <a:t>1</a:t>
+            </a:fld>
+            <a:endParaRPr lang="en-US"/>
           </a:p>
         </p:txBody>
       </p:sp>
@@ -15038,10 +18630,6 @@
           </p:nvPr>
         </p:nvSpPr>
         <p:spPr>
-          <a:xfrm>
-            <a:off x="457200" y="274637"/>
-            <a:ext cx="8191532" cy="1143000"/>
-          </a:xfrm>
           <a:prstGeom prst="rect">
             <a:avLst/>
           </a:prstGeom>
@@ -15084,121 +18672,12 @@
       </p:sp>
       <p:sp>
         <p:nvSpPr>
-          <p:cNvPr id="134" name="Shape 134"/>
-          <p:cNvSpPr txBox="1"/>
-          <p:nvPr/>
-        </p:nvSpPr>
-        <p:spPr>
-          <a:xfrm>
-            <a:off x="4825999" y="2093686"/>
-            <a:ext cx="4254427" cy="946150"/>
-          </a:xfrm>
-          <a:prstGeom prst="rect">
-            <a:avLst/>
-          </a:prstGeom>
-          <a:noFill/>
-          <a:ln>
-            <a:noFill/>
-          </a:ln>
-        </p:spPr>
-        <p:txBody>
-          <a:bodyPr lIns="91425" tIns="45700" rIns="91425" bIns="45700" anchor="t" anchorCtr="0">
-            <a:noAutofit/>
-          </a:bodyPr>
-          <a:lstStyle/>
-          <a:p>
-            <a:pPr lvl="0">
-              <a:buSzPct val="25000"/>
-            </a:pPr>
-            <a:r>
-              <a:rPr lang="en-US" sz="2800" dirty="0">
-                <a:solidFill>
-                  <a:schemeClr val="dk1"/>
-                </a:solidFill>
-                <a:ea typeface="Calibri"/>
-                <a:cs typeface="Calibri"/>
-                <a:sym typeface="Calibri"/>
-              </a:rPr>
-              <a:t>The concept is that </a:t>
-            </a:r>
-            <a:r>
-              <a:rPr lang="en-US" sz="2800" dirty="0" smtClean="0">
-                <a:solidFill>
-                  <a:schemeClr val="dk1"/>
-                </a:solidFill>
-                <a:ea typeface="Calibri"/>
-                <a:cs typeface="Calibri"/>
-                <a:sym typeface="Calibri"/>
-              </a:rPr>
-              <a:t>all processors can access all memory </a:t>
-            </a:r>
-            <a:r>
-              <a:rPr lang="en-US" sz="2800" dirty="0">
-                <a:solidFill>
-                  <a:schemeClr val="dk1"/>
-                </a:solidFill>
-                <a:ea typeface="Calibri"/>
-                <a:cs typeface="Calibri"/>
-                <a:sym typeface="Calibri"/>
-              </a:rPr>
-              <a:t>available </a:t>
-            </a:r>
-            <a:endParaRPr lang="en-US" sz="2800" dirty="0" smtClean="0">
-              <a:solidFill>
-                <a:schemeClr val="dk1"/>
-              </a:solidFill>
-              <a:ea typeface="Calibri"/>
-              <a:cs typeface="Calibri"/>
-              <a:sym typeface="Calibri"/>
-            </a:endParaRPr>
-          </a:p>
-          <a:p>
-            <a:pPr lvl="0">
-              <a:buSzPct val="25000"/>
-            </a:pPr>
-            <a:endParaRPr lang="en-US" sz="2800" dirty="0" smtClean="0">
-              <a:solidFill>
-                <a:schemeClr val="dk1"/>
-              </a:solidFill>
-              <a:ea typeface="Calibri"/>
-              <a:cs typeface="Calibri"/>
-              <a:sym typeface="Calibri"/>
-            </a:endParaRPr>
-          </a:p>
-          <a:p>
-            <a:pPr lvl="0">
-              <a:buSzPct val="25000"/>
-            </a:pPr>
-            <a:r>
-              <a:rPr lang="en-US" sz="2800" dirty="0" smtClean="0">
-                <a:solidFill>
-                  <a:schemeClr val="dk1"/>
-                </a:solidFill>
-                <a:ea typeface="Calibri"/>
-                <a:cs typeface="Calibri"/>
-                <a:sym typeface="Calibri"/>
-              </a:rPr>
-              <a:t>Multiple processors can perform tasks on their own but share the same memory</a:t>
-            </a:r>
-            <a:endParaRPr lang="en-US" sz="2800" dirty="0">
-              <a:solidFill>
-                <a:schemeClr val="dk1"/>
-              </a:solidFill>
-              <a:ea typeface="Calibri"/>
-              <a:cs typeface="Calibri"/>
-              <a:sym typeface="Calibri"/>
-            </a:endParaRPr>
-          </a:p>
-        </p:txBody>
-      </p:sp>
-      <p:sp>
-        <p:nvSpPr>
           <p:cNvPr id="136" name="Shape 136"/>
           <p:cNvSpPr>
             <a:spLocks noGrp="1"/>
           </p:cNvSpPr>
           <p:nvPr>
-            <p:ph type="sldNum" idx="4294967295"/>
+            <p:ph type="sldNum" sz="quarter" idx="4"/>
           </p:nvPr>
         </p:nvSpPr>
         <p:spPr>
@@ -15244,6 +18723,115 @@
                 <a:srgbClr val="9E9C97"/>
               </a:solidFill>
               <a:latin typeface="Calibri"/>
+              <a:ea typeface="Calibri"/>
+              <a:cs typeface="Calibri"/>
+              <a:sym typeface="Calibri"/>
+            </a:endParaRPr>
+          </a:p>
+        </p:txBody>
+      </p:sp>
+      <p:sp>
+        <p:nvSpPr>
+          <p:cNvPr id="134" name="Shape 134"/>
+          <p:cNvSpPr txBox="1"/>
+          <p:nvPr/>
+        </p:nvSpPr>
+        <p:spPr>
+          <a:xfrm>
+            <a:off x="4825999" y="2093686"/>
+            <a:ext cx="4254427" cy="946150"/>
+          </a:xfrm>
+          <a:prstGeom prst="rect">
+            <a:avLst/>
+          </a:prstGeom>
+          <a:noFill/>
+          <a:ln>
+            <a:noFill/>
+          </a:ln>
+        </p:spPr>
+        <p:txBody>
+          <a:bodyPr lIns="91425" tIns="45700" rIns="91425" bIns="45700" anchor="t" anchorCtr="0">
+            <a:noAutofit/>
+          </a:bodyPr>
+          <a:lstStyle/>
+          <a:p>
+            <a:pPr lvl="0">
+              <a:buSzPct val="25000"/>
+            </a:pPr>
+            <a:r>
+              <a:rPr lang="en-US" sz="2800" dirty="0">
+                <a:solidFill>
+                  <a:schemeClr val="dk1"/>
+                </a:solidFill>
+                <a:ea typeface="Calibri"/>
+                <a:cs typeface="Calibri"/>
+                <a:sym typeface="Calibri"/>
+              </a:rPr>
+              <a:t>The concept is that </a:t>
+            </a:r>
+            <a:r>
+              <a:rPr lang="en-US" sz="2800" dirty="0" smtClean="0">
+                <a:solidFill>
+                  <a:schemeClr val="dk1"/>
+                </a:solidFill>
+                <a:ea typeface="Calibri"/>
+                <a:cs typeface="Calibri"/>
+                <a:sym typeface="Calibri"/>
+              </a:rPr>
+              <a:t>all processors can access all memory </a:t>
+            </a:r>
+            <a:r>
+              <a:rPr lang="en-US" sz="2800" dirty="0">
+                <a:solidFill>
+                  <a:schemeClr val="dk1"/>
+                </a:solidFill>
+                <a:ea typeface="Calibri"/>
+                <a:cs typeface="Calibri"/>
+                <a:sym typeface="Calibri"/>
+              </a:rPr>
+              <a:t>available </a:t>
+            </a:r>
+            <a:endParaRPr lang="en-US" sz="2800" dirty="0" smtClean="0">
+              <a:solidFill>
+                <a:schemeClr val="dk1"/>
+              </a:solidFill>
+              <a:ea typeface="Calibri"/>
+              <a:cs typeface="Calibri"/>
+              <a:sym typeface="Calibri"/>
+            </a:endParaRPr>
+          </a:p>
+          <a:p>
+            <a:pPr lvl="0">
+              <a:buSzPct val="25000"/>
+            </a:pPr>
+            <a:endParaRPr lang="en-US" sz="2800" dirty="0" smtClean="0">
+              <a:solidFill>
+                <a:schemeClr val="dk1"/>
+              </a:solidFill>
+              <a:ea typeface="Calibri"/>
+              <a:cs typeface="Calibri"/>
+              <a:sym typeface="Calibri"/>
+            </a:endParaRPr>
+          </a:p>
+          <a:p>
+            <a:pPr lvl="0">
+              <a:buSzPct val="25000"/>
+            </a:pPr>
+            <a:r>
+              <a:rPr lang="en-US" sz="2800" dirty="0" smtClean="0">
+                <a:solidFill>
+                  <a:schemeClr val="dk1"/>
+                </a:solidFill>
+                <a:ea typeface="Calibri"/>
+                <a:cs typeface="Calibri"/>
+                <a:sym typeface="Calibri"/>
+              </a:rPr>
+              <a:t>Multiple processors can perform tasks on their own but share the same memory</a:t>
+            </a:r>
+            <a:endParaRPr lang="en-US" sz="2800" dirty="0">
+              <a:solidFill>
+                <a:schemeClr val="dk1"/>
+              </a:solidFill>
               <a:ea typeface="Calibri"/>
               <a:cs typeface="Calibri"/>
               <a:sym typeface="Calibri"/>
@@ -15379,10 +18967,6 @@
           </p:nvPr>
         </p:nvSpPr>
         <p:spPr>
-          <a:xfrm>
-            <a:off x="457200" y="274637"/>
-            <a:ext cx="8191532" cy="1143000"/>
-          </a:xfrm>
           <a:prstGeom prst="rect">
             <a:avLst/>
           </a:prstGeom>
@@ -15425,91 +19009,12 @@
       </p:sp>
       <p:sp>
         <p:nvSpPr>
-          <p:cNvPr id="134" name="Shape 134"/>
-          <p:cNvSpPr txBox="1"/>
-          <p:nvPr/>
-        </p:nvSpPr>
-        <p:spPr>
-          <a:xfrm>
-            <a:off x="4825999" y="2093686"/>
-            <a:ext cx="4254427" cy="946150"/>
-          </a:xfrm>
-          <a:prstGeom prst="rect">
-            <a:avLst/>
-          </a:prstGeom>
-          <a:noFill/>
-          <a:ln>
-            <a:noFill/>
-          </a:ln>
-        </p:spPr>
-        <p:txBody>
-          <a:bodyPr lIns="91425" tIns="45700" rIns="91425" bIns="45700" anchor="t" anchorCtr="0">
-            <a:noAutofit/>
-          </a:bodyPr>
-          <a:lstStyle/>
-          <a:p>
-            <a:pPr lvl="0">
-              <a:buSzPct val="25000"/>
-            </a:pPr>
-            <a:r>
-              <a:rPr lang="en-US" sz="2800" dirty="0" smtClean="0">
-                <a:solidFill>
-                  <a:schemeClr val="dk1"/>
-                </a:solidFill>
-                <a:ea typeface="Calibri"/>
-                <a:cs typeface="Calibri"/>
-                <a:sym typeface="Calibri"/>
-              </a:rPr>
-              <a:t>Advantage:  data sharing is fast and uniform</a:t>
-            </a:r>
-          </a:p>
-          <a:p>
-            <a:pPr lvl="0">
-              <a:buSzPct val="25000"/>
-            </a:pPr>
-            <a:endParaRPr lang="en-US" sz="2800" dirty="0">
-              <a:solidFill>
-                <a:schemeClr val="dk1"/>
-              </a:solidFill>
-              <a:ea typeface="Calibri"/>
-              <a:cs typeface="Calibri"/>
-              <a:sym typeface="Calibri"/>
-            </a:endParaRPr>
-          </a:p>
-          <a:p>
-            <a:pPr lvl="0">
-              <a:buSzPct val="25000"/>
-            </a:pPr>
-            <a:r>
-              <a:rPr lang="en-US" sz="2800" dirty="0" smtClean="0">
-                <a:solidFill>
-                  <a:schemeClr val="dk1"/>
-                </a:solidFill>
-                <a:ea typeface="Calibri"/>
-                <a:cs typeface="Calibri"/>
-                <a:sym typeface="Calibri"/>
-              </a:rPr>
-              <a:t>Disadvantage:  adding more processors can cause performance issues when accessing the same shared memory resource</a:t>
-            </a:r>
-            <a:endParaRPr lang="en-US" sz="2800" dirty="0">
-              <a:solidFill>
-                <a:schemeClr val="dk1"/>
-              </a:solidFill>
-              <a:ea typeface="Calibri"/>
-              <a:cs typeface="Calibri"/>
-              <a:sym typeface="Calibri"/>
-            </a:endParaRPr>
-          </a:p>
-        </p:txBody>
-      </p:sp>
-      <p:sp>
-        <p:nvSpPr>
           <p:cNvPr id="136" name="Shape 136"/>
           <p:cNvSpPr>
             <a:spLocks noGrp="1"/>
           </p:cNvSpPr>
           <p:nvPr>
-            <p:ph type="sldNum" idx="4294967295"/>
+            <p:ph type="sldNum" sz="quarter" idx="4"/>
           </p:nvPr>
         </p:nvSpPr>
         <p:spPr>
@@ -15555,6 +19060,85 @@
                 <a:srgbClr val="9E9C97"/>
               </a:solidFill>
               <a:latin typeface="Calibri"/>
+              <a:ea typeface="Calibri"/>
+              <a:cs typeface="Calibri"/>
+              <a:sym typeface="Calibri"/>
+            </a:endParaRPr>
+          </a:p>
+        </p:txBody>
+      </p:sp>
+      <p:sp>
+        <p:nvSpPr>
+          <p:cNvPr id="134" name="Shape 134"/>
+          <p:cNvSpPr txBox="1"/>
+          <p:nvPr/>
+        </p:nvSpPr>
+        <p:spPr>
+          <a:xfrm>
+            <a:off x="4825999" y="2093686"/>
+            <a:ext cx="4254427" cy="946150"/>
+          </a:xfrm>
+          <a:prstGeom prst="rect">
+            <a:avLst/>
+          </a:prstGeom>
+          <a:noFill/>
+          <a:ln>
+            <a:noFill/>
+          </a:ln>
+        </p:spPr>
+        <p:txBody>
+          <a:bodyPr lIns="91425" tIns="45700" rIns="91425" bIns="45700" anchor="t" anchorCtr="0">
+            <a:noAutofit/>
+          </a:bodyPr>
+          <a:lstStyle/>
+          <a:p>
+            <a:pPr lvl="0">
+              <a:buSzPct val="25000"/>
+            </a:pPr>
+            <a:r>
+              <a:rPr lang="en-US" sz="2800" dirty="0" smtClean="0">
+                <a:solidFill>
+                  <a:schemeClr val="dk1"/>
+                </a:solidFill>
+                <a:ea typeface="Calibri"/>
+                <a:cs typeface="Calibri"/>
+                <a:sym typeface="Calibri"/>
+              </a:rPr>
+              <a:t>Advantage:  data sharing is fast and uniform</a:t>
+            </a:r>
+          </a:p>
+          <a:p>
+            <a:pPr lvl="0">
+              <a:buSzPct val="25000"/>
+            </a:pPr>
+            <a:endParaRPr lang="en-US" sz="2800" dirty="0">
+              <a:solidFill>
+                <a:schemeClr val="dk1"/>
+              </a:solidFill>
+              <a:ea typeface="Calibri"/>
+              <a:cs typeface="Calibri"/>
+              <a:sym typeface="Calibri"/>
+            </a:endParaRPr>
+          </a:p>
+          <a:p>
+            <a:pPr lvl="0">
+              <a:buSzPct val="25000"/>
+            </a:pPr>
+            <a:r>
+              <a:rPr lang="en-US" sz="2800" dirty="0" smtClean="0">
+                <a:solidFill>
+                  <a:schemeClr val="dk1"/>
+                </a:solidFill>
+                <a:ea typeface="Calibri"/>
+                <a:cs typeface="Calibri"/>
+                <a:sym typeface="Calibri"/>
+              </a:rPr>
+              <a:t>Disadvantage:  adding more processors can cause performance issues when accessing the same shared memory resource</a:t>
+            </a:r>
+            <a:endParaRPr lang="en-US" sz="2800" dirty="0">
+              <a:solidFill>
+                <a:schemeClr val="dk1"/>
+              </a:solidFill>
               <a:ea typeface="Calibri"/>
               <a:cs typeface="Calibri"/>
               <a:sym typeface="Calibri"/>
@@ -15881,10 +19465,6 @@
           </p:nvPr>
         </p:nvSpPr>
         <p:spPr>
-          <a:xfrm>
-            <a:off x="457200" y="274637"/>
-            <a:ext cx="8191532" cy="1143000"/>
-          </a:xfrm>
           <a:prstGeom prst="rect">
             <a:avLst/>
           </a:prstGeom>
@@ -15947,96 +19527,12 @@
       </p:sp>
       <p:sp>
         <p:nvSpPr>
-          <p:cNvPr id="134" name="Shape 134"/>
-          <p:cNvSpPr txBox="1"/>
-          <p:nvPr/>
-        </p:nvSpPr>
-        <p:spPr>
-          <a:xfrm>
-            <a:off x="5557749" y="1519124"/>
-            <a:ext cx="3416226" cy="946150"/>
-          </a:xfrm>
-          <a:prstGeom prst="rect">
-            <a:avLst/>
-          </a:prstGeom>
-          <a:noFill/>
-          <a:ln>
-            <a:noFill/>
-          </a:ln>
-        </p:spPr>
-        <p:txBody>
-          <a:bodyPr lIns="91425" tIns="45700" rIns="91425" bIns="45700" anchor="t" anchorCtr="0">
-            <a:noAutofit/>
-          </a:bodyPr>
-          <a:lstStyle/>
-          <a:p>
-            <a:pPr lvl="0">
-              <a:buSzPct val="25000"/>
-            </a:pPr>
-            <a:r>
-              <a:rPr lang="en-US" sz="2800" dirty="0" smtClean="0">
-                <a:solidFill>
-                  <a:schemeClr val="dk1"/>
-                </a:solidFill>
-                <a:ea typeface="Calibri"/>
-                <a:cs typeface="Calibri"/>
-                <a:sym typeface="Calibri"/>
-              </a:rPr>
-              <a:t>Distributed memory requires a communication network to connect memory</a:t>
-            </a:r>
-          </a:p>
-          <a:p>
-            <a:pPr lvl="0">
-              <a:buSzPct val="25000"/>
-            </a:pPr>
-            <a:endParaRPr lang="en-US" sz="2800" dirty="0">
-              <a:solidFill>
-                <a:schemeClr val="dk1"/>
-              </a:solidFill>
-              <a:ea typeface="Calibri"/>
-              <a:cs typeface="Calibri"/>
-              <a:sym typeface="Calibri"/>
-            </a:endParaRPr>
-          </a:p>
-          <a:p>
-            <a:pPr lvl="0">
-              <a:buSzPct val="25000"/>
-            </a:pPr>
-            <a:r>
-              <a:rPr lang="en-US" sz="2800" dirty="0" smtClean="0">
-                <a:solidFill>
-                  <a:schemeClr val="dk1"/>
-                </a:solidFill>
-                <a:ea typeface="Calibri"/>
-                <a:cs typeface="Calibri"/>
-                <a:sym typeface="Calibri"/>
-              </a:rPr>
-              <a:t>Processors have own memory and don’t map globally</a:t>
-            </a:r>
-          </a:p>
-          <a:p>
-            <a:pPr lvl="0">
-              <a:buSzPct val="25000"/>
-            </a:pPr>
-            <a:endParaRPr lang="en-US" sz="2800" dirty="0">
-              <a:solidFill>
-                <a:schemeClr val="dk1"/>
-              </a:solidFill>
-              <a:ea typeface="Calibri"/>
-              <a:cs typeface="Calibri"/>
-              <a:sym typeface="Calibri"/>
-            </a:endParaRPr>
-          </a:p>
-        </p:txBody>
-      </p:sp>
-      <p:sp>
-        <p:nvSpPr>
           <p:cNvPr id="136" name="Shape 136"/>
           <p:cNvSpPr>
             <a:spLocks noGrp="1"/>
           </p:cNvSpPr>
           <p:nvPr>
-            <p:ph type="sldNum" idx="4294967295"/>
+            <p:ph type="sldNum" sz="quarter" idx="4"/>
           </p:nvPr>
         </p:nvSpPr>
         <p:spPr>
@@ -16082,6 +19578,90 @@
                 <a:srgbClr val="9E9C97"/>
               </a:solidFill>
               <a:latin typeface="Calibri"/>
+              <a:ea typeface="Calibri"/>
+              <a:cs typeface="Calibri"/>
+              <a:sym typeface="Calibri"/>
+            </a:endParaRPr>
+          </a:p>
+        </p:txBody>
+      </p:sp>
+      <p:sp>
+        <p:nvSpPr>
+          <p:cNvPr id="134" name="Shape 134"/>
+          <p:cNvSpPr txBox="1"/>
+          <p:nvPr/>
+        </p:nvSpPr>
+        <p:spPr>
+          <a:xfrm>
+            <a:off x="5557749" y="1519124"/>
+            <a:ext cx="3416226" cy="946150"/>
+          </a:xfrm>
+          <a:prstGeom prst="rect">
+            <a:avLst/>
+          </a:prstGeom>
+          <a:noFill/>
+          <a:ln>
+            <a:noFill/>
+          </a:ln>
+        </p:spPr>
+        <p:txBody>
+          <a:bodyPr lIns="91425" tIns="45700" rIns="91425" bIns="45700" anchor="t" anchorCtr="0">
+            <a:noAutofit/>
+          </a:bodyPr>
+          <a:lstStyle/>
+          <a:p>
+            <a:pPr lvl="0">
+              <a:buSzPct val="25000"/>
+            </a:pPr>
+            <a:r>
+              <a:rPr lang="en-US" sz="2800" dirty="0" smtClean="0">
+                <a:solidFill>
+                  <a:schemeClr val="dk1"/>
+                </a:solidFill>
+                <a:ea typeface="Calibri"/>
+                <a:cs typeface="Calibri"/>
+                <a:sym typeface="Calibri"/>
+              </a:rPr>
+              <a:t>Distributed memory requires a communication network to connect memory</a:t>
+            </a:r>
+          </a:p>
+          <a:p>
+            <a:pPr lvl="0">
+              <a:buSzPct val="25000"/>
+            </a:pPr>
+            <a:endParaRPr lang="en-US" sz="2800" dirty="0">
+              <a:solidFill>
+                <a:schemeClr val="dk1"/>
+              </a:solidFill>
+              <a:ea typeface="Calibri"/>
+              <a:cs typeface="Calibri"/>
+              <a:sym typeface="Calibri"/>
+            </a:endParaRPr>
+          </a:p>
+          <a:p>
+            <a:pPr lvl="0">
+              <a:buSzPct val="25000"/>
+            </a:pPr>
+            <a:r>
+              <a:rPr lang="en-US" sz="2800" dirty="0" smtClean="0">
+                <a:solidFill>
+                  <a:schemeClr val="dk1"/>
+                </a:solidFill>
+                <a:ea typeface="Calibri"/>
+                <a:cs typeface="Calibri"/>
+                <a:sym typeface="Calibri"/>
+              </a:rPr>
+              <a:t>Processors have own memory and don’t map globally</a:t>
+            </a:r>
+          </a:p>
+          <a:p>
+            <a:pPr lvl="0">
+              <a:buSzPct val="25000"/>
+            </a:pPr>
+            <a:endParaRPr lang="en-US" sz="2800" dirty="0">
+              <a:solidFill>
+                <a:schemeClr val="dk1"/>
+              </a:solidFill>
               <a:ea typeface="Calibri"/>
               <a:cs typeface="Calibri"/>
               <a:sym typeface="Calibri"/>
@@ -16217,10 +19797,6 @@
           </p:nvPr>
         </p:nvSpPr>
         <p:spPr>
-          <a:xfrm>
-            <a:off x="457200" y="274637"/>
-            <a:ext cx="8191532" cy="1143000"/>
-          </a:xfrm>
           <a:prstGeom prst="rect">
             <a:avLst/>
           </a:prstGeom>
@@ -16283,120 +19859,12 @@
       </p:sp>
       <p:sp>
         <p:nvSpPr>
-          <p:cNvPr id="134" name="Shape 134"/>
-          <p:cNvSpPr txBox="1"/>
-          <p:nvPr/>
-        </p:nvSpPr>
-        <p:spPr>
-          <a:xfrm>
-            <a:off x="5557749" y="1341324"/>
-            <a:ext cx="3416226" cy="946150"/>
-          </a:xfrm>
-          <a:prstGeom prst="rect">
-            <a:avLst/>
-          </a:prstGeom>
-          <a:noFill/>
-          <a:ln>
-            <a:noFill/>
-          </a:ln>
-        </p:spPr>
-        <p:txBody>
-          <a:bodyPr lIns="91425" tIns="45700" rIns="91425" bIns="45700" anchor="t" anchorCtr="0">
-            <a:noAutofit/>
-          </a:bodyPr>
-          <a:lstStyle/>
-          <a:p>
-            <a:pPr lvl="0">
-              <a:buSzPct val="25000"/>
-            </a:pPr>
-            <a:r>
-              <a:rPr lang="en-US" sz="2800" dirty="0" smtClean="0">
-                <a:solidFill>
-                  <a:schemeClr val="dk1"/>
-                </a:solidFill>
-                <a:ea typeface="Calibri"/>
-                <a:cs typeface="Calibri"/>
-                <a:sym typeface="Calibri"/>
-              </a:rPr>
-              <a:t>Programmers explicitly define how processors access other processor’s memory</a:t>
-            </a:r>
-          </a:p>
-          <a:p>
-            <a:pPr lvl="0">
-              <a:buSzPct val="25000"/>
-            </a:pPr>
-            <a:endParaRPr lang="en-US" sz="2800" dirty="0">
-              <a:solidFill>
-                <a:schemeClr val="dk1"/>
-              </a:solidFill>
-              <a:ea typeface="Calibri"/>
-              <a:cs typeface="Calibri"/>
-              <a:sym typeface="Calibri"/>
-            </a:endParaRPr>
-          </a:p>
-          <a:p>
-            <a:pPr lvl="0">
-              <a:buSzPct val="25000"/>
-            </a:pPr>
-            <a:r>
-              <a:rPr lang="en-US" sz="2800" dirty="0" smtClean="0">
-                <a:solidFill>
-                  <a:schemeClr val="dk1"/>
-                </a:solidFill>
-                <a:ea typeface="Calibri"/>
-                <a:cs typeface="Calibri"/>
-                <a:sym typeface="Calibri"/>
-              </a:rPr>
-              <a:t>Advantage:  scalable memory</a:t>
-            </a:r>
-            <a:endParaRPr lang="en-US" sz="2800" dirty="0">
-              <a:solidFill>
-                <a:schemeClr val="dk1"/>
-              </a:solidFill>
-              <a:ea typeface="Calibri"/>
-              <a:cs typeface="Calibri"/>
-              <a:sym typeface="Calibri"/>
-            </a:endParaRPr>
-          </a:p>
-          <a:p>
-            <a:pPr lvl="0">
-              <a:buSzPct val="25000"/>
-            </a:pPr>
-            <a:r>
-              <a:rPr lang="en-US" sz="2800" dirty="0" smtClean="0">
-                <a:solidFill>
-                  <a:schemeClr val="dk1"/>
-                </a:solidFill>
-                <a:ea typeface="Calibri"/>
-                <a:cs typeface="Calibri"/>
-                <a:sym typeface="Calibri"/>
-              </a:rPr>
-              <a:t>Disadvantage: need to know parallel programming!</a:t>
-            </a:r>
-          </a:p>
-          <a:p>
-            <a:pPr lvl="0">
-              <a:buSzPct val="25000"/>
-            </a:pPr>
-            <a:endParaRPr lang="en-US" sz="2800" dirty="0">
-              <a:solidFill>
-                <a:schemeClr val="dk1"/>
-              </a:solidFill>
-              <a:ea typeface="Calibri"/>
-              <a:cs typeface="Calibri"/>
-              <a:sym typeface="Calibri"/>
-            </a:endParaRPr>
-          </a:p>
-        </p:txBody>
-      </p:sp>
-      <p:sp>
-        <p:nvSpPr>
           <p:cNvPr id="136" name="Shape 136"/>
           <p:cNvSpPr>
             <a:spLocks noGrp="1"/>
           </p:cNvSpPr>
           <p:nvPr>
-            <p:ph type="sldNum" idx="4294967295"/>
+            <p:ph type="sldNum" sz="quarter" idx="4"/>
           </p:nvPr>
         </p:nvSpPr>
         <p:spPr>
@@ -16442,6 +19910,114 @@
                 <a:srgbClr val="9E9C97"/>
               </a:solidFill>
               <a:latin typeface="Calibri"/>
+              <a:ea typeface="Calibri"/>
+              <a:cs typeface="Calibri"/>
+              <a:sym typeface="Calibri"/>
+            </a:endParaRPr>
+          </a:p>
+        </p:txBody>
+      </p:sp>
+      <p:sp>
+        <p:nvSpPr>
+          <p:cNvPr id="134" name="Shape 134"/>
+          <p:cNvSpPr txBox="1"/>
+          <p:nvPr/>
+        </p:nvSpPr>
+        <p:spPr>
+          <a:xfrm>
+            <a:off x="5557749" y="1341324"/>
+            <a:ext cx="3416226" cy="946150"/>
+          </a:xfrm>
+          <a:prstGeom prst="rect">
+            <a:avLst/>
+          </a:prstGeom>
+          <a:noFill/>
+          <a:ln>
+            <a:noFill/>
+          </a:ln>
+        </p:spPr>
+        <p:txBody>
+          <a:bodyPr lIns="91425" tIns="45700" rIns="91425" bIns="45700" anchor="t" anchorCtr="0">
+            <a:noAutofit/>
+          </a:bodyPr>
+          <a:lstStyle/>
+          <a:p>
+            <a:pPr lvl="0">
+              <a:buSzPct val="25000"/>
+            </a:pPr>
+            <a:r>
+              <a:rPr lang="en-US" sz="2800" dirty="0" smtClean="0">
+                <a:solidFill>
+                  <a:schemeClr val="dk1"/>
+                </a:solidFill>
+                <a:ea typeface="Calibri"/>
+                <a:cs typeface="Calibri"/>
+                <a:sym typeface="Calibri"/>
+              </a:rPr>
+              <a:t>Programmers explicitly define how processors access other processor’s memory</a:t>
+            </a:r>
+          </a:p>
+          <a:p>
+            <a:pPr lvl="0">
+              <a:buSzPct val="25000"/>
+            </a:pPr>
+            <a:endParaRPr lang="en-US" sz="2800" dirty="0">
+              <a:solidFill>
+                <a:schemeClr val="dk1"/>
+              </a:solidFill>
+              <a:ea typeface="Calibri"/>
+              <a:cs typeface="Calibri"/>
+              <a:sym typeface="Calibri"/>
+            </a:endParaRPr>
+          </a:p>
+          <a:p>
+            <a:pPr lvl="0">
+              <a:buSzPct val="25000"/>
+            </a:pPr>
+            <a:r>
+              <a:rPr lang="en-US" sz="2800" dirty="0" smtClean="0">
+                <a:solidFill>
+                  <a:schemeClr val="dk1"/>
+                </a:solidFill>
+                <a:ea typeface="Calibri"/>
+                <a:cs typeface="Calibri"/>
+                <a:sym typeface="Calibri"/>
+              </a:rPr>
+              <a:t>Advantage:  scalable memory</a:t>
+            </a:r>
+            <a:endParaRPr lang="en-US" sz="2800" dirty="0">
+              <a:solidFill>
+                <a:schemeClr val="dk1"/>
+              </a:solidFill>
+              <a:ea typeface="Calibri"/>
+              <a:cs typeface="Calibri"/>
+              <a:sym typeface="Calibri"/>
+            </a:endParaRPr>
+          </a:p>
+          <a:p>
+            <a:pPr lvl="0">
+              <a:buSzPct val="25000"/>
+            </a:pPr>
+            <a:r>
+              <a:rPr lang="en-US" sz="2800" dirty="0" smtClean="0">
+                <a:solidFill>
+                  <a:schemeClr val="dk1"/>
+                </a:solidFill>
+                <a:ea typeface="Calibri"/>
+                <a:cs typeface="Calibri"/>
+                <a:sym typeface="Calibri"/>
+              </a:rPr>
+              <a:t>Disadvantage: need to know parallel programming!</a:t>
+            </a:r>
+          </a:p>
+          <a:p>
+            <a:pPr lvl="0">
+              <a:buSzPct val="25000"/>
+            </a:pPr>
+            <a:endParaRPr lang="en-US" sz="2800" dirty="0">
+              <a:solidFill>
+                <a:schemeClr val="dk1"/>
+              </a:solidFill>
               <a:ea typeface="Calibri"/>
               <a:cs typeface="Calibri"/>
               <a:sym typeface="Calibri"/>
@@ -16577,10 +20153,6 @@
           </p:nvPr>
         </p:nvSpPr>
         <p:spPr>
-          <a:xfrm>
-            <a:off x="457200" y="274637"/>
-            <a:ext cx="8191532" cy="1143000"/>
-          </a:xfrm>
           <a:prstGeom prst="rect">
             <a:avLst/>
           </a:prstGeom>
@@ -16640,96 +20212,12 @@
       </p:sp>
       <p:sp>
         <p:nvSpPr>
-          <p:cNvPr id="134" name="Shape 134"/>
-          <p:cNvSpPr txBox="1"/>
-          <p:nvPr/>
-        </p:nvSpPr>
-        <p:spPr>
-          <a:xfrm>
-            <a:off x="5557749" y="1341324"/>
-            <a:ext cx="3416226" cy="946150"/>
-          </a:xfrm>
-          <a:prstGeom prst="rect">
-            <a:avLst/>
-          </a:prstGeom>
-          <a:noFill/>
-          <a:ln>
-            <a:noFill/>
-          </a:ln>
-        </p:spPr>
-        <p:txBody>
-          <a:bodyPr lIns="91425" tIns="45700" rIns="91425" bIns="45700" anchor="t" anchorCtr="0">
-            <a:noAutofit/>
-          </a:bodyPr>
-          <a:lstStyle/>
-          <a:p>
-            <a:pPr lvl="0">
-              <a:buSzPct val="25000"/>
-            </a:pPr>
-            <a:r>
-              <a:rPr lang="en-US" sz="2800" dirty="0" smtClean="0">
-                <a:solidFill>
-                  <a:schemeClr val="dk1"/>
-                </a:solidFill>
-                <a:ea typeface="Calibri"/>
-                <a:cs typeface="Calibri"/>
-                <a:sym typeface="Calibri"/>
-              </a:rPr>
-              <a:t>Most large and fast computers now</a:t>
-            </a:r>
-          </a:p>
-          <a:p>
-            <a:pPr lvl="0">
-              <a:buSzPct val="25000"/>
-            </a:pPr>
-            <a:endParaRPr lang="en-US" sz="2800" dirty="0">
-              <a:solidFill>
-                <a:schemeClr val="dk1"/>
-              </a:solidFill>
-              <a:ea typeface="Calibri"/>
-              <a:cs typeface="Calibri"/>
-              <a:sym typeface="Calibri"/>
-            </a:endParaRPr>
-          </a:p>
-          <a:p>
-            <a:pPr lvl="0">
-              <a:buSzPct val="25000"/>
-            </a:pPr>
-            <a:r>
-              <a:rPr lang="en-US" sz="2800" dirty="0" smtClean="0">
-                <a:solidFill>
-                  <a:schemeClr val="dk1"/>
-                </a:solidFill>
-                <a:ea typeface="Calibri"/>
-                <a:cs typeface="Calibri"/>
-                <a:sym typeface="Calibri"/>
-              </a:rPr>
-              <a:t>Shared memory machines connected to other shared memory machines</a:t>
-            </a:r>
-          </a:p>
-          <a:p>
-            <a:pPr lvl="0">
-              <a:buSzPct val="25000"/>
-            </a:pPr>
-            <a:endParaRPr lang="en-US" sz="2800" dirty="0">
-              <a:solidFill>
-                <a:schemeClr val="dk1"/>
-              </a:solidFill>
-              <a:ea typeface="Calibri"/>
-              <a:cs typeface="Calibri"/>
-              <a:sym typeface="Calibri"/>
-            </a:endParaRPr>
-          </a:p>
-        </p:txBody>
-      </p:sp>
-      <p:sp>
-        <p:nvSpPr>
           <p:cNvPr id="136" name="Shape 136"/>
           <p:cNvSpPr>
             <a:spLocks noGrp="1"/>
           </p:cNvSpPr>
           <p:nvPr>
-            <p:ph type="sldNum" idx="4294967295"/>
+            <p:ph type="sldNum" sz="quarter" idx="4"/>
           </p:nvPr>
         </p:nvSpPr>
         <p:spPr>
@@ -16775,6 +20263,90 @@
                 <a:srgbClr val="9E9C97"/>
               </a:solidFill>
               <a:latin typeface="Calibri"/>
+              <a:ea typeface="Calibri"/>
+              <a:cs typeface="Calibri"/>
+              <a:sym typeface="Calibri"/>
+            </a:endParaRPr>
+          </a:p>
+        </p:txBody>
+      </p:sp>
+      <p:sp>
+        <p:nvSpPr>
+          <p:cNvPr id="134" name="Shape 134"/>
+          <p:cNvSpPr txBox="1"/>
+          <p:nvPr/>
+        </p:nvSpPr>
+        <p:spPr>
+          <a:xfrm>
+            <a:off x="5557749" y="1341324"/>
+            <a:ext cx="3416226" cy="946150"/>
+          </a:xfrm>
+          <a:prstGeom prst="rect">
+            <a:avLst/>
+          </a:prstGeom>
+          <a:noFill/>
+          <a:ln>
+            <a:noFill/>
+          </a:ln>
+        </p:spPr>
+        <p:txBody>
+          <a:bodyPr lIns="91425" tIns="45700" rIns="91425" bIns="45700" anchor="t" anchorCtr="0">
+            <a:noAutofit/>
+          </a:bodyPr>
+          <a:lstStyle/>
+          <a:p>
+            <a:pPr lvl="0">
+              <a:buSzPct val="25000"/>
+            </a:pPr>
+            <a:r>
+              <a:rPr lang="en-US" sz="2800" dirty="0" smtClean="0">
+                <a:solidFill>
+                  <a:schemeClr val="dk1"/>
+                </a:solidFill>
+                <a:ea typeface="Calibri"/>
+                <a:cs typeface="Calibri"/>
+                <a:sym typeface="Calibri"/>
+              </a:rPr>
+              <a:t>Most large and fast computers now</a:t>
+            </a:r>
+          </a:p>
+          <a:p>
+            <a:pPr lvl="0">
+              <a:buSzPct val="25000"/>
+            </a:pPr>
+            <a:endParaRPr lang="en-US" sz="2800" dirty="0">
+              <a:solidFill>
+                <a:schemeClr val="dk1"/>
+              </a:solidFill>
+              <a:ea typeface="Calibri"/>
+              <a:cs typeface="Calibri"/>
+              <a:sym typeface="Calibri"/>
+            </a:endParaRPr>
+          </a:p>
+          <a:p>
+            <a:pPr lvl="0">
+              <a:buSzPct val="25000"/>
+            </a:pPr>
+            <a:r>
+              <a:rPr lang="en-US" sz="2800" dirty="0" smtClean="0">
+                <a:solidFill>
+                  <a:schemeClr val="dk1"/>
+                </a:solidFill>
+                <a:ea typeface="Calibri"/>
+                <a:cs typeface="Calibri"/>
+                <a:sym typeface="Calibri"/>
+              </a:rPr>
+              <a:t>Shared memory machines connected to other shared memory machines</a:t>
+            </a:r>
+          </a:p>
+          <a:p>
+            <a:pPr lvl="0">
+              <a:buSzPct val="25000"/>
+            </a:pPr>
+            <a:endParaRPr lang="en-US" sz="2800" dirty="0">
+              <a:solidFill>
+                <a:schemeClr val="dk1"/>
+              </a:solidFill>
               <a:ea typeface="Calibri"/>
               <a:cs typeface="Calibri"/>
               <a:sym typeface="Calibri"/>
@@ -17462,10 +21034,6 @@
           </p:nvPr>
         </p:nvSpPr>
         <p:spPr>
-          <a:xfrm>
-            <a:off x="457200" y="274637"/>
-            <a:ext cx="8191532" cy="1143000"/>
-          </a:xfrm>
           <a:prstGeom prst="rect">
             <a:avLst/>
           </a:prstGeom>
@@ -17513,14 +21081,10 @@
             <a:spLocks noGrp="1"/>
           </p:cNvSpPr>
           <p:nvPr>
-            <p:ph type="body" idx="1"/>
+            <p:ph idx="1"/>
           </p:nvPr>
         </p:nvSpPr>
         <p:spPr>
-          <a:xfrm>
-            <a:off x="457199" y="1600200"/>
-            <a:ext cx="8191532" cy="4688489"/>
-          </a:xfrm>
           <a:prstGeom prst="rect">
             <a:avLst/>
           </a:prstGeom>
@@ -17790,7 +21354,7 @@
             <a:spLocks noGrp="1"/>
           </p:cNvSpPr>
           <p:nvPr>
-            <p:ph type="sldNum" idx="4294967295"/>
+            <p:ph type="sldNum" sz="quarter" idx="4"/>
           </p:nvPr>
         </p:nvSpPr>
         <p:spPr>
@@ -17942,10 +21506,6 @@
           </p:nvPr>
         </p:nvSpPr>
         <p:spPr>
-          <a:xfrm>
-            <a:off x="457200" y="274637"/>
-            <a:ext cx="8191532" cy="1143000"/>
-          </a:xfrm>
           <a:prstGeom prst="rect">
             <a:avLst/>
           </a:prstGeom>
@@ -18014,7 +21574,7 @@
             <a:spLocks noGrp="1"/>
           </p:cNvSpPr>
           <p:nvPr>
-            <p:ph type="body" idx="1"/>
+            <p:ph idx="1"/>
           </p:nvPr>
         </p:nvSpPr>
         <p:spPr>
@@ -18192,7 +21752,7 @@
             <a:spLocks noGrp="1"/>
           </p:cNvSpPr>
           <p:nvPr>
-            <p:ph type="sldNum" idx="4294967295"/>
+            <p:ph type="sldNum" sz="quarter" idx="4"/>
           </p:nvPr>
         </p:nvSpPr>
         <p:spPr>
@@ -18368,10 +21928,6 @@
           </p:nvPr>
         </p:nvSpPr>
         <p:spPr>
-          <a:xfrm>
-            <a:off x="457200" y="274637"/>
-            <a:ext cx="8191532" cy="1143000"/>
-          </a:xfrm>
           <a:prstGeom prst="rect">
             <a:avLst/>
           </a:prstGeom>
@@ -18428,7 +21984,7 @@
             <a:spLocks noGrp="1"/>
           </p:cNvSpPr>
           <p:nvPr>
-            <p:ph type="body" idx="1"/>
+            <p:ph idx="1"/>
           </p:nvPr>
         </p:nvSpPr>
         <p:spPr>
@@ -18660,7 +22216,7 @@
             <a:spLocks noGrp="1"/>
           </p:cNvSpPr>
           <p:nvPr>
-            <p:ph type="sldNum" idx="4294967295"/>
+            <p:ph type="sldNum" sz="quarter" idx="4"/>
           </p:nvPr>
         </p:nvSpPr>
         <p:spPr>
@@ -18861,11 +22417,7 @@
           <a:p>
             <a:r>
               <a:rPr lang="en-US" sz="3200" dirty="0" smtClean="0"/>
-              <a:t>When </a:t>
-            </a:r>
-            <a:r>
-              <a:rPr lang="en-US" sz="3200" dirty="0" smtClean="0"/>
-              <a:t>to Parallel Program</a:t>
+              <a:t>When to Parallel Program</a:t>
             </a:r>
           </a:p>
           <a:p>
@@ -18949,10 +22501,6 @@
           </p:nvPr>
         </p:nvSpPr>
         <p:spPr>
-          <a:xfrm>
-            <a:off x="457200" y="274637"/>
-            <a:ext cx="8191532" cy="1143000"/>
-          </a:xfrm>
           <a:prstGeom prst="rect">
             <a:avLst/>
           </a:prstGeom>
@@ -19033,7 +22581,7 @@
             <a:spLocks noGrp="1"/>
           </p:cNvSpPr>
           <p:nvPr>
-            <p:ph type="body" idx="1"/>
+            <p:ph idx="1"/>
           </p:nvPr>
         </p:nvSpPr>
         <p:spPr>
@@ -19361,7 +22909,7 @@
             <a:spLocks noGrp="1"/>
           </p:cNvSpPr>
           <p:nvPr>
-            <p:ph type="sldNum" idx="4294967295"/>
+            <p:ph type="sldNum" sz="quarter" idx="4"/>
           </p:nvPr>
         </p:nvSpPr>
         <p:spPr>
@@ -19875,28 +23423,32 @@
           <a:p>
             <a:r>
               <a:rPr lang="en-US" dirty="0"/>
-              <a:t>Slides: </a:t>
+              <a:t>Slides</a:t>
+            </a:r>
+            <a:r>
+              <a:rPr lang="en-US" dirty="0" smtClean="0"/>
+              <a:t>:  </a:t>
+            </a:r>
+            <a:r>
+              <a:rPr lang="en-US" dirty="0" smtClean="0">
+                <a:hlinkClick r:id="rId4"/>
+              </a:rPr>
+              <a:t>https</a:t>
             </a:r>
             <a:r>
               <a:rPr lang="en-US" dirty="0">
                 <a:hlinkClick r:id="rId4"/>
               </a:rPr>
-              <a:t>https://</a:t>
+              <a:t>://</a:t>
             </a:r>
             <a:r>
               <a:rPr lang="en-US" dirty="0" smtClean="0">
                 <a:hlinkClick r:id="rId4"/>
               </a:rPr>
-              <a:t>github.com/ResearchComputing/Final_Tutorials/tree/master/Basics_Supercomputing</a:t>
-            </a:r>
-            <a:r>
-              <a:rPr lang="en-US" smtClean="0">
-                <a:hlinkClick r:id="rId4"/>
-              </a:rPr>
-              <a:t>/2017_January</a:t>
-            </a:r>
-            <a:r>
-              <a:rPr lang="en-US" smtClean="0"/>
+              <a:t>github.com/ResearchComputing/Parallelization_Workshop</a:t>
+            </a:r>
+            <a:r>
+              <a:rPr lang="en-US" dirty="0" smtClean="0"/>
               <a:t> </a:t>
             </a:r>
             <a:endParaRPr lang="en-US" dirty="0"/>
@@ -19920,7 +23472,7 @@
           <a:p>
             <a:fld id="{7E1CAACC-F82F-BF4F-B0F1-61A165586382}" type="datetime1">
               <a:rPr lang="en-US" smtClean="0"/>
-              <a:t>5/12/17</a:t>
+              <a:t>5/14/17</a:t>
             </a:fld>
             <a:endParaRPr lang="en-US" dirty="0"/>
           </a:p>
@@ -20330,6 +23882,30 @@
       </p:sp>
       <p:sp>
         <p:nvSpPr>
+          <p:cNvPr id="8" name="Slide Number Placeholder 7"/>
+          <p:cNvSpPr>
+            <a:spLocks noGrp="1"/>
+          </p:cNvSpPr>
+          <p:nvPr>
+            <p:ph type="sldNum" sz="quarter" idx="4"/>
+          </p:nvPr>
+        </p:nvSpPr>
+        <p:spPr/>
+        <p:txBody>
+          <a:bodyPr/>
+          <a:lstStyle/>
+          <a:p>
+            <a:fld id="{249E94F7-107C-CE46-8C56-9CACFF99CD93}" type="slidenum">
+              <a:rPr lang="en-US" smtClean="0"/>
+              <a:pPr/>
+              <a:t>5</a:t>
+            </a:fld>
+            <a:endParaRPr lang="en-US" dirty="0"/>
+          </a:p>
+        </p:txBody>
+      </p:sp>
+      <p:sp>
+        <p:nvSpPr>
           <p:cNvPr id="5" name="Rectangle 4"/>
           <p:cNvSpPr/>
           <p:nvPr/>
@@ -20405,30 +23981,6 @@
           </a:prstGeom>
         </p:spPr>
       </p:pic>
-      <p:sp>
-        <p:nvSpPr>
-          <p:cNvPr id="8" name="Slide Number Placeholder 7"/>
-          <p:cNvSpPr>
-            <a:spLocks noGrp="1"/>
-          </p:cNvSpPr>
-          <p:nvPr>
-            <p:ph type="sldNum" sz="quarter" idx="4"/>
-          </p:nvPr>
-        </p:nvSpPr>
-        <p:spPr/>
-        <p:txBody>
-          <a:bodyPr/>
-          <a:lstStyle/>
-          <a:p>
-            <a:fld id="{249E94F7-107C-CE46-8C56-9CACFF99CD93}" type="slidenum">
-              <a:rPr lang="en-US" smtClean="0"/>
-              <a:pPr/>
-              <a:t>5</a:t>
-            </a:fld>
-            <a:endParaRPr lang="en-US" dirty="0"/>
-          </a:p>
-        </p:txBody>
-      </p:sp>
     </p:spTree>
     <p:extLst>
       <p:ext uri="{BB962C8B-B14F-4D97-AF65-F5344CB8AC3E}">
@@ -20675,6 +24227,82 @@
       </p:sp>
       <p:sp>
         <p:nvSpPr>
+          <p:cNvPr id="7" name="Content Placeholder 2"/>
+          <p:cNvSpPr>
+            <a:spLocks noGrp="1"/>
+          </p:cNvSpPr>
+          <p:nvPr>
+            <p:ph idx="1"/>
+          </p:nvPr>
+        </p:nvSpPr>
+        <p:spPr>
+          <a:xfrm>
+            <a:off x="457199" y="1600200"/>
+            <a:ext cx="4078515" cy="4688490"/>
+          </a:xfrm>
+        </p:spPr>
+        <p:txBody>
+          <a:bodyPr/>
+          <a:lstStyle/>
+          <a:p>
+            <a:r>
+              <a:rPr lang="en-US" sz="2600" dirty="0" smtClean="0"/>
+              <a:t>Instructions are executed on one core</a:t>
+            </a:r>
+          </a:p>
+          <a:p>
+            <a:r>
+              <a:rPr lang="en-US" sz="2600" dirty="0" smtClean="0"/>
+              <a:t>The other cores sit idle</a:t>
+            </a:r>
+          </a:p>
+          <a:p>
+            <a:r>
+              <a:rPr lang="en-US" sz="2600" dirty="0" smtClean="0"/>
+              <a:t>If a task is running, Task 2 waits for Task 1 to complete, etc.</a:t>
+            </a:r>
+          </a:p>
+          <a:p>
+            <a:r>
+              <a:rPr lang="en-US" sz="2600" dirty="0" smtClean="0"/>
+              <a:t>Wasting resources</a:t>
+            </a:r>
+          </a:p>
+          <a:p>
+            <a:r>
+              <a:rPr lang="en-US" sz="2600" dirty="0" smtClean="0"/>
+              <a:t>Want to instead parallelize and use all cores</a:t>
+            </a:r>
+            <a:endParaRPr lang="en-US" sz="2400" dirty="0"/>
+          </a:p>
+        </p:txBody>
+      </p:sp>
+      <p:sp>
+        <p:nvSpPr>
+          <p:cNvPr id="8" name="Slide Number Placeholder 7"/>
+          <p:cNvSpPr>
+            <a:spLocks noGrp="1"/>
+          </p:cNvSpPr>
+          <p:nvPr>
+            <p:ph type="sldNum" sz="quarter" idx="4"/>
+          </p:nvPr>
+        </p:nvSpPr>
+        <p:spPr/>
+        <p:txBody>
+          <a:bodyPr/>
+          <a:lstStyle/>
+          <a:p>
+            <a:fld id="{249E94F7-107C-CE46-8C56-9CACFF99CD93}" type="slidenum">
+              <a:rPr lang="en-US" smtClean="0"/>
+              <a:pPr/>
+              <a:t>7</a:t>
+            </a:fld>
+            <a:endParaRPr lang="en-US" dirty="0"/>
+          </a:p>
+        </p:txBody>
+      </p:sp>
+      <p:sp>
+        <p:nvSpPr>
           <p:cNvPr id="5" name="Rectangle 4"/>
           <p:cNvSpPr/>
           <p:nvPr/>
@@ -20723,58 +24351,6 @@
               <a:t>OpenMPSlides_tamu_sc.pdf</a:t>
             </a:r>
             <a:endParaRPr lang="en-US" sz="1600" dirty="0"/>
-          </a:p>
-        </p:txBody>
-      </p:sp>
-      <p:sp>
-        <p:nvSpPr>
-          <p:cNvPr id="7" name="Content Placeholder 2"/>
-          <p:cNvSpPr>
-            <a:spLocks noGrp="1"/>
-          </p:cNvSpPr>
-          <p:nvPr>
-            <p:ph idx="1"/>
-          </p:nvPr>
-        </p:nvSpPr>
-        <p:spPr>
-          <a:xfrm>
-            <a:off x="457199" y="1600200"/>
-            <a:ext cx="4078515" cy="4688490"/>
-          </a:xfrm>
-        </p:spPr>
-        <p:txBody>
-          <a:bodyPr/>
-          <a:lstStyle/>
-          <a:p>
-            <a:r>
-              <a:rPr lang="en-US" sz="2600" dirty="0" smtClean="0"/>
-              <a:t>Instructions are executed on one core</a:t>
-            </a:r>
-          </a:p>
-          <a:p>
-            <a:r>
-              <a:rPr lang="en-US" sz="2600" dirty="0" smtClean="0"/>
-              <a:t>The other cores sit idle</a:t>
-            </a:r>
-          </a:p>
-          <a:p>
-            <a:r>
-              <a:rPr lang="en-US" sz="2600" dirty="0" smtClean="0"/>
-              <a:t>If a task is running, Task 2 waits for Task 1 to complete, etc.</a:t>
-            </a:r>
-          </a:p>
-          <a:p>
-            <a:r>
-              <a:rPr lang="en-US" sz="2600" dirty="0" smtClean="0"/>
-              <a:t>Wasting resources</a:t>
-            </a:r>
-          </a:p>
-          <a:p>
-            <a:r>
-              <a:rPr lang="en-US" sz="2600" dirty="0" smtClean="0"/>
-              <a:t>Want to instead parallelize and use all cores</a:t>
-            </a:r>
-            <a:endParaRPr lang="en-US" sz="2400" dirty="0"/>
           </a:p>
         </p:txBody>
       </p:sp>
@@ -20802,30 +24378,6 @@
           </a:prstGeom>
         </p:spPr>
       </p:pic>
-      <p:sp>
-        <p:nvSpPr>
-          <p:cNvPr id="8" name="Slide Number Placeholder 7"/>
-          <p:cNvSpPr>
-            <a:spLocks noGrp="1"/>
-          </p:cNvSpPr>
-          <p:nvPr>
-            <p:ph type="sldNum" sz="quarter" idx="4"/>
-          </p:nvPr>
-        </p:nvSpPr>
-        <p:spPr/>
-        <p:txBody>
-          <a:bodyPr/>
-          <a:lstStyle/>
-          <a:p>
-            <a:fld id="{249E94F7-107C-CE46-8C56-9CACFF99CD93}" type="slidenum">
-              <a:rPr lang="en-US" smtClean="0"/>
-              <a:pPr/>
-              <a:t>7</a:t>
-            </a:fld>
-            <a:endParaRPr lang="en-US" dirty="0"/>
-          </a:p>
-        </p:txBody>
-      </p:sp>
     </p:spTree>
     <p:extLst>
       <p:ext uri="{BB962C8B-B14F-4D97-AF65-F5344CB8AC3E}">
@@ -22451,52 +26003,52 @@
 </file>
 
 <file path=ppt/theme/theme5.xml><?xml version="1.0" encoding="utf-8"?>
-<a:theme xmlns:a="http://schemas.openxmlformats.org/drawingml/2006/main" name="Office Theme">
+<a:theme xmlns:a="http://schemas.openxmlformats.org/drawingml/2006/main" name="rc_theme_new">
   <a:themeElements>
-    <a:clrScheme name="Office">
+    <a:clrScheme name="Adjacency">
       <a:dk1>
-        <a:sysClr val="windowText" lastClr="000000"/>
+        <a:srgbClr val="2F2B20"/>
       </a:dk1>
       <a:lt1>
-        <a:sysClr val="window" lastClr="FFFFFF"/>
+        <a:srgbClr val="FFFFFF"/>
       </a:lt1>
       <a:dk2>
-        <a:srgbClr val="1F497D"/>
+        <a:srgbClr val="675E47"/>
       </a:dk2>
       <a:lt2>
-        <a:srgbClr val="EEECE1"/>
+        <a:srgbClr val="DFDCB7"/>
       </a:lt2>
       <a:accent1>
-        <a:srgbClr val="4F81BD"/>
+        <a:srgbClr val="A9A57C"/>
       </a:accent1>
       <a:accent2>
-        <a:srgbClr val="C0504D"/>
+        <a:srgbClr val="9CBEBD"/>
       </a:accent2>
       <a:accent3>
-        <a:srgbClr val="9BBB59"/>
+        <a:srgbClr val="D2CB6C"/>
       </a:accent3>
       <a:accent4>
-        <a:srgbClr val="8064A2"/>
+        <a:srgbClr val="95A39D"/>
       </a:accent4>
       <a:accent5>
-        <a:srgbClr val="4BACC6"/>
+        <a:srgbClr val="C89F5D"/>
       </a:accent5>
       <a:accent6>
-        <a:srgbClr val="F79646"/>
+        <a:srgbClr val="B1A089"/>
       </a:accent6>
       <a:hlink>
-        <a:srgbClr val="0000FF"/>
+        <a:srgbClr val="D25814"/>
       </a:hlink>
       <a:folHlink>
-        <a:srgbClr val="800080"/>
+        <a:srgbClr val="849A0A"/>
       </a:folHlink>
     </a:clrScheme>
     <a:fontScheme name="Office">
       <a:majorFont>
-        <a:latin typeface="Calibri"/>
+        <a:latin typeface="Cambria"/>
         <a:ea typeface=""/>
         <a:cs typeface=""/>
-        <a:font script="Jpan" typeface="ＭＳ Ｐゴシック"/>
+        <a:font script="Jpan" typeface="ＭＳ ゴシック"/>
         <a:font script="Hang" typeface="맑은 고딕"/>
         <a:font script="Hans" typeface="宋体"/>
         <a:font script="Hant" typeface="新細明體"/>
@@ -22531,7 +26083,7 @@
         <a:latin typeface="Calibri"/>
         <a:ea typeface=""/>
         <a:cs typeface=""/>
-        <a:font script="Jpan" typeface="ＭＳ Ｐゴシック"/>
+        <a:font script="Jpan" typeface="ＭＳ 明朝"/>
         <a:font script="Hang" typeface="맑은 고딕"/>
         <a:font script="Hans" typeface="宋体"/>
         <a:font script="Hant" typeface="新細明體"/>
@@ -22563,56 +26115,22 @@
         <a:font script="Geor" typeface="Sylfaen"/>
       </a:minorFont>
     </a:fontScheme>
-    <a:fmtScheme name="Office">
+    <a:fmtScheme name="Adjacency">
       <a:fillStyleLst>
         <a:solidFill>
           <a:schemeClr val="phClr"/>
         </a:solidFill>
-        <a:gradFill rotWithShape="1">
-          <a:gsLst>
-            <a:gs pos="0">
-              <a:schemeClr val="phClr">
-                <a:tint val="50000"/>
-                <a:satMod val="300000"/>
-              </a:schemeClr>
-            </a:gs>
-            <a:gs pos="35000">
-              <a:schemeClr val="phClr">
-                <a:tint val="37000"/>
-                <a:satMod val="300000"/>
-              </a:schemeClr>
-            </a:gs>
-            <a:gs pos="100000">
-              <a:schemeClr val="phClr">
-                <a:tint val="15000"/>
-                <a:satMod val="350000"/>
-              </a:schemeClr>
-            </a:gs>
-          </a:gsLst>
-          <a:lin ang="16200000" scaled="1"/>
-        </a:gradFill>
-        <a:gradFill rotWithShape="1">
-          <a:gsLst>
-            <a:gs pos="0">
-              <a:schemeClr val="phClr">
-                <a:tint val="100000"/>
-                <a:shade val="100000"/>
-                <a:satMod val="130000"/>
-              </a:schemeClr>
-            </a:gs>
-            <a:gs pos="100000">
-              <a:schemeClr val="phClr">
-                <a:tint val="50000"/>
-                <a:shade val="100000"/>
-                <a:satMod val="350000"/>
-              </a:schemeClr>
-            </a:gs>
-          </a:gsLst>
-          <a:lin ang="16200000" scaled="0"/>
-        </a:gradFill>
+        <a:solidFill>
+          <a:schemeClr val="phClr">
+            <a:tint val="55000"/>
+          </a:schemeClr>
+        </a:solidFill>
+        <a:solidFill>
+          <a:schemeClr val="phClr"/>
+        </a:solidFill>
       </a:fillStyleLst>
       <a:lnStyleLst>
-        <a:ln w="9525" cap="flat" cmpd="sng" algn="ctr">
+        <a:ln w="12700" cap="flat" cmpd="sng" algn="ctr">
           <a:solidFill>
             <a:schemeClr val="phClr">
               <a:shade val="95000"/>
@@ -22636,41 +26154,35 @@
       </a:lnStyleLst>
       <a:effectStyleLst>
         <a:effectStyle>
+          <a:effectLst/>
+        </a:effectStyle>
+        <a:effectStyle>
           <a:effectLst>
-            <a:outerShdw blurRad="40000" dist="20000" dir="5400000" rotWithShape="0">
+            <a:outerShdw blurRad="50800" dist="25400" algn="bl" rotWithShape="0">
               <a:srgbClr val="000000">
-                <a:alpha val="38000"/>
+                <a:alpha val="60000"/>
               </a:srgbClr>
             </a:outerShdw>
           </a:effectLst>
         </a:effectStyle>
         <a:effectStyle>
-          <a:effectLst>
-            <a:outerShdw blurRad="40000" dist="23000" dir="5400000" rotWithShape="0">
-              <a:srgbClr val="000000">
-                <a:alpha val="35000"/>
-              </a:srgbClr>
-            </a:outerShdw>
-          </a:effectLst>
-        </a:effectStyle>
-        <a:effectStyle>
-          <a:effectLst>
-            <a:outerShdw blurRad="40000" dist="23000" dir="5400000" rotWithShape="0">
-              <a:srgbClr val="000000">
-                <a:alpha val="35000"/>
-              </a:srgbClr>
-            </a:outerShdw>
-          </a:effectLst>
+          <a:effectLst/>
           <a:scene3d>
             <a:camera prst="orthographicFront">
               <a:rot lat="0" lon="0" rev="0"/>
             </a:camera>
-            <a:lightRig rig="threePt" dir="t">
-              <a:rot lat="0" lon="0" rev="1200000"/>
+            <a:lightRig rig="brightRoom" dir="tl">
+              <a:rot lat="0" lon="0" rev="1800000"/>
             </a:lightRig>
           </a:scene3d>
-          <a:sp3d>
-            <a:bevelT w="63500" h="25400"/>
+          <a:sp3d contourW="10160" prstMaterial="dkEdge">
+            <a:bevelT w="38100" h="50800" prst="angle"/>
+            <a:contourClr>
+              <a:schemeClr val="phClr">
+                <a:shade val="40000"/>
+                <a:satMod val="150000"/>
+              </a:schemeClr>
+            </a:contourClr>
           </a:sp3d>
         </a:effectStyle>
       </a:effectStyleLst>
@@ -22682,91 +26194,49 @@
           <a:gsLst>
             <a:gs pos="0">
               <a:schemeClr val="phClr">
-                <a:tint val="40000"/>
-                <a:satMod val="350000"/>
+                <a:tint val="90000"/>
               </a:schemeClr>
             </a:gs>
-            <a:gs pos="40000">
+            <a:gs pos="75000">
               <a:schemeClr val="phClr">
-                <a:tint val="45000"/>
-                <a:shade val="99000"/>
-                <a:satMod val="350000"/>
+                <a:shade val="100000"/>
+                <a:satMod val="115000"/>
               </a:schemeClr>
             </a:gs>
             <a:gs pos="100000">
               <a:schemeClr val="phClr">
-                <a:shade val="20000"/>
-                <a:satMod val="255000"/>
+                <a:shade val="70000"/>
+                <a:satMod val="130000"/>
               </a:schemeClr>
             </a:gs>
           </a:gsLst>
           <a:path path="circle">
-            <a:fillToRect l="50000" t="-80000" r="50000" b="180000"/>
+            <a:fillToRect l="20000" t="50000" r="100000" b="50000"/>
           </a:path>
         </a:gradFill>
-        <a:gradFill rotWithShape="1">
-          <a:gsLst>
-            <a:gs pos="0">
+        <a:blipFill rotWithShape="1">
+          <a:blip xmlns:r="http://schemas.openxmlformats.org/officeDocument/2006/relationships" r:embed="rId1">
+            <a:duotone>
               <a:schemeClr val="phClr">
-                <a:tint val="80000"/>
-                <a:satMod val="300000"/>
+                <a:tint val="97000"/>
               </a:schemeClr>
-            </a:gs>
-            <a:gs pos="100000">
               <a:schemeClr val="phClr">
-                <a:shade val="30000"/>
-                <a:satMod val="200000"/>
+                <a:shade val="96000"/>
               </a:schemeClr>
-            </a:gs>
-          </a:gsLst>
-          <a:path path="circle">
-            <a:fillToRect l="50000" t="50000" r="50000" b="50000"/>
-          </a:path>
-        </a:gradFill>
+            </a:duotone>
+          </a:blip>
+          <a:tile tx="0" ty="0" sx="32000" sy="32000" flip="none" algn="tl"/>
+        </a:blipFill>
       </a:bgFillStyleLst>
     </a:fmtScheme>
   </a:themeElements>
-  <a:objectDefaults>
-    <a:spDef>
-      <a:spPr/>
-      <a:bodyPr/>
-      <a:lstStyle/>
-      <a:style>
-        <a:lnRef idx="1">
-          <a:schemeClr val="accent1"/>
-        </a:lnRef>
-        <a:fillRef idx="3">
-          <a:schemeClr val="accent1"/>
-        </a:fillRef>
-        <a:effectRef idx="2">
-          <a:schemeClr val="accent1"/>
-        </a:effectRef>
-        <a:fontRef idx="minor">
-          <a:schemeClr val="lt1"/>
-        </a:fontRef>
-      </a:style>
-    </a:spDef>
-    <a:lnDef>
-      <a:spPr/>
-      <a:bodyPr/>
-      <a:lstStyle/>
-      <a:style>
-        <a:lnRef idx="2">
-          <a:schemeClr val="accent1"/>
-        </a:lnRef>
-        <a:fillRef idx="0">
-          <a:schemeClr val="accent1"/>
-        </a:fillRef>
-        <a:effectRef idx="1">
-          <a:schemeClr val="accent1"/>
-        </a:effectRef>
-        <a:fontRef idx="minor">
-          <a:schemeClr val="tx1"/>
-        </a:fontRef>
-      </a:style>
-    </a:lnDef>
-  </a:objectDefaults>
+  <a:objectDefaults/>
   <a:extraClrSchemeLst/>
+  <a:extLst>
+    <a:ext uri="{05A4C25C-085E-4340-85A3-A5531E510DB2}">
+      <thm15:themeFamily xmlns:thm15="http://schemas.microsoft.com/office/thememl/2012/main" name="rc_theme_new" id="{299CF24B-FAA3-AB4D-9305-76A0FF170DD5}" vid="{19065083-DBC7-734A-8549-F25E43AEB0FA}"/>
+    </a:ext>
+  </a:extLst>
 </a:theme>
 </file>
 
@@ -23088,4 +26558,324 @@
   </a:objectDefaults>
   <a:extraClrSchemeLst/>
 </a:theme>
+</file>
+
+<file path=ppt/theme/theme7.xml><?xml version="1.0" encoding="utf-8"?>
+<a:theme xmlns:a="http://schemas.openxmlformats.org/drawingml/2006/main" name="Office Theme">
+  <a:themeElements>
+    <a:clrScheme name="Office">
+      <a:dk1>
+        <a:sysClr val="windowText" lastClr="000000"/>
+      </a:dk1>
+      <a:lt1>
+        <a:sysClr val="window" lastClr="FFFFFF"/>
+      </a:lt1>
+      <a:dk2>
+        <a:srgbClr val="1F497D"/>
+      </a:dk2>
+      <a:lt2>
+        <a:srgbClr val="EEECE1"/>
+      </a:lt2>
+      <a:accent1>
+        <a:srgbClr val="4F81BD"/>
+      </a:accent1>
+      <a:accent2>
+        <a:srgbClr val="C0504D"/>
+      </a:accent2>
+      <a:accent3>
+        <a:srgbClr val="9BBB59"/>
+      </a:accent3>
+      <a:accent4>
+        <a:srgbClr val="8064A2"/>
+      </a:accent4>
+      <a:accent5>
+        <a:srgbClr val="4BACC6"/>
+      </a:accent5>
+      <a:accent6>
+        <a:srgbClr val="F79646"/>
+      </a:accent6>
+      <a:hlink>
+        <a:srgbClr val="0000FF"/>
+      </a:hlink>
+      <a:folHlink>
+        <a:srgbClr val="800080"/>
+      </a:folHlink>
+    </a:clrScheme>
+    <a:fontScheme name="Office">
+      <a:majorFont>
+        <a:latin typeface="Calibri"/>
+        <a:ea typeface=""/>
+        <a:cs typeface=""/>
+        <a:font script="Jpan" typeface="ＭＳ Ｐゴシック"/>
+        <a:font script="Hang" typeface="맑은 고딕"/>
+        <a:font script="Hans" typeface="宋体"/>
+        <a:font script="Hant" typeface="新細明體"/>
+        <a:font script="Arab" typeface="Times New Roman"/>
+        <a:font script="Hebr" typeface="Times New Roman"/>
+        <a:font script="Thai" typeface="Angsana New"/>
+        <a:font script="Ethi" typeface="Nyala"/>
+        <a:font script="Beng" typeface="Vrinda"/>
+        <a:font script="Gujr" typeface="Shruti"/>
+        <a:font script="Khmr" typeface="MoolBoran"/>
+        <a:font script="Knda" typeface="Tunga"/>
+        <a:font script="Guru" typeface="Raavi"/>
+        <a:font script="Cans" typeface="Euphemia"/>
+        <a:font script="Cher" typeface="Plantagenet Cherokee"/>
+        <a:font script="Yiii" typeface="Microsoft Yi Baiti"/>
+        <a:font script="Tibt" typeface="Microsoft Himalaya"/>
+        <a:font script="Thaa" typeface="MV Boli"/>
+        <a:font script="Deva" typeface="Mangal"/>
+        <a:font script="Telu" typeface="Gautami"/>
+        <a:font script="Taml" typeface="Latha"/>
+        <a:font script="Syrc" typeface="Estrangelo Edessa"/>
+        <a:font script="Orya" typeface="Kalinga"/>
+        <a:font script="Mlym" typeface="Kartika"/>
+        <a:font script="Laoo" typeface="DokChampa"/>
+        <a:font script="Sinh" typeface="Iskoola Pota"/>
+        <a:font script="Mong" typeface="Mongolian Baiti"/>
+        <a:font script="Viet" typeface="Times New Roman"/>
+        <a:font script="Uigh" typeface="Microsoft Uighur"/>
+        <a:font script="Geor" typeface="Sylfaen"/>
+      </a:majorFont>
+      <a:minorFont>
+        <a:latin typeface="Calibri"/>
+        <a:ea typeface=""/>
+        <a:cs typeface=""/>
+        <a:font script="Jpan" typeface="ＭＳ Ｐゴシック"/>
+        <a:font script="Hang" typeface="맑은 고딕"/>
+        <a:font script="Hans" typeface="宋体"/>
+        <a:font script="Hant" typeface="新細明體"/>
+        <a:font script="Arab" typeface="Arial"/>
+        <a:font script="Hebr" typeface="Arial"/>
+        <a:font script="Thai" typeface="Cordia New"/>
+        <a:font script="Ethi" typeface="Nyala"/>
+        <a:font script="Beng" typeface="Vrinda"/>
+        <a:font script="Gujr" typeface="Shruti"/>
+        <a:font script="Khmr" typeface="DaunPenh"/>
+        <a:font script="Knda" typeface="Tunga"/>
+        <a:font script="Guru" typeface="Raavi"/>
+        <a:font script="Cans" typeface="Euphemia"/>
+        <a:font script="Cher" typeface="Plantagenet Cherokee"/>
+        <a:font script="Yiii" typeface="Microsoft Yi Baiti"/>
+        <a:font script="Tibt" typeface="Microsoft Himalaya"/>
+        <a:font script="Thaa" typeface="MV Boli"/>
+        <a:font script="Deva" typeface="Mangal"/>
+        <a:font script="Telu" typeface="Gautami"/>
+        <a:font script="Taml" typeface="Latha"/>
+        <a:font script="Syrc" typeface="Estrangelo Edessa"/>
+        <a:font script="Orya" typeface="Kalinga"/>
+        <a:font script="Mlym" typeface="Kartika"/>
+        <a:font script="Laoo" typeface="DokChampa"/>
+        <a:font script="Sinh" typeface="Iskoola Pota"/>
+        <a:font script="Mong" typeface="Mongolian Baiti"/>
+        <a:font script="Viet" typeface="Arial"/>
+        <a:font script="Uigh" typeface="Microsoft Uighur"/>
+        <a:font script="Geor" typeface="Sylfaen"/>
+      </a:minorFont>
+    </a:fontScheme>
+    <a:fmtScheme name="Office">
+      <a:fillStyleLst>
+        <a:solidFill>
+          <a:schemeClr val="phClr"/>
+        </a:solidFill>
+        <a:gradFill rotWithShape="1">
+          <a:gsLst>
+            <a:gs pos="0">
+              <a:schemeClr val="phClr">
+                <a:tint val="50000"/>
+                <a:satMod val="300000"/>
+              </a:schemeClr>
+            </a:gs>
+            <a:gs pos="35000">
+              <a:schemeClr val="phClr">
+                <a:tint val="37000"/>
+                <a:satMod val="300000"/>
+              </a:schemeClr>
+            </a:gs>
+            <a:gs pos="100000">
+              <a:schemeClr val="phClr">
+                <a:tint val="15000"/>
+                <a:satMod val="350000"/>
+              </a:schemeClr>
+            </a:gs>
+          </a:gsLst>
+          <a:lin ang="16200000" scaled="1"/>
+        </a:gradFill>
+        <a:gradFill rotWithShape="1">
+          <a:gsLst>
+            <a:gs pos="0">
+              <a:schemeClr val="phClr">
+                <a:tint val="100000"/>
+                <a:shade val="100000"/>
+                <a:satMod val="130000"/>
+              </a:schemeClr>
+            </a:gs>
+            <a:gs pos="100000">
+              <a:schemeClr val="phClr">
+                <a:tint val="50000"/>
+                <a:shade val="100000"/>
+                <a:satMod val="350000"/>
+              </a:schemeClr>
+            </a:gs>
+          </a:gsLst>
+          <a:lin ang="16200000" scaled="0"/>
+        </a:gradFill>
+      </a:fillStyleLst>
+      <a:lnStyleLst>
+        <a:ln w="9525" cap="flat" cmpd="sng" algn="ctr">
+          <a:solidFill>
+            <a:schemeClr val="phClr">
+              <a:shade val="95000"/>
+              <a:satMod val="105000"/>
+            </a:schemeClr>
+          </a:solidFill>
+          <a:prstDash val="solid"/>
+        </a:ln>
+        <a:ln w="25400" cap="flat" cmpd="sng" algn="ctr">
+          <a:solidFill>
+            <a:schemeClr val="phClr"/>
+          </a:solidFill>
+          <a:prstDash val="solid"/>
+        </a:ln>
+        <a:ln w="38100" cap="flat" cmpd="sng" algn="ctr">
+          <a:solidFill>
+            <a:schemeClr val="phClr"/>
+          </a:solidFill>
+          <a:prstDash val="solid"/>
+        </a:ln>
+      </a:lnStyleLst>
+      <a:effectStyleLst>
+        <a:effectStyle>
+          <a:effectLst>
+            <a:outerShdw blurRad="40000" dist="20000" dir="5400000" rotWithShape="0">
+              <a:srgbClr val="000000">
+                <a:alpha val="38000"/>
+              </a:srgbClr>
+            </a:outerShdw>
+          </a:effectLst>
+        </a:effectStyle>
+        <a:effectStyle>
+          <a:effectLst>
+            <a:outerShdw blurRad="40000" dist="23000" dir="5400000" rotWithShape="0">
+              <a:srgbClr val="000000">
+                <a:alpha val="35000"/>
+              </a:srgbClr>
+            </a:outerShdw>
+          </a:effectLst>
+        </a:effectStyle>
+        <a:effectStyle>
+          <a:effectLst>
+            <a:outerShdw blurRad="40000" dist="23000" dir="5400000" rotWithShape="0">
+              <a:srgbClr val="000000">
+                <a:alpha val="35000"/>
+              </a:srgbClr>
+            </a:outerShdw>
+          </a:effectLst>
+          <a:scene3d>
+            <a:camera prst="orthographicFront">
+              <a:rot lat="0" lon="0" rev="0"/>
+            </a:camera>
+            <a:lightRig rig="threePt" dir="t">
+              <a:rot lat="0" lon="0" rev="1200000"/>
+            </a:lightRig>
+          </a:scene3d>
+          <a:sp3d>
+            <a:bevelT w="63500" h="25400"/>
+          </a:sp3d>
+        </a:effectStyle>
+      </a:effectStyleLst>
+      <a:bgFillStyleLst>
+        <a:solidFill>
+          <a:schemeClr val="phClr"/>
+        </a:solidFill>
+        <a:gradFill rotWithShape="1">
+          <a:gsLst>
+            <a:gs pos="0">
+              <a:schemeClr val="phClr">
+                <a:tint val="40000"/>
+                <a:satMod val="350000"/>
+              </a:schemeClr>
+            </a:gs>
+            <a:gs pos="40000">
+              <a:schemeClr val="phClr">
+                <a:tint val="45000"/>
+                <a:shade val="99000"/>
+                <a:satMod val="350000"/>
+              </a:schemeClr>
+            </a:gs>
+            <a:gs pos="100000">
+              <a:schemeClr val="phClr">
+                <a:shade val="20000"/>
+                <a:satMod val="255000"/>
+              </a:schemeClr>
+            </a:gs>
+          </a:gsLst>
+          <a:path path="circle">
+            <a:fillToRect l="50000" t="-80000" r="50000" b="180000"/>
+          </a:path>
+        </a:gradFill>
+        <a:gradFill rotWithShape="1">
+          <a:gsLst>
+            <a:gs pos="0">
+              <a:schemeClr val="phClr">
+                <a:tint val="80000"/>
+                <a:satMod val="300000"/>
+              </a:schemeClr>
+            </a:gs>
+            <a:gs pos="100000">
+              <a:schemeClr val="phClr">
+                <a:shade val="30000"/>
+                <a:satMod val="200000"/>
+              </a:schemeClr>
+            </a:gs>
+          </a:gsLst>
+          <a:path path="circle">
+            <a:fillToRect l="50000" t="50000" r="50000" b="50000"/>
+          </a:path>
+        </a:gradFill>
+      </a:bgFillStyleLst>
+    </a:fmtScheme>
+  </a:themeElements>
+  <a:objectDefaults>
+    <a:spDef>
+      <a:spPr/>
+      <a:bodyPr/>
+      <a:lstStyle/>
+      <a:style>
+        <a:lnRef idx="1">
+          <a:schemeClr val="accent1"/>
+        </a:lnRef>
+        <a:fillRef idx="3">
+          <a:schemeClr val="accent1"/>
+        </a:fillRef>
+        <a:effectRef idx="2">
+          <a:schemeClr val="accent1"/>
+        </a:effectRef>
+        <a:fontRef idx="minor">
+          <a:schemeClr val="lt1"/>
+        </a:fontRef>
+      </a:style>
+    </a:spDef>
+    <a:lnDef>
+      <a:spPr/>
+      <a:bodyPr/>
+      <a:lstStyle/>
+      <a:style>
+        <a:lnRef idx="2">
+          <a:schemeClr val="accent1"/>
+        </a:lnRef>
+        <a:fillRef idx="0">
+          <a:schemeClr val="accent1"/>
+        </a:fillRef>
+        <a:effectRef idx="1">
+          <a:schemeClr val="accent1"/>
+        </a:effectRef>
+        <a:fontRef idx="minor">
+          <a:schemeClr val="tx1"/>
+        </a:fontRef>
+      </a:style>
+    </a:lnDef>
+  </a:objectDefaults>
+  <a:extraClrSchemeLst/>
+</a:theme>
 </file>